--- a/Fase2/Evidencias_Grupales/Formato Presentación final.pptx
+++ b/Fase2/Evidencias_Grupales/Formato Presentación final.pptx
@@ -23,6 +23,11 @@
     <p:sldId id="268" r:id="rId17"/>
     <p:sldId id="269" r:id="rId18"/>
     <p:sldId id="270" r:id="rId19"/>
+    <p:sldId id="271" r:id="rId20"/>
+    <p:sldId id="272" r:id="rId21"/>
+    <p:sldId id="273" r:id="rId22"/>
+    <p:sldId id="274" r:id="rId23"/>
+    <p:sldId id="275" r:id="rId24"/>
   </p:sldIdLst>
   <p:sldSz cy="6858000" cx="12192000"/>
   <p:notesSz cx="6858000" cy="9144000"/>
@@ -257,7 +262,7 @@
   </p:defaultTextStyle>
   <p:extLst>
     <p:ext uri="GoogleSlidesCustomDataVersion2">
-      <go:slidesCustomData xmlns:go="http://customooxmlschemas.google.com/" r:id="rId20" roundtripDataSignature="AMtx7mil5fnpbNB0I8y0AtdxCSt+R4sW7Q=="/>
+      <go:slidesCustomData xmlns:go="http://customooxmlschemas.google.com/" r:id="rId25" roundtripDataSignature="AMtx7mgDjKg6YFLc0gqa/O5coYHZy1m/BA=="/>
     </p:ext>
   </p:extLst>
 </p:presentation>
@@ -793,7 +798,7 @@
   <p:cSld>
     <p:spTree>
       <p:nvGrpSpPr>
-        <p:cNvPr id="186" name="Shape 186"/>
+        <p:cNvPr id="156" name="Shape 156"/>
         <p:cNvGrpSpPr/>
         <p:nvPr/>
       </p:nvGrpSpPr>
@@ -807,7 +812,7 @@
       </p:grpSpPr>
       <p:sp>
         <p:nvSpPr>
-          <p:cNvPr id="187" name="Google Shape;187;p9:notes"/>
+          <p:cNvPr id="157" name="Google Shape;157;p10:notes"/>
           <p:cNvSpPr txBox="1"/>
           <p:nvPr>
             <p:ph idx="1" type="body"/>
@@ -846,7 +851,7 @@
       </p:sp>
       <p:sp>
         <p:nvSpPr>
-          <p:cNvPr id="188" name="Google Shape;188;p9:notes"/>
+          <p:cNvPr id="158" name="Google Shape;158;p10:notes"/>
           <p:cNvSpPr/>
           <p:nvPr>
             <p:ph idx="2" type="sldImg"/>
@@ -892,7 +897,7 @@
   <p:cSld>
     <p:spTree>
       <p:nvGrpSpPr>
-        <p:cNvPr id="194" name="Shape 194"/>
+        <p:cNvPr id="165" name="Shape 165"/>
         <p:cNvGrpSpPr/>
         <p:nvPr/>
       </p:nvGrpSpPr>
@@ -906,7 +911,7 @@
       </p:grpSpPr>
       <p:sp>
         <p:nvSpPr>
-          <p:cNvPr id="195" name="Google Shape;195;p10:notes"/>
+          <p:cNvPr id="166" name="Google Shape;166;p11:notes"/>
           <p:cNvSpPr txBox="1"/>
           <p:nvPr>
             <p:ph idx="1" type="body"/>
@@ -945,7 +950,7 @@
       </p:sp>
       <p:sp>
         <p:nvSpPr>
-          <p:cNvPr id="196" name="Google Shape;196;p10:notes"/>
+          <p:cNvPr id="167" name="Google Shape;167;p11:notes"/>
           <p:cNvSpPr/>
           <p:nvPr>
             <p:ph idx="2" type="sldImg"/>
@@ -991,7 +996,7 @@
   <p:cSld>
     <p:spTree>
       <p:nvGrpSpPr>
-        <p:cNvPr id="202" name="Shape 202"/>
+        <p:cNvPr id="171" name="Shape 171"/>
         <p:cNvGrpSpPr/>
         <p:nvPr/>
       </p:nvGrpSpPr>
@@ -1005,7 +1010,7 @@
       </p:grpSpPr>
       <p:sp>
         <p:nvSpPr>
-          <p:cNvPr id="203" name="Google Shape;203;p11:notes"/>
+          <p:cNvPr id="172" name="Google Shape;172;p12:notes"/>
           <p:cNvSpPr txBox="1"/>
           <p:nvPr>
             <p:ph idx="1" type="body"/>
@@ -1044,7 +1049,7 @@
       </p:sp>
       <p:sp>
         <p:nvSpPr>
-          <p:cNvPr id="204" name="Google Shape;204;p11:notes"/>
+          <p:cNvPr id="173" name="Google Shape;173;p12:notes"/>
           <p:cNvSpPr/>
           <p:nvPr>
             <p:ph idx="2" type="sldImg"/>
@@ -1090,7 +1095,7 @@
   <p:cSld>
     <p:spTree>
       <p:nvGrpSpPr>
-        <p:cNvPr id="208" name="Shape 208"/>
+        <p:cNvPr id="177" name="Shape 177"/>
         <p:cNvGrpSpPr/>
         <p:nvPr/>
       </p:nvGrpSpPr>
@@ -1104,7 +1109,7 @@
       </p:grpSpPr>
       <p:sp>
         <p:nvSpPr>
-          <p:cNvPr id="209" name="Google Shape;209;p12:notes"/>
+          <p:cNvPr id="178" name="Google Shape;178;p13:notes"/>
           <p:cNvSpPr txBox="1"/>
           <p:nvPr>
             <p:ph idx="1" type="body"/>
@@ -1143,7 +1148,7 @@
       </p:sp>
       <p:sp>
         <p:nvSpPr>
-          <p:cNvPr id="210" name="Google Shape;210;p12:notes"/>
+          <p:cNvPr id="179" name="Google Shape;179;p13:notes"/>
           <p:cNvSpPr/>
           <p:nvPr>
             <p:ph idx="2" type="sldImg"/>
@@ -1189,7 +1194,7 @@
   <p:cSld>
     <p:spTree>
       <p:nvGrpSpPr>
-        <p:cNvPr id="214" name="Shape 214"/>
+        <p:cNvPr id="183" name="Shape 183"/>
         <p:cNvGrpSpPr/>
         <p:nvPr/>
       </p:nvGrpSpPr>
@@ -1203,7 +1208,7 @@
       </p:grpSpPr>
       <p:sp>
         <p:nvSpPr>
-          <p:cNvPr id="215" name="Google Shape;215;p13:notes"/>
+          <p:cNvPr id="184" name="Google Shape;184;p14:notes"/>
           <p:cNvSpPr txBox="1"/>
           <p:nvPr>
             <p:ph idx="1" type="body"/>
@@ -1242,7 +1247,7 @@
       </p:sp>
       <p:sp>
         <p:nvSpPr>
-          <p:cNvPr id="216" name="Google Shape;216;p13:notes"/>
+          <p:cNvPr id="185" name="Google Shape;185;p14:notes"/>
           <p:cNvSpPr/>
           <p:nvPr>
             <p:ph idx="2" type="sldImg"/>
@@ -1288,7 +1293,7 @@
   <p:cSld>
     <p:spTree>
       <p:nvGrpSpPr>
-        <p:cNvPr id="220" name="Shape 220"/>
+        <p:cNvPr id="189" name="Shape 189"/>
         <p:cNvGrpSpPr/>
         <p:nvPr/>
       </p:nvGrpSpPr>
@@ -1302,7 +1307,7 @@
       </p:grpSpPr>
       <p:sp>
         <p:nvSpPr>
-          <p:cNvPr id="221" name="Google Shape;221;p14:notes"/>
+          <p:cNvPr id="190" name="Google Shape;190;g38e20ad7a5e_0_72:notes"/>
           <p:cNvSpPr txBox="1"/>
           <p:nvPr>
             <p:ph idx="1" type="body"/>
@@ -1341,7 +1346,106 @@
       </p:sp>
       <p:sp>
         <p:nvSpPr>
-          <p:cNvPr id="222" name="Google Shape;222;p14:notes"/>
+          <p:cNvPr id="191" name="Google Shape;191;g38e20ad7a5e_0_72:notes"/>
+          <p:cNvSpPr/>
+          <p:nvPr>
+            <p:ph idx="2" type="sldImg"/>
+          </p:nvPr>
+        </p:nvSpPr>
+        <p:spPr>
+          <a:xfrm>
+            <a:off x="1143225" y="685800"/>
+            <a:ext cx="4572300" cy="3429000"/>
+          </a:xfrm>
+          <a:custGeom>
+            <a:rect b="b" l="l" r="r" t="t"/>
+            <a:pathLst>
+              <a:path extrusionOk="0" h="120000" w="120000">
+                <a:moveTo>
+                  <a:pt x="0" y="0"/>
+                </a:moveTo>
+                <a:lnTo>
+                  <a:pt x="120000" y="0"/>
+                </a:lnTo>
+                <a:lnTo>
+                  <a:pt x="120000" y="120000"/>
+                </a:lnTo>
+                <a:lnTo>
+                  <a:pt x="0" y="120000"/>
+                </a:lnTo>
+                <a:close/>
+              </a:path>
+            </a:pathLst>
+          </a:custGeom>
+        </p:spPr>
+      </p:sp>
+    </p:spTree>
+  </p:cSld>
+  <p:clrMapOvr>
+    <a:masterClrMapping/>
+  </p:clrMapOvr>
+</p:notes>
+</file>
+
+<file path=ppt/notesSlides/notesSlide16.xml><?xml version="1.0" encoding="utf-8"?>
+<p:notes xmlns:a="http://schemas.openxmlformats.org/drawingml/2006/main" xmlns:r="http://schemas.openxmlformats.org/officeDocument/2006/relationships" xmlns:mc="http://schemas.openxmlformats.org/markup-compatibility/2006" xmlns:mv="urn:schemas-microsoft-com:mac:vml" xmlns:p="http://schemas.openxmlformats.org/presentationml/2006/main" xmlns:c="http://schemas.openxmlformats.org/drawingml/2006/chart" xmlns:dgm="http://schemas.openxmlformats.org/drawingml/2006/diagram" xmlns:o="urn:schemas-microsoft-com:office:office" xmlns:v="urn:schemas-microsoft-com:vml" xmlns:pvml="urn:schemas-microsoft-com:office:powerpoint" xmlns:com="http://schemas.openxmlformats.org/drawingml/2006/compatibility" xmlns:p14="http://schemas.microsoft.com/office/powerpoint/2010/main" xmlns:p15="http://schemas.microsoft.com/office/powerpoint/2012/main" xmlns:ahyp="http://schemas.microsoft.com/office/drawing/2018/hyperlinkcolor" showMasterPhAnim="0" showMasterSp="0">
+  <p:cSld>
+    <p:spTree>
+      <p:nvGrpSpPr>
+        <p:cNvPr id="196" name="Shape 196"/>
+        <p:cNvGrpSpPr/>
+        <p:nvPr/>
+      </p:nvGrpSpPr>
+      <p:grpSpPr>
+        <a:xfrm>
+          <a:off x="0" y="0"/>
+          <a:ext cx="0" cy="0"/>
+          <a:chOff x="0" y="0"/>
+          <a:chExt cx="0" cy="0"/>
+        </a:xfrm>
+      </p:grpSpPr>
+      <p:sp>
+        <p:nvSpPr>
+          <p:cNvPr id="197" name="Google Shape;197;p3:notes"/>
+          <p:cNvSpPr txBox="1"/>
+          <p:nvPr>
+            <p:ph idx="1" type="body"/>
+          </p:nvPr>
+        </p:nvSpPr>
+        <p:spPr>
+          <a:xfrm>
+            <a:off x="685800" y="4343400"/>
+            <a:ext cx="5486400" cy="4114800"/>
+          </a:xfrm>
+          <a:prstGeom prst="rect">
+            <a:avLst/>
+          </a:prstGeom>
+        </p:spPr>
+        <p:txBody>
+          <a:bodyPr anchorCtr="0" anchor="t" bIns="91425" lIns="91425" spcFirstLastPara="1" rIns="91425" wrap="square" tIns="91425">
+            <a:noAutofit/>
+          </a:bodyPr>
+          <a:lstStyle/>
+          <a:p>
+            <a:pPr indent="0" lvl="0" marL="0" rtl="0" algn="l">
+              <a:spcBef>
+                <a:spcPts val="0"/>
+              </a:spcBef>
+              <a:spcAft>
+                <a:spcPts val="0"/>
+              </a:spcAft>
+              <a:buNone/>
+            </a:pPr>
+            <a:r>
+              <a:t/>
+            </a:r>
+            <a:endParaRPr/>
+          </a:p>
+        </p:txBody>
+      </p:sp>
+      <p:sp>
+        <p:nvSpPr>
+          <p:cNvPr id="198" name="Google Shape;198;p3:notes"/>
           <p:cNvSpPr/>
           <p:nvPr>
             <p:ph idx="2" type="sldImg"/>
@@ -1382,12 +1486,12 @@
 </p:notes>
 </file>
 
-<file path=ppt/notesSlides/notesSlide2.xml><?xml version="1.0" encoding="utf-8"?>
+<file path=ppt/notesSlides/notesSlide17.xml><?xml version="1.0" encoding="utf-8"?>
 <p:notes xmlns:a="http://schemas.openxmlformats.org/drawingml/2006/main" xmlns:r="http://schemas.openxmlformats.org/officeDocument/2006/relationships" xmlns:mc="http://schemas.openxmlformats.org/markup-compatibility/2006" xmlns:mv="urn:schemas-microsoft-com:mac:vml" xmlns:p="http://schemas.openxmlformats.org/presentationml/2006/main" xmlns:c="http://schemas.openxmlformats.org/drawingml/2006/chart" xmlns:dgm="http://schemas.openxmlformats.org/drawingml/2006/diagram" xmlns:o="urn:schemas-microsoft-com:office:office" xmlns:v="urn:schemas-microsoft-com:vml" xmlns:pvml="urn:schemas-microsoft-com:office:powerpoint" xmlns:com="http://schemas.openxmlformats.org/drawingml/2006/compatibility" xmlns:p14="http://schemas.microsoft.com/office/powerpoint/2010/main" xmlns:p15="http://schemas.microsoft.com/office/powerpoint/2012/main" xmlns:ahyp="http://schemas.microsoft.com/office/drawing/2018/hyperlinkcolor" showMasterPhAnim="0" showMasterSp="0">
   <p:cSld>
     <p:spTree>
       <p:nvGrpSpPr>
-        <p:cNvPr id="87" name="Shape 87"/>
+        <p:cNvPr id="210" name="Shape 210"/>
         <p:cNvGrpSpPr/>
         <p:nvPr/>
       </p:nvGrpSpPr>
@@ -1401,7 +1505,7 @@
       </p:grpSpPr>
       <p:sp>
         <p:nvSpPr>
-          <p:cNvPr id="88" name="Google Shape;88;p2:notes"/>
+          <p:cNvPr id="211" name="Google Shape;211;p4:notes"/>
           <p:cNvSpPr txBox="1"/>
           <p:nvPr>
             <p:ph idx="1" type="body"/>
@@ -1440,7 +1544,7 @@
       </p:sp>
       <p:sp>
         <p:nvSpPr>
-          <p:cNvPr id="89" name="Google Shape;89;p2:notes"/>
+          <p:cNvPr id="212" name="Google Shape;212;p4:notes"/>
           <p:cNvSpPr/>
           <p:nvPr>
             <p:ph idx="2" type="sldImg"/>
@@ -1481,12 +1585,12 @@
 </p:notes>
 </file>
 
-<file path=ppt/notesSlides/notesSlide3.xml><?xml version="1.0" encoding="utf-8"?>
+<file path=ppt/notesSlides/notesSlide18.xml><?xml version="1.0" encoding="utf-8"?>
 <p:notes xmlns:a="http://schemas.openxmlformats.org/drawingml/2006/main" xmlns:r="http://schemas.openxmlformats.org/officeDocument/2006/relationships" xmlns:mc="http://schemas.openxmlformats.org/markup-compatibility/2006" xmlns:mv="urn:schemas-microsoft-com:mac:vml" xmlns:p="http://schemas.openxmlformats.org/presentationml/2006/main" xmlns:c="http://schemas.openxmlformats.org/drawingml/2006/chart" xmlns:dgm="http://schemas.openxmlformats.org/drawingml/2006/diagram" xmlns:o="urn:schemas-microsoft-com:office:office" xmlns:v="urn:schemas-microsoft-com:vml" xmlns:pvml="urn:schemas-microsoft-com:office:powerpoint" xmlns:com="http://schemas.openxmlformats.org/drawingml/2006/compatibility" xmlns:p14="http://schemas.microsoft.com/office/powerpoint/2010/main" xmlns:p15="http://schemas.microsoft.com/office/powerpoint/2012/main" xmlns:ahyp="http://schemas.microsoft.com/office/drawing/2018/hyperlinkcolor" showMasterPhAnim="0" showMasterSp="0">
   <p:cSld>
     <p:spTree>
       <p:nvGrpSpPr>
-        <p:cNvPr id="105" name="Shape 105"/>
+        <p:cNvPr id="222" name="Shape 222"/>
         <p:cNvGrpSpPr/>
         <p:nvPr/>
       </p:nvGrpSpPr>
@@ -1500,7 +1604,7 @@
       </p:grpSpPr>
       <p:sp>
         <p:nvSpPr>
-          <p:cNvPr id="106" name="Google Shape;106;p3:notes"/>
+          <p:cNvPr id="223" name="Google Shape;223;p5:notes"/>
           <p:cNvSpPr txBox="1"/>
           <p:nvPr>
             <p:ph idx="1" type="body"/>
@@ -1539,7 +1643,7 @@
       </p:sp>
       <p:sp>
         <p:nvSpPr>
-          <p:cNvPr id="107" name="Google Shape;107;p3:notes"/>
+          <p:cNvPr id="224" name="Google Shape;224;p5:notes"/>
           <p:cNvSpPr/>
           <p:nvPr>
             <p:ph idx="2" type="sldImg"/>
@@ -1580,12 +1684,12 @@
 </p:notes>
 </file>
 
-<file path=ppt/notesSlides/notesSlide4.xml><?xml version="1.0" encoding="utf-8"?>
+<file path=ppt/notesSlides/notesSlide19.xml><?xml version="1.0" encoding="utf-8"?>
 <p:notes xmlns:a="http://schemas.openxmlformats.org/drawingml/2006/main" xmlns:r="http://schemas.openxmlformats.org/officeDocument/2006/relationships" xmlns:mc="http://schemas.openxmlformats.org/markup-compatibility/2006" xmlns:mv="urn:schemas-microsoft-com:mac:vml" xmlns:p="http://schemas.openxmlformats.org/presentationml/2006/main" xmlns:c="http://schemas.openxmlformats.org/drawingml/2006/chart" xmlns:dgm="http://schemas.openxmlformats.org/drawingml/2006/diagram" xmlns:o="urn:schemas-microsoft-com:office:office" xmlns:v="urn:schemas-microsoft-com:vml" xmlns:pvml="urn:schemas-microsoft-com:office:powerpoint" xmlns:com="http://schemas.openxmlformats.org/drawingml/2006/compatibility" xmlns:p14="http://schemas.microsoft.com/office/powerpoint/2010/main" xmlns:p15="http://schemas.microsoft.com/office/powerpoint/2012/main" xmlns:ahyp="http://schemas.microsoft.com/office/drawing/2018/hyperlinkcolor" showMasterPhAnim="0" showMasterSp="0">
   <p:cSld>
     <p:spTree>
       <p:nvGrpSpPr>
-        <p:cNvPr id="119" name="Shape 119"/>
+        <p:cNvPr id="232" name="Shape 232"/>
         <p:cNvGrpSpPr/>
         <p:nvPr/>
       </p:nvGrpSpPr>
@@ -1599,7 +1703,7 @@
       </p:grpSpPr>
       <p:sp>
         <p:nvSpPr>
-          <p:cNvPr id="120" name="Google Shape;120;p4:notes"/>
+          <p:cNvPr id="233" name="Google Shape;233;g38593bb6efb_1_11:notes"/>
           <p:cNvSpPr txBox="1"/>
           <p:nvPr>
             <p:ph idx="1" type="body"/>
@@ -1638,7 +1742,106 @@
       </p:sp>
       <p:sp>
         <p:nvSpPr>
-          <p:cNvPr id="121" name="Google Shape;121;p4:notes"/>
+          <p:cNvPr id="234" name="Google Shape;234;g38593bb6efb_1_11:notes"/>
+          <p:cNvSpPr/>
+          <p:nvPr>
+            <p:ph idx="2" type="sldImg"/>
+          </p:nvPr>
+        </p:nvSpPr>
+        <p:spPr>
+          <a:xfrm>
+            <a:off x="1143225" y="685800"/>
+            <a:ext cx="4572300" cy="3429000"/>
+          </a:xfrm>
+          <a:custGeom>
+            <a:rect b="b" l="l" r="r" t="t"/>
+            <a:pathLst>
+              <a:path extrusionOk="0" h="120000" w="120000">
+                <a:moveTo>
+                  <a:pt x="0" y="0"/>
+                </a:moveTo>
+                <a:lnTo>
+                  <a:pt x="120000" y="0"/>
+                </a:lnTo>
+                <a:lnTo>
+                  <a:pt x="120000" y="120000"/>
+                </a:lnTo>
+                <a:lnTo>
+                  <a:pt x="0" y="120000"/>
+                </a:lnTo>
+                <a:close/>
+              </a:path>
+            </a:pathLst>
+          </a:custGeom>
+        </p:spPr>
+      </p:sp>
+    </p:spTree>
+  </p:cSld>
+  <p:clrMapOvr>
+    <a:masterClrMapping/>
+  </p:clrMapOvr>
+</p:notes>
+</file>
+
+<file path=ppt/notesSlides/notesSlide2.xml><?xml version="1.0" encoding="utf-8"?>
+<p:notes xmlns:a="http://schemas.openxmlformats.org/drawingml/2006/main" xmlns:r="http://schemas.openxmlformats.org/officeDocument/2006/relationships" xmlns:mc="http://schemas.openxmlformats.org/markup-compatibility/2006" xmlns:mv="urn:schemas-microsoft-com:mac:vml" xmlns:p="http://schemas.openxmlformats.org/presentationml/2006/main" xmlns:c="http://schemas.openxmlformats.org/drawingml/2006/chart" xmlns:dgm="http://schemas.openxmlformats.org/drawingml/2006/diagram" xmlns:o="urn:schemas-microsoft-com:office:office" xmlns:v="urn:schemas-microsoft-com:vml" xmlns:pvml="urn:schemas-microsoft-com:office:powerpoint" xmlns:com="http://schemas.openxmlformats.org/drawingml/2006/compatibility" xmlns:p14="http://schemas.microsoft.com/office/powerpoint/2010/main" xmlns:p15="http://schemas.microsoft.com/office/powerpoint/2012/main" xmlns:ahyp="http://schemas.microsoft.com/office/drawing/2018/hyperlinkcolor" showMasterPhAnim="0" showMasterSp="0">
+  <p:cSld>
+    <p:spTree>
+      <p:nvGrpSpPr>
+        <p:cNvPr id="86" name="Shape 86"/>
+        <p:cNvGrpSpPr/>
+        <p:nvPr/>
+      </p:nvGrpSpPr>
+      <p:grpSpPr>
+        <a:xfrm>
+          <a:off x="0" y="0"/>
+          <a:ext cx="0" cy="0"/>
+          <a:chOff x="0" y="0"/>
+          <a:chExt cx="0" cy="0"/>
+        </a:xfrm>
+      </p:grpSpPr>
+      <p:sp>
+        <p:nvSpPr>
+          <p:cNvPr id="87" name="Google Shape;87;p2:notes"/>
+          <p:cNvSpPr txBox="1"/>
+          <p:nvPr>
+            <p:ph idx="1" type="body"/>
+          </p:nvPr>
+        </p:nvSpPr>
+        <p:spPr>
+          <a:xfrm>
+            <a:off x="685800" y="4343400"/>
+            <a:ext cx="5486400" cy="4114800"/>
+          </a:xfrm>
+          <a:prstGeom prst="rect">
+            <a:avLst/>
+          </a:prstGeom>
+        </p:spPr>
+        <p:txBody>
+          <a:bodyPr anchorCtr="0" anchor="t" bIns="91425" lIns="91425" spcFirstLastPara="1" rIns="91425" wrap="square" tIns="91425">
+            <a:noAutofit/>
+          </a:bodyPr>
+          <a:lstStyle/>
+          <a:p>
+            <a:pPr indent="0" lvl="0" marL="0" rtl="0" algn="l">
+              <a:spcBef>
+                <a:spcPts val="0"/>
+              </a:spcBef>
+              <a:spcAft>
+                <a:spcPts val="0"/>
+              </a:spcAft>
+              <a:buNone/>
+            </a:pPr>
+            <a:r>
+              <a:t/>
+            </a:r>
+            <a:endParaRPr/>
+          </a:p>
+        </p:txBody>
+      </p:sp>
+      <p:sp>
+        <p:nvSpPr>
+          <p:cNvPr id="88" name="Google Shape;88;p2:notes"/>
           <p:cNvSpPr/>
           <p:nvPr>
             <p:ph idx="2" type="sldImg"/>
@@ -1679,12 +1882,12 @@
 </p:notes>
 </file>
 
-<file path=ppt/notesSlides/notesSlide5.xml><?xml version="1.0" encoding="utf-8"?>
+<file path=ppt/notesSlides/notesSlide20.xml><?xml version="1.0" encoding="utf-8"?>
 <p:notes xmlns:a="http://schemas.openxmlformats.org/drawingml/2006/main" xmlns:r="http://schemas.openxmlformats.org/officeDocument/2006/relationships" xmlns:mc="http://schemas.openxmlformats.org/markup-compatibility/2006" xmlns:mv="urn:schemas-microsoft-com:mac:vml" xmlns:p="http://schemas.openxmlformats.org/presentationml/2006/main" xmlns:c="http://schemas.openxmlformats.org/drawingml/2006/chart" xmlns:dgm="http://schemas.openxmlformats.org/drawingml/2006/diagram" xmlns:o="urn:schemas-microsoft-com:office:office" xmlns:v="urn:schemas-microsoft-com:vml" xmlns:pvml="urn:schemas-microsoft-com:office:powerpoint" xmlns:com="http://schemas.openxmlformats.org/drawingml/2006/compatibility" xmlns:p14="http://schemas.microsoft.com/office/powerpoint/2010/main" xmlns:p15="http://schemas.microsoft.com/office/powerpoint/2012/main" xmlns:ahyp="http://schemas.microsoft.com/office/drawing/2018/hyperlinkcolor" showMasterPhAnim="0" showMasterSp="0">
   <p:cSld>
     <p:spTree>
       <p:nvGrpSpPr>
-        <p:cNvPr id="131" name="Shape 131"/>
+        <p:cNvPr id="242" name="Shape 242"/>
         <p:cNvGrpSpPr/>
         <p:nvPr/>
       </p:nvGrpSpPr>
@@ -1698,7 +1901,7 @@
       </p:grpSpPr>
       <p:sp>
         <p:nvSpPr>
-          <p:cNvPr id="132" name="Google Shape;132;p5:notes"/>
+          <p:cNvPr id="243" name="Google Shape;243;p6:notes"/>
           <p:cNvSpPr txBox="1"/>
           <p:nvPr>
             <p:ph idx="1" type="body"/>
@@ -1737,7 +1940,7 @@
       </p:sp>
       <p:sp>
         <p:nvSpPr>
-          <p:cNvPr id="133" name="Google Shape;133;p5:notes"/>
+          <p:cNvPr id="244" name="Google Shape;244;p6:notes"/>
           <p:cNvSpPr/>
           <p:nvPr>
             <p:ph idx="2" type="sldImg"/>
@@ -1746,7 +1949,304 @@
         <p:spPr>
           <a:xfrm>
             <a:off x="1143225" y="685800"/>
-            <a:ext cx="4572225" cy="3429000"/>
+            <a:ext cx="4572300" cy="3429000"/>
+          </a:xfrm>
+          <a:custGeom>
+            <a:rect b="b" l="l" r="r" t="t"/>
+            <a:pathLst>
+              <a:path extrusionOk="0" h="120000" w="120000">
+                <a:moveTo>
+                  <a:pt x="0" y="0"/>
+                </a:moveTo>
+                <a:lnTo>
+                  <a:pt x="120000" y="0"/>
+                </a:lnTo>
+                <a:lnTo>
+                  <a:pt x="120000" y="120000"/>
+                </a:lnTo>
+                <a:lnTo>
+                  <a:pt x="0" y="120000"/>
+                </a:lnTo>
+                <a:close/>
+              </a:path>
+            </a:pathLst>
+          </a:custGeom>
+        </p:spPr>
+      </p:sp>
+    </p:spTree>
+  </p:cSld>
+  <p:clrMapOvr>
+    <a:masterClrMapping/>
+  </p:clrMapOvr>
+</p:notes>
+</file>
+
+<file path=ppt/notesSlides/notesSlide3.xml><?xml version="1.0" encoding="utf-8"?>
+<p:notes xmlns:a="http://schemas.openxmlformats.org/drawingml/2006/main" xmlns:r="http://schemas.openxmlformats.org/officeDocument/2006/relationships" xmlns:mc="http://schemas.openxmlformats.org/markup-compatibility/2006" xmlns:mv="urn:schemas-microsoft-com:mac:vml" xmlns:p="http://schemas.openxmlformats.org/presentationml/2006/main" xmlns:c="http://schemas.openxmlformats.org/drawingml/2006/chart" xmlns:dgm="http://schemas.openxmlformats.org/drawingml/2006/diagram" xmlns:o="urn:schemas-microsoft-com:office:office" xmlns:v="urn:schemas-microsoft-com:vml" xmlns:pvml="urn:schemas-microsoft-com:office:powerpoint" xmlns:com="http://schemas.openxmlformats.org/drawingml/2006/compatibility" xmlns:p14="http://schemas.microsoft.com/office/powerpoint/2010/main" xmlns:p15="http://schemas.microsoft.com/office/powerpoint/2012/main" xmlns:ahyp="http://schemas.microsoft.com/office/drawing/2018/hyperlinkcolor" showMasterPhAnim="0" showMasterSp="0">
+  <p:cSld>
+    <p:spTree>
+      <p:nvGrpSpPr>
+        <p:cNvPr id="94" name="Shape 94"/>
+        <p:cNvGrpSpPr/>
+        <p:nvPr/>
+      </p:nvGrpSpPr>
+      <p:grpSpPr>
+        <a:xfrm>
+          <a:off x="0" y="0"/>
+          <a:ext cx="0" cy="0"/>
+          <a:chOff x="0" y="0"/>
+          <a:chExt cx="0" cy="0"/>
+        </a:xfrm>
+      </p:grpSpPr>
+      <p:sp>
+        <p:nvSpPr>
+          <p:cNvPr id="95" name="Google Shape;95;g38e20ad7a5e_0_14:notes"/>
+          <p:cNvSpPr txBox="1"/>
+          <p:nvPr>
+            <p:ph idx="1" type="body"/>
+          </p:nvPr>
+        </p:nvSpPr>
+        <p:spPr>
+          <a:xfrm>
+            <a:off x="685800" y="4343400"/>
+            <a:ext cx="5486400" cy="4114800"/>
+          </a:xfrm>
+          <a:prstGeom prst="rect">
+            <a:avLst/>
+          </a:prstGeom>
+        </p:spPr>
+        <p:txBody>
+          <a:bodyPr anchorCtr="0" anchor="t" bIns="91425" lIns="91425" spcFirstLastPara="1" rIns="91425" wrap="square" tIns="91425">
+            <a:noAutofit/>
+          </a:bodyPr>
+          <a:lstStyle/>
+          <a:p>
+            <a:pPr indent="0" lvl="0" marL="0" rtl="0" algn="l">
+              <a:spcBef>
+                <a:spcPts val="0"/>
+              </a:spcBef>
+              <a:spcAft>
+                <a:spcPts val="0"/>
+              </a:spcAft>
+              <a:buNone/>
+            </a:pPr>
+            <a:r>
+              <a:t/>
+            </a:r>
+            <a:endParaRPr/>
+          </a:p>
+        </p:txBody>
+      </p:sp>
+      <p:sp>
+        <p:nvSpPr>
+          <p:cNvPr id="96" name="Google Shape;96;g38e20ad7a5e_0_14:notes"/>
+          <p:cNvSpPr/>
+          <p:nvPr>
+            <p:ph idx="2" type="sldImg"/>
+          </p:nvPr>
+        </p:nvSpPr>
+        <p:spPr>
+          <a:xfrm>
+            <a:off x="1143225" y="685800"/>
+            <a:ext cx="4572300" cy="3429000"/>
+          </a:xfrm>
+          <a:custGeom>
+            <a:rect b="b" l="l" r="r" t="t"/>
+            <a:pathLst>
+              <a:path extrusionOk="0" h="120000" w="120000">
+                <a:moveTo>
+                  <a:pt x="0" y="0"/>
+                </a:moveTo>
+                <a:lnTo>
+                  <a:pt x="120000" y="0"/>
+                </a:lnTo>
+                <a:lnTo>
+                  <a:pt x="120000" y="120000"/>
+                </a:lnTo>
+                <a:lnTo>
+                  <a:pt x="0" y="120000"/>
+                </a:lnTo>
+                <a:close/>
+              </a:path>
+            </a:pathLst>
+          </a:custGeom>
+        </p:spPr>
+      </p:sp>
+    </p:spTree>
+  </p:cSld>
+  <p:clrMapOvr>
+    <a:masterClrMapping/>
+  </p:clrMapOvr>
+</p:notes>
+</file>
+
+<file path=ppt/notesSlides/notesSlide4.xml><?xml version="1.0" encoding="utf-8"?>
+<p:notes xmlns:a="http://schemas.openxmlformats.org/drawingml/2006/main" xmlns:r="http://schemas.openxmlformats.org/officeDocument/2006/relationships" xmlns:mc="http://schemas.openxmlformats.org/markup-compatibility/2006" xmlns:mv="urn:schemas-microsoft-com:mac:vml" xmlns:p="http://schemas.openxmlformats.org/presentationml/2006/main" xmlns:c="http://schemas.openxmlformats.org/drawingml/2006/chart" xmlns:dgm="http://schemas.openxmlformats.org/drawingml/2006/diagram" xmlns:o="urn:schemas-microsoft-com:office:office" xmlns:v="urn:schemas-microsoft-com:vml" xmlns:pvml="urn:schemas-microsoft-com:office:powerpoint" xmlns:com="http://schemas.openxmlformats.org/drawingml/2006/compatibility" xmlns:p14="http://schemas.microsoft.com/office/powerpoint/2010/main" xmlns:p15="http://schemas.microsoft.com/office/powerpoint/2012/main" xmlns:ahyp="http://schemas.microsoft.com/office/drawing/2018/hyperlinkcolor" showMasterPhAnim="0" showMasterSp="0">
+  <p:cSld>
+    <p:spTree>
+      <p:nvGrpSpPr>
+        <p:cNvPr id="103" name="Shape 103"/>
+        <p:cNvGrpSpPr/>
+        <p:nvPr/>
+      </p:nvGrpSpPr>
+      <p:grpSpPr>
+        <a:xfrm>
+          <a:off x="0" y="0"/>
+          <a:ext cx="0" cy="0"/>
+          <a:chOff x="0" y="0"/>
+          <a:chExt cx="0" cy="0"/>
+        </a:xfrm>
+      </p:grpSpPr>
+      <p:sp>
+        <p:nvSpPr>
+          <p:cNvPr id="104" name="Google Shape;104;g38e20ad7a5e_0_28:notes"/>
+          <p:cNvSpPr txBox="1"/>
+          <p:nvPr>
+            <p:ph idx="1" type="body"/>
+          </p:nvPr>
+        </p:nvSpPr>
+        <p:spPr>
+          <a:xfrm>
+            <a:off x="685800" y="4343400"/>
+            <a:ext cx="5486400" cy="4114800"/>
+          </a:xfrm>
+          <a:prstGeom prst="rect">
+            <a:avLst/>
+          </a:prstGeom>
+        </p:spPr>
+        <p:txBody>
+          <a:bodyPr anchorCtr="0" anchor="t" bIns="91425" lIns="91425" spcFirstLastPara="1" rIns="91425" wrap="square" tIns="91425">
+            <a:noAutofit/>
+          </a:bodyPr>
+          <a:lstStyle/>
+          <a:p>
+            <a:pPr indent="0" lvl="0" marL="0" rtl="0" algn="l">
+              <a:spcBef>
+                <a:spcPts val="0"/>
+              </a:spcBef>
+              <a:spcAft>
+                <a:spcPts val="0"/>
+              </a:spcAft>
+              <a:buNone/>
+            </a:pPr>
+            <a:r>
+              <a:t/>
+            </a:r>
+            <a:endParaRPr/>
+          </a:p>
+        </p:txBody>
+      </p:sp>
+      <p:sp>
+        <p:nvSpPr>
+          <p:cNvPr id="105" name="Google Shape;105;g38e20ad7a5e_0_28:notes"/>
+          <p:cNvSpPr/>
+          <p:nvPr>
+            <p:ph idx="2" type="sldImg"/>
+          </p:nvPr>
+        </p:nvSpPr>
+        <p:spPr>
+          <a:xfrm>
+            <a:off x="1143225" y="685800"/>
+            <a:ext cx="4572300" cy="3429000"/>
+          </a:xfrm>
+          <a:custGeom>
+            <a:rect b="b" l="l" r="r" t="t"/>
+            <a:pathLst>
+              <a:path extrusionOk="0" h="120000" w="120000">
+                <a:moveTo>
+                  <a:pt x="0" y="0"/>
+                </a:moveTo>
+                <a:lnTo>
+                  <a:pt x="120000" y="0"/>
+                </a:lnTo>
+                <a:lnTo>
+                  <a:pt x="120000" y="120000"/>
+                </a:lnTo>
+                <a:lnTo>
+                  <a:pt x="0" y="120000"/>
+                </a:lnTo>
+                <a:close/>
+              </a:path>
+            </a:pathLst>
+          </a:custGeom>
+        </p:spPr>
+      </p:sp>
+    </p:spTree>
+  </p:cSld>
+  <p:clrMapOvr>
+    <a:masterClrMapping/>
+  </p:clrMapOvr>
+</p:notes>
+</file>
+
+<file path=ppt/notesSlides/notesSlide5.xml><?xml version="1.0" encoding="utf-8"?>
+<p:notes xmlns:a="http://schemas.openxmlformats.org/drawingml/2006/main" xmlns:r="http://schemas.openxmlformats.org/officeDocument/2006/relationships" xmlns:mc="http://schemas.openxmlformats.org/markup-compatibility/2006" xmlns:mv="urn:schemas-microsoft-com:mac:vml" xmlns:p="http://schemas.openxmlformats.org/presentationml/2006/main" xmlns:c="http://schemas.openxmlformats.org/drawingml/2006/chart" xmlns:dgm="http://schemas.openxmlformats.org/drawingml/2006/diagram" xmlns:o="urn:schemas-microsoft-com:office:office" xmlns:v="urn:schemas-microsoft-com:vml" xmlns:pvml="urn:schemas-microsoft-com:office:powerpoint" xmlns:com="http://schemas.openxmlformats.org/drawingml/2006/compatibility" xmlns:p14="http://schemas.microsoft.com/office/powerpoint/2010/main" xmlns:p15="http://schemas.microsoft.com/office/powerpoint/2012/main" xmlns:ahyp="http://schemas.microsoft.com/office/drawing/2018/hyperlinkcolor" showMasterPhAnim="0" showMasterSp="0">
+  <p:cSld>
+    <p:spTree>
+      <p:nvGrpSpPr>
+        <p:cNvPr id="112" name="Shape 112"/>
+        <p:cNvGrpSpPr/>
+        <p:nvPr/>
+      </p:nvGrpSpPr>
+      <p:grpSpPr>
+        <a:xfrm>
+          <a:off x="0" y="0"/>
+          <a:ext cx="0" cy="0"/>
+          <a:chOff x="0" y="0"/>
+          <a:chExt cx="0" cy="0"/>
+        </a:xfrm>
+      </p:grpSpPr>
+      <p:sp>
+        <p:nvSpPr>
+          <p:cNvPr id="113" name="Google Shape;113;g38e20ad7a5e_0_40:notes"/>
+          <p:cNvSpPr txBox="1"/>
+          <p:nvPr>
+            <p:ph idx="1" type="body"/>
+          </p:nvPr>
+        </p:nvSpPr>
+        <p:spPr>
+          <a:xfrm>
+            <a:off x="685800" y="4343400"/>
+            <a:ext cx="5486400" cy="4114800"/>
+          </a:xfrm>
+          <a:prstGeom prst="rect">
+            <a:avLst/>
+          </a:prstGeom>
+        </p:spPr>
+        <p:txBody>
+          <a:bodyPr anchorCtr="0" anchor="t" bIns="91425" lIns="91425" spcFirstLastPara="1" rIns="91425" wrap="square" tIns="91425">
+            <a:noAutofit/>
+          </a:bodyPr>
+          <a:lstStyle/>
+          <a:p>
+            <a:pPr indent="0" lvl="0" marL="0" rtl="0" algn="l">
+              <a:spcBef>
+                <a:spcPts val="0"/>
+              </a:spcBef>
+              <a:spcAft>
+                <a:spcPts val="0"/>
+              </a:spcAft>
+              <a:buNone/>
+            </a:pPr>
+            <a:r>
+              <a:t/>
+            </a:r>
+            <a:endParaRPr/>
+          </a:p>
+        </p:txBody>
+      </p:sp>
+      <p:sp>
+        <p:nvSpPr>
+          <p:cNvPr id="114" name="Google Shape;114;g38e20ad7a5e_0_40:notes"/>
+          <p:cNvSpPr/>
+          <p:nvPr>
+            <p:ph idx="2" type="sldImg"/>
+          </p:nvPr>
+        </p:nvSpPr>
+        <p:spPr>
+          <a:xfrm>
+            <a:off x="1143225" y="685800"/>
+            <a:ext cx="4572300" cy="3429000"/>
           </a:xfrm>
           <a:custGeom>
             <a:rect b="b" l="l" r="r" t="t"/>
@@ -1783,7 +2283,7 @@
   <p:cSld>
     <p:spTree>
       <p:nvGrpSpPr>
-        <p:cNvPr id="141" name="Shape 141"/>
+        <p:cNvPr id="121" name="Shape 121"/>
         <p:cNvGrpSpPr/>
         <p:nvPr/>
       </p:nvGrpSpPr>
@@ -1797,7 +2297,7 @@
       </p:grpSpPr>
       <p:sp>
         <p:nvSpPr>
-          <p:cNvPr id="142" name="Google Shape;142;g38593bb6efb_1_11:notes"/>
+          <p:cNvPr id="122" name="Google Shape;122;g38e20ad7a5e_0_60:notes"/>
           <p:cNvSpPr txBox="1"/>
           <p:nvPr>
             <p:ph idx="1" type="body"/>
@@ -1836,7 +2336,7 @@
       </p:sp>
       <p:sp>
         <p:nvSpPr>
-          <p:cNvPr id="143" name="Google Shape;143;g38593bb6efb_1_11:notes"/>
+          <p:cNvPr id="123" name="Google Shape;123;g38e20ad7a5e_0_60:notes"/>
           <p:cNvSpPr/>
           <p:nvPr>
             <p:ph idx="2" type="sldImg"/>
@@ -1882,7 +2382,7 @@
   <p:cSld>
     <p:spTree>
       <p:nvGrpSpPr>
-        <p:cNvPr id="151" name="Shape 151"/>
+        <p:cNvPr id="130" name="Shape 130"/>
         <p:cNvGrpSpPr/>
         <p:nvPr/>
       </p:nvGrpSpPr>
@@ -1896,7 +2396,7 @@
       </p:grpSpPr>
       <p:sp>
         <p:nvSpPr>
-          <p:cNvPr id="152" name="Google Shape;152;p6:notes"/>
+          <p:cNvPr id="131" name="Google Shape;131;p7:notes"/>
           <p:cNvSpPr txBox="1"/>
           <p:nvPr>
             <p:ph idx="1" type="body"/>
@@ -1935,7 +2435,7 @@
       </p:sp>
       <p:sp>
         <p:nvSpPr>
-          <p:cNvPr id="153" name="Google Shape;153;p6:notes"/>
+          <p:cNvPr id="132" name="Google Shape;132;p7:notes"/>
           <p:cNvSpPr/>
           <p:nvPr>
             <p:ph idx="2" type="sldImg"/>
@@ -1944,7 +2444,7 @@
         <p:spPr>
           <a:xfrm>
             <a:off x="1143225" y="685800"/>
-            <a:ext cx="4572300" cy="3429000"/>
+            <a:ext cx="4572225" cy="3429000"/>
           </a:xfrm>
           <a:custGeom>
             <a:rect b="b" l="l" r="r" t="t"/>
@@ -1981,7 +2481,7 @@
   <p:cSld>
     <p:spTree>
       <p:nvGrpSpPr>
-        <p:cNvPr id="163" name="Shape 163"/>
+        <p:cNvPr id="138" name="Shape 138"/>
         <p:cNvGrpSpPr/>
         <p:nvPr/>
       </p:nvGrpSpPr>
@@ -1995,7 +2495,7 @@
       </p:grpSpPr>
       <p:sp>
         <p:nvSpPr>
-          <p:cNvPr id="164" name="Google Shape;164;p7:notes"/>
+          <p:cNvPr id="139" name="Google Shape;139;p8:notes"/>
           <p:cNvSpPr txBox="1"/>
           <p:nvPr>
             <p:ph idx="1" type="body"/>
@@ -2034,7 +2534,7 @@
       </p:sp>
       <p:sp>
         <p:nvSpPr>
-          <p:cNvPr id="165" name="Google Shape;165;p7:notes"/>
+          <p:cNvPr id="140" name="Google Shape;140;p8:notes"/>
           <p:cNvSpPr/>
           <p:nvPr>
             <p:ph idx="2" type="sldImg"/>
@@ -2080,7 +2580,7 @@
   <p:cSld>
     <p:spTree>
       <p:nvGrpSpPr>
-        <p:cNvPr id="176" name="Shape 176"/>
+        <p:cNvPr id="148" name="Shape 148"/>
         <p:cNvGrpSpPr/>
         <p:nvPr/>
       </p:nvGrpSpPr>
@@ -2094,7 +2594,7 @@
       </p:grpSpPr>
       <p:sp>
         <p:nvSpPr>
-          <p:cNvPr id="177" name="Google Shape;177;p8:notes"/>
+          <p:cNvPr id="149" name="Google Shape;149;p9:notes"/>
           <p:cNvSpPr txBox="1"/>
           <p:nvPr>
             <p:ph idx="1" type="body"/>
@@ -2133,7 +2633,7 @@
       </p:sp>
       <p:sp>
         <p:nvSpPr>
-          <p:cNvPr id="178" name="Google Shape;178;p8:notes"/>
+          <p:cNvPr id="150" name="Google Shape;150;p9:notes"/>
           <p:cNvSpPr/>
           <p:nvPr>
             <p:ph idx="2" type="sldImg"/>
@@ -12252,115 +12752,9 @@
           </a:ln>
         </p:spPr>
       </p:pic>
-      <p:sp>
-        <p:nvSpPr>
-          <p:cNvPr id="85" name="Google Shape;85;p1"/>
-          <p:cNvSpPr txBox="1"/>
-          <p:nvPr/>
-        </p:nvSpPr>
-        <p:spPr>
-          <a:xfrm>
-            <a:off x="912100" y="2707800"/>
-            <a:ext cx="7935600" cy="1139100"/>
-          </a:xfrm>
-          <a:prstGeom prst="rect">
-            <a:avLst/>
-          </a:prstGeom>
-          <a:noFill/>
-          <a:ln>
-            <a:noFill/>
-          </a:ln>
-        </p:spPr>
-        <p:txBody>
-          <a:bodyPr anchorCtr="0" anchor="t" bIns="45700" lIns="91425" spcFirstLastPara="1" rIns="91425" wrap="square" tIns="45700">
-            <a:spAutoFit/>
-          </a:bodyPr>
-          <a:lstStyle/>
-          <a:p>
-            <a:pPr indent="0" lvl="0" marL="0" marR="0" rtl="0" algn="ctr">
-              <a:spcBef>
-                <a:spcPts val="0"/>
-              </a:spcBef>
-              <a:spcAft>
-                <a:spcPts val="0"/>
-              </a:spcAft>
-              <a:buNone/>
-            </a:pPr>
-            <a:r>
-              <a:rPr b="0" i="0" lang="es-MX" sz="4400" u="none" cap="none" strike="noStrike">
-                <a:solidFill>
-                  <a:schemeClr val="dk1"/>
-                </a:solidFill>
-                <a:latin typeface="Calibri"/>
-                <a:ea typeface="Calibri"/>
-                <a:cs typeface="Calibri"/>
-                <a:sym typeface="Calibri"/>
-              </a:rPr>
-              <a:t>PROYECTO “</a:t>
-            </a:r>
-            <a:r>
-              <a:rPr lang="es-MX" sz="4400">
-                <a:solidFill>
-                  <a:schemeClr val="dk1"/>
-                </a:solidFill>
-                <a:latin typeface="Calibri"/>
-                <a:ea typeface="Calibri"/>
-                <a:cs typeface="Calibri"/>
-                <a:sym typeface="Calibri"/>
-              </a:rPr>
-              <a:t>SignBridge</a:t>
-            </a:r>
-            <a:r>
-              <a:rPr b="0" i="0" lang="es-MX" sz="4400" u="none" cap="none" strike="noStrike">
-                <a:solidFill>
-                  <a:schemeClr val="dk1"/>
-                </a:solidFill>
-                <a:latin typeface="Calibri"/>
-                <a:ea typeface="Calibri"/>
-                <a:cs typeface="Calibri"/>
-                <a:sym typeface="Calibri"/>
-              </a:rPr>
-              <a:t>”</a:t>
-            </a:r>
-            <a:endParaRPr/>
-          </a:p>
-          <a:p>
-            <a:pPr indent="0" lvl="0" marL="0" marR="0" rtl="0" algn="ctr">
-              <a:spcBef>
-                <a:spcPts val="0"/>
-              </a:spcBef>
-              <a:spcAft>
-                <a:spcPts val="0"/>
-              </a:spcAft>
-              <a:buNone/>
-            </a:pPr>
-            <a:r>
-              <a:rPr b="0" i="0" lang="es-MX" sz="2400" u="none" cap="none" strike="noStrike">
-                <a:solidFill>
-                  <a:schemeClr val="dk1"/>
-                </a:solidFill>
-                <a:latin typeface="Calibri"/>
-                <a:ea typeface="Calibri"/>
-                <a:cs typeface="Calibri"/>
-                <a:sym typeface="Calibri"/>
-              </a:rPr>
-              <a:t>PRESENTACIÓN FINAL CAPSTONE</a:t>
-            </a:r>
-            <a:endParaRPr b="0" i="0" sz="2400" u="none" cap="none" strike="noStrike">
-              <a:solidFill>
-                <a:schemeClr val="dk1"/>
-              </a:solidFill>
-              <a:latin typeface="Calibri"/>
-              <a:ea typeface="Calibri"/>
-              <a:cs typeface="Calibri"/>
-              <a:sym typeface="Calibri"/>
-            </a:endParaRPr>
-          </a:p>
-        </p:txBody>
-      </p:sp>
       <p:pic>
         <p:nvPicPr>
-          <p:cNvPr id="86" name="Google Shape;86;p1" title="ChatGPT Image 1 sept 2025, 07_28_09 p.m..png"/>
+          <p:cNvPr id="85" name="Google Shape;85;p1"/>
           <p:cNvPicPr preferRelativeResize="0"/>
           <p:nvPr/>
         </p:nvPicPr>
@@ -12374,8 +12768,8 @@
         </p:blipFill>
         <p:spPr>
           <a:xfrm>
-            <a:off x="8261075" y="2185175"/>
-            <a:ext cx="2706299" cy="2706299"/>
+            <a:off x="0" y="0"/>
+            <a:ext cx="12336099" cy="6916974"/>
           </a:xfrm>
           <a:prstGeom prst="rect">
             <a:avLst/>
@@ -12402,7 +12796,7 @@
   <p:cSld>
     <p:spTree>
       <p:nvGrpSpPr>
-        <p:cNvPr id="189" name="Shape 189"/>
+        <p:cNvPr id="159" name="Shape 159"/>
         <p:cNvGrpSpPr/>
         <p:nvPr/>
       </p:nvGrpSpPr>
@@ -12416,7 +12810,7 @@
       </p:grpSpPr>
       <p:pic>
         <p:nvPicPr>
-          <p:cNvPr descr="EscuelaIT Duoc UC - Escuela de Informática y Telecomunicaciones Duoc UC - Duoc  UC | LinkedIn" id="190" name="Google Shape;190;p9"/>
+          <p:cNvPr descr="EscuelaIT Duoc UC - Escuela de Informática y Telecomunicaciones Duoc UC - Duoc  UC | LinkedIn" id="160" name="Google Shape;160;p10"/>
           <p:cNvPicPr preferRelativeResize="0"/>
           <p:nvPr/>
         </p:nvPicPr>
@@ -12443,14 +12837,14 @@
       </p:pic>
       <p:sp>
         <p:nvSpPr>
-          <p:cNvPr id="191" name="Google Shape;191;p9"/>
+          <p:cNvPr id="161" name="Google Shape;161;p10"/>
           <p:cNvSpPr txBox="1"/>
           <p:nvPr/>
         </p:nvSpPr>
         <p:spPr>
           <a:xfrm>
             <a:off x="136188" y="368928"/>
-            <a:ext cx="12192000" cy="369300"/>
+            <a:ext cx="12191999" cy="369332"/>
           </a:xfrm>
           <a:prstGeom prst="rect">
             <a:avLst/>
@@ -12517,7 +12911,7 @@
       </p:sp>
       <p:cxnSp>
         <p:nvCxnSpPr>
-          <p:cNvPr id="192" name="Google Shape;192;p9"/>
+          <p:cNvPr id="162" name="Google Shape;162;p10"/>
           <p:cNvCxnSpPr/>
           <p:nvPr/>
         </p:nvCxnSpPr>
@@ -12541,9 +12935,58 @@
           </a:ln>
         </p:spPr>
       </p:cxnSp>
+      <p:sp>
+        <p:nvSpPr>
+          <p:cNvPr id="163" name="Google Shape;163;p10"/>
+          <p:cNvSpPr txBox="1"/>
+          <p:nvPr/>
+        </p:nvSpPr>
+        <p:spPr>
+          <a:xfrm>
+            <a:off x="2137350" y="2321875"/>
+            <a:ext cx="8856900" cy="615600"/>
+          </a:xfrm>
+          <a:prstGeom prst="rect">
+            <a:avLst/>
+          </a:prstGeom>
+          <a:noFill/>
+          <a:ln>
+            <a:noFill/>
+          </a:ln>
+        </p:spPr>
+        <p:txBody>
+          <a:bodyPr anchorCtr="0" anchor="t" bIns="91425" lIns="91425" spcFirstLastPara="1" rIns="91425" wrap="square" tIns="91425">
+            <a:spAutoFit/>
+          </a:bodyPr>
+          <a:lstStyle/>
+          <a:p>
+            <a:pPr indent="0" lvl="0" marL="0" rtl="0" algn="l">
+              <a:spcBef>
+                <a:spcPts val="0"/>
+              </a:spcBef>
+              <a:spcAft>
+                <a:spcPts val="0"/>
+              </a:spcAft>
+              <a:buNone/>
+            </a:pPr>
+            <a:r>
+              <a:t/>
+            </a:r>
+            <a:endParaRPr sz="2800">
+              <a:solidFill>
+                <a:schemeClr val="dk1"/>
+              </a:solidFill>
+              <a:latin typeface="Calibri"/>
+              <a:ea typeface="Calibri"/>
+              <a:cs typeface="Calibri"/>
+              <a:sym typeface="Calibri"/>
+            </a:endParaRPr>
+          </a:p>
+        </p:txBody>
+      </p:sp>
       <p:pic>
         <p:nvPicPr>
-          <p:cNvPr id="193" name="Google Shape;193;p9"/>
+          <p:cNvPr id="164" name="Google Shape;164;p10"/>
           <p:cNvPicPr preferRelativeResize="0"/>
           <p:nvPr/>
         </p:nvPicPr>
@@ -12557,8 +13000,8 @@
         </p:blipFill>
         <p:spPr>
           <a:xfrm>
-            <a:off x="629575" y="831602"/>
-            <a:ext cx="10932831" cy="5560298"/>
+            <a:off x="1700538" y="992900"/>
+            <a:ext cx="8790926" cy="5622750"/>
           </a:xfrm>
           <a:prstGeom prst="rect">
             <a:avLst/>
@@ -12585,7 +13028,7 @@
   <p:cSld>
     <p:spTree>
       <p:nvGrpSpPr>
-        <p:cNvPr id="197" name="Shape 197"/>
+        <p:cNvPr id="168" name="Shape 168"/>
         <p:cNvGrpSpPr/>
         <p:nvPr/>
       </p:nvGrpSpPr>
@@ -12599,7 +13042,90 @@
       </p:grpSpPr>
       <p:pic>
         <p:nvPicPr>
-          <p:cNvPr descr="EscuelaIT Duoc UC - Escuela de Informática y Telecomunicaciones Duoc UC - Duoc  UC | LinkedIn" id="198" name="Google Shape;198;p10"/>
+          <p:cNvPr descr="EscuelaIT Duoc UC - Escuela de Informática y Telecomunicaciones Duoc UC - Duoc  UC | LinkedIn" id="169" name="Google Shape;169;p11"/>
+          <p:cNvPicPr preferRelativeResize="0"/>
+          <p:nvPr/>
+        </p:nvPicPr>
+        <p:blipFill rotWithShape="1">
+          <a:blip r:embed="rId3">
+            <a:alphaModFix/>
+          </a:blip>
+          <a:srcRect b="0" l="0" r="0" t="0"/>
+          <a:stretch/>
+        </p:blipFill>
+        <p:spPr>
+          <a:xfrm>
+            <a:off x="8772152" y="207550"/>
+            <a:ext cx="3141406" cy="785352"/>
+          </a:xfrm>
+          <a:prstGeom prst="rect">
+            <a:avLst/>
+          </a:prstGeom>
+          <a:noFill/>
+          <a:ln>
+            <a:noFill/>
+          </a:ln>
+        </p:spPr>
+      </p:pic>
+      <p:pic>
+        <p:nvPicPr>
+          <p:cNvPr id="170" name="Google Shape;170;p11"/>
+          <p:cNvPicPr preferRelativeResize="0"/>
+          <p:nvPr/>
+        </p:nvPicPr>
+        <p:blipFill>
+          <a:blip r:embed="rId4">
+            <a:alphaModFix/>
+          </a:blip>
+          <a:stretch>
+            <a:fillRect/>
+          </a:stretch>
+        </p:blipFill>
+        <p:spPr>
+          <a:xfrm>
+            <a:off x="0" y="0"/>
+            <a:ext cx="12229583" cy="6857999"/>
+          </a:xfrm>
+          <a:prstGeom prst="rect">
+            <a:avLst/>
+          </a:prstGeom>
+          <a:noFill/>
+          <a:ln>
+            <a:noFill/>
+          </a:ln>
+        </p:spPr>
+      </p:pic>
+    </p:spTree>
+  </p:cSld>
+  <p:clrMapOvr>
+    <a:masterClrMapping/>
+  </p:clrMapOvr>
+  <p:transition spd="slow">
+    <p:wipe dir="l"/>
+  </p:transition>
+</p:sld>
+</file>
+
+<file path=ppt/slides/slide12.xml><?xml version="1.0" encoding="utf-8"?>
+<p:sld xmlns:a="http://schemas.openxmlformats.org/drawingml/2006/main" xmlns:r="http://schemas.openxmlformats.org/officeDocument/2006/relationships" xmlns:mc="http://schemas.openxmlformats.org/markup-compatibility/2006" xmlns:mv="urn:schemas-microsoft-com:mac:vml" xmlns:p="http://schemas.openxmlformats.org/presentationml/2006/main" xmlns:c="http://schemas.openxmlformats.org/drawingml/2006/chart" xmlns:dgm="http://schemas.openxmlformats.org/drawingml/2006/diagram" xmlns:o="urn:schemas-microsoft-com:office:office" xmlns:v="urn:schemas-microsoft-com:vml" xmlns:pvml="urn:schemas-microsoft-com:office:powerpoint" xmlns:com="http://schemas.openxmlformats.org/drawingml/2006/compatibility" xmlns:p14="http://schemas.microsoft.com/office/powerpoint/2010/main" xmlns:p15="http://schemas.microsoft.com/office/powerpoint/2012/main" xmlns:ahyp="http://schemas.microsoft.com/office/drawing/2018/hyperlinkcolor">
+  <p:cSld>
+    <p:spTree>
+      <p:nvGrpSpPr>
+        <p:cNvPr id="174" name="Shape 174"/>
+        <p:cNvGrpSpPr/>
+        <p:nvPr/>
+      </p:nvGrpSpPr>
+      <p:grpSpPr>
+        <a:xfrm>
+          <a:off x="0" y="0"/>
+          <a:ext cx="0" cy="0"/>
+          <a:chOff x="0" y="0"/>
+          <a:chExt cx="0" cy="0"/>
+        </a:xfrm>
+      </p:grpSpPr>
+      <p:pic>
+        <p:nvPicPr>
+          <p:cNvPr descr="EscuelaIT Duoc UC - Escuela de Informática y Telecomunicaciones Duoc UC - Duoc  UC | LinkedIn" id="175" name="Google Shape;175;p12"/>
           <p:cNvPicPr preferRelativeResize="0"/>
           <p:nvPr/>
         </p:nvPicPr>
@@ -12626,349 +13152,7 @@
       </p:pic>
       <p:sp>
         <p:nvSpPr>
-          <p:cNvPr id="199" name="Google Shape;199;p10"/>
-          <p:cNvSpPr txBox="1"/>
-          <p:nvPr/>
-        </p:nvSpPr>
-        <p:spPr>
-          <a:xfrm>
-            <a:off x="136188" y="368928"/>
-            <a:ext cx="12191999" cy="369332"/>
-          </a:xfrm>
-          <a:prstGeom prst="rect">
-            <a:avLst/>
-          </a:prstGeom>
-          <a:noFill/>
-          <a:ln>
-            <a:noFill/>
-          </a:ln>
-        </p:spPr>
-        <p:txBody>
-          <a:bodyPr anchorCtr="0" anchor="t" bIns="45700" lIns="91425" spcFirstLastPara="1" rIns="91425" wrap="square" tIns="45700">
-            <a:spAutoFit/>
-          </a:bodyPr>
-          <a:lstStyle/>
-          <a:p>
-            <a:pPr indent="0" lvl="0" marL="0" marR="0" rtl="0" algn="l">
-              <a:spcBef>
-                <a:spcPts val="0"/>
-              </a:spcBef>
-              <a:spcAft>
-                <a:spcPts val="0"/>
-              </a:spcAft>
-              <a:buNone/>
-            </a:pPr>
-            <a:r>
-              <a:rPr lang="es-MX" sz="1800">
-                <a:solidFill>
-                  <a:srgbClr val="757070"/>
-                </a:solidFill>
-                <a:latin typeface="Calibri"/>
-                <a:ea typeface="Calibri"/>
-                <a:cs typeface="Calibri"/>
-                <a:sym typeface="Calibri"/>
-              </a:rPr>
-              <a:t>PROYECTO “</a:t>
-            </a:r>
-            <a:r>
-              <a:rPr lang="es-MX" sz="1800">
-                <a:solidFill>
-                  <a:srgbClr val="757070"/>
-                </a:solidFill>
-                <a:latin typeface="Calibri"/>
-                <a:ea typeface="Calibri"/>
-                <a:cs typeface="Calibri"/>
-                <a:sym typeface="Calibri"/>
-              </a:rPr>
-              <a:t>SignBridge</a:t>
-            </a:r>
-            <a:r>
-              <a:rPr lang="es-MX" sz="1800">
-                <a:solidFill>
-                  <a:srgbClr val="757070"/>
-                </a:solidFill>
-                <a:latin typeface="Calibri"/>
-                <a:ea typeface="Calibri"/>
-                <a:cs typeface="Calibri"/>
-                <a:sym typeface="Calibri"/>
-              </a:rPr>
-              <a:t>”</a:t>
-            </a:r>
-            <a:endParaRPr/>
-          </a:p>
-        </p:txBody>
-      </p:sp>
-      <p:sp>
-        <p:nvSpPr>
-          <p:cNvPr id="200" name="Google Shape;200;p10"/>
-          <p:cNvSpPr txBox="1"/>
-          <p:nvPr/>
-        </p:nvSpPr>
-        <p:spPr>
-          <a:xfrm>
-            <a:off x="0" y="1432655"/>
-            <a:ext cx="12191999" cy="646331"/>
-          </a:xfrm>
-          <a:prstGeom prst="rect">
-            <a:avLst/>
-          </a:prstGeom>
-          <a:noFill/>
-          <a:ln>
-            <a:noFill/>
-          </a:ln>
-        </p:spPr>
-        <p:txBody>
-          <a:bodyPr anchorCtr="0" anchor="t" bIns="45700" lIns="91425" spcFirstLastPara="1" rIns="91425" wrap="square" tIns="45700">
-            <a:spAutoFit/>
-          </a:bodyPr>
-          <a:lstStyle/>
-          <a:p>
-            <a:pPr indent="0" lvl="0" marL="0" marR="0" rtl="0" algn="ctr">
-              <a:spcBef>
-                <a:spcPts val="0"/>
-              </a:spcBef>
-              <a:spcAft>
-                <a:spcPts val="0"/>
-              </a:spcAft>
-              <a:buNone/>
-            </a:pPr>
-            <a:r>
-              <a:rPr lang="es-MX" sz="3600">
-                <a:solidFill>
-                  <a:schemeClr val="dk1"/>
-                </a:solidFill>
-                <a:latin typeface="Calibri"/>
-                <a:ea typeface="Calibri"/>
-                <a:cs typeface="Calibri"/>
-                <a:sym typeface="Calibri"/>
-              </a:rPr>
-              <a:t>Tecnologías utilizadas</a:t>
-            </a:r>
-            <a:endParaRPr/>
-          </a:p>
-        </p:txBody>
-      </p:sp>
-      <p:cxnSp>
-        <p:nvCxnSpPr>
-          <p:cNvPr id="201" name="Google Shape;201;p10"/>
-          <p:cNvCxnSpPr/>
-          <p:nvPr/>
-        </p:nvCxnSpPr>
-        <p:spPr>
-          <a:xfrm>
-            <a:off x="0" y="758027"/>
-            <a:ext cx="4085617" cy="0"/>
-          </a:xfrm>
-          <a:prstGeom prst="straightConnector1">
-            <a:avLst/>
-          </a:prstGeom>
-          <a:noFill/>
-          <a:ln cap="flat" cmpd="sng" w="15875">
-            <a:solidFill>
-              <a:srgbClr val="F5F7FC"/>
-            </a:solidFill>
-            <a:prstDash val="solid"/>
-            <a:miter lim="800000"/>
-            <a:headEnd len="sm" w="sm" type="none"/>
-            <a:tailEnd len="sm" w="sm" type="none"/>
-          </a:ln>
-        </p:spPr>
-      </p:cxnSp>
-    </p:spTree>
-  </p:cSld>
-  <p:clrMapOvr>
-    <a:masterClrMapping/>
-  </p:clrMapOvr>
-  <p:transition spd="slow">
-    <p:wipe dir="l"/>
-  </p:transition>
-</p:sld>
-</file>
-
-<file path=ppt/slides/slide12.xml><?xml version="1.0" encoding="utf-8"?>
-<p:sld xmlns:a="http://schemas.openxmlformats.org/drawingml/2006/main" xmlns:r="http://schemas.openxmlformats.org/officeDocument/2006/relationships" xmlns:mc="http://schemas.openxmlformats.org/markup-compatibility/2006" xmlns:mv="urn:schemas-microsoft-com:mac:vml" xmlns:p="http://schemas.openxmlformats.org/presentationml/2006/main" xmlns:c="http://schemas.openxmlformats.org/drawingml/2006/chart" xmlns:dgm="http://schemas.openxmlformats.org/drawingml/2006/diagram" xmlns:o="urn:schemas-microsoft-com:office:office" xmlns:v="urn:schemas-microsoft-com:vml" xmlns:pvml="urn:schemas-microsoft-com:office:powerpoint" xmlns:com="http://schemas.openxmlformats.org/drawingml/2006/compatibility" xmlns:p14="http://schemas.microsoft.com/office/powerpoint/2010/main" xmlns:p15="http://schemas.microsoft.com/office/powerpoint/2012/main" xmlns:ahyp="http://schemas.microsoft.com/office/drawing/2018/hyperlinkcolor">
-  <p:cSld>
-    <p:spTree>
-      <p:nvGrpSpPr>
-        <p:cNvPr id="205" name="Shape 205"/>
-        <p:cNvGrpSpPr/>
-        <p:nvPr/>
-      </p:nvGrpSpPr>
-      <p:grpSpPr>
-        <a:xfrm>
-          <a:off x="0" y="0"/>
-          <a:ext cx="0" cy="0"/>
-          <a:chOff x="0" y="0"/>
-          <a:chExt cx="0" cy="0"/>
-        </a:xfrm>
-      </p:grpSpPr>
-      <p:pic>
-        <p:nvPicPr>
-          <p:cNvPr descr="EscuelaIT Duoc UC - Escuela de Informática y Telecomunicaciones Duoc UC - Duoc  UC | LinkedIn" id="206" name="Google Shape;206;p11"/>
-          <p:cNvPicPr preferRelativeResize="0"/>
-          <p:nvPr/>
-        </p:nvPicPr>
-        <p:blipFill rotWithShape="1">
-          <a:blip r:embed="rId3">
-            <a:alphaModFix/>
-          </a:blip>
-          <a:srcRect b="0" l="0" r="0" t="0"/>
-          <a:stretch/>
-        </p:blipFill>
-        <p:spPr>
-          <a:xfrm>
-            <a:off x="8772152" y="207550"/>
-            <a:ext cx="3141406" cy="785352"/>
-          </a:xfrm>
-          <a:prstGeom prst="rect">
-            <a:avLst/>
-          </a:prstGeom>
-          <a:noFill/>
-          <a:ln>
-            <a:noFill/>
-          </a:ln>
-        </p:spPr>
-      </p:pic>
-      <p:sp>
-        <p:nvSpPr>
-          <p:cNvPr id="207" name="Google Shape;207;p11"/>
-          <p:cNvSpPr txBox="1"/>
-          <p:nvPr/>
-        </p:nvSpPr>
-        <p:spPr>
-          <a:xfrm>
-            <a:off x="1" y="2707792"/>
-            <a:ext cx="12191999" cy="1138773"/>
-          </a:xfrm>
-          <a:prstGeom prst="rect">
-            <a:avLst/>
-          </a:prstGeom>
-          <a:noFill/>
-          <a:ln>
-            <a:noFill/>
-          </a:ln>
-        </p:spPr>
-        <p:txBody>
-          <a:bodyPr anchorCtr="0" anchor="t" bIns="45700" lIns="91425" spcFirstLastPara="1" rIns="91425" wrap="square" tIns="45700">
-            <a:spAutoFit/>
-          </a:bodyPr>
-          <a:lstStyle/>
-          <a:p>
-            <a:pPr indent="0" lvl="0" marL="0" marR="0" rtl="0" algn="ctr">
-              <a:spcBef>
-                <a:spcPts val="0"/>
-              </a:spcBef>
-              <a:spcAft>
-                <a:spcPts val="0"/>
-              </a:spcAft>
-              <a:buNone/>
-            </a:pPr>
-            <a:r>
-              <a:rPr lang="es-MX" sz="4400">
-                <a:solidFill>
-                  <a:schemeClr val="dk1"/>
-                </a:solidFill>
-                <a:latin typeface="Calibri"/>
-                <a:ea typeface="Calibri"/>
-                <a:cs typeface="Calibri"/>
-                <a:sym typeface="Calibri"/>
-              </a:rPr>
-              <a:t>DEMOSTRACIÓN DEL RESULTADO DEL PROYECTO</a:t>
-            </a:r>
-            <a:endParaRPr/>
-          </a:p>
-          <a:p>
-            <a:pPr indent="0" lvl="0" marL="0" marR="0" rtl="0" algn="ctr">
-              <a:spcBef>
-                <a:spcPts val="0"/>
-              </a:spcBef>
-              <a:spcAft>
-                <a:spcPts val="0"/>
-              </a:spcAft>
-              <a:buNone/>
-            </a:pPr>
-            <a:r>
-              <a:rPr lang="es-MX" sz="2400">
-                <a:solidFill>
-                  <a:srgbClr val="757070"/>
-                </a:solidFill>
-                <a:latin typeface="Calibri"/>
-                <a:ea typeface="Calibri"/>
-                <a:cs typeface="Calibri"/>
-                <a:sym typeface="Calibri"/>
-              </a:rPr>
-              <a:t>*Exposición del sistema</a:t>
-            </a:r>
-            <a:endParaRPr sz="2400">
-              <a:solidFill>
-                <a:srgbClr val="757070"/>
-              </a:solidFill>
-              <a:latin typeface="Calibri"/>
-              <a:ea typeface="Calibri"/>
-              <a:cs typeface="Calibri"/>
-              <a:sym typeface="Calibri"/>
-            </a:endParaRPr>
-          </a:p>
-        </p:txBody>
-      </p:sp>
-    </p:spTree>
-  </p:cSld>
-  <p:clrMapOvr>
-    <a:masterClrMapping/>
-  </p:clrMapOvr>
-  <p:transition spd="slow">
-    <p:wipe dir="l"/>
-  </p:transition>
-</p:sld>
-</file>
-
-<file path=ppt/slides/slide13.xml><?xml version="1.0" encoding="utf-8"?>
-<p:sld xmlns:a="http://schemas.openxmlformats.org/drawingml/2006/main" xmlns:r="http://schemas.openxmlformats.org/officeDocument/2006/relationships" xmlns:mc="http://schemas.openxmlformats.org/markup-compatibility/2006" xmlns:mv="urn:schemas-microsoft-com:mac:vml" xmlns:p="http://schemas.openxmlformats.org/presentationml/2006/main" xmlns:c="http://schemas.openxmlformats.org/drawingml/2006/chart" xmlns:dgm="http://schemas.openxmlformats.org/drawingml/2006/diagram" xmlns:o="urn:schemas-microsoft-com:office:office" xmlns:v="urn:schemas-microsoft-com:vml" xmlns:pvml="urn:schemas-microsoft-com:office:powerpoint" xmlns:com="http://schemas.openxmlformats.org/drawingml/2006/compatibility" xmlns:p14="http://schemas.microsoft.com/office/powerpoint/2010/main" xmlns:p15="http://schemas.microsoft.com/office/powerpoint/2012/main" xmlns:ahyp="http://schemas.microsoft.com/office/drawing/2018/hyperlinkcolor">
-  <p:cSld>
-    <p:spTree>
-      <p:nvGrpSpPr>
-        <p:cNvPr id="211" name="Shape 211"/>
-        <p:cNvGrpSpPr/>
-        <p:nvPr/>
-      </p:nvGrpSpPr>
-      <p:grpSpPr>
-        <a:xfrm>
-          <a:off x="0" y="0"/>
-          <a:ext cx="0" cy="0"/>
-          <a:chOff x="0" y="0"/>
-          <a:chExt cx="0" cy="0"/>
-        </a:xfrm>
-      </p:grpSpPr>
-      <p:pic>
-        <p:nvPicPr>
-          <p:cNvPr descr="EscuelaIT Duoc UC - Escuela de Informática y Telecomunicaciones Duoc UC - Duoc  UC | LinkedIn" id="212" name="Google Shape;212;p12"/>
-          <p:cNvPicPr preferRelativeResize="0"/>
-          <p:nvPr/>
-        </p:nvPicPr>
-        <p:blipFill rotWithShape="1">
-          <a:blip r:embed="rId3">
-            <a:alphaModFix/>
-          </a:blip>
-          <a:srcRect b="0" l="0" r="0" t="0"/>
-          <a:stretch/>
-        </p:blipFill>
-        <p:spPr>
-          <a:xfrm>
-            <a:off x="8772152" y="207550"/>
-            <a:ext cx="3141406" cy="785352"/>
-          </a:xfrm>
-          <a:prstGeom prst="rect">
-            <a:avLst/>
-          </a:prstGeom>
-          <a:noFill/>
-          <a:ln>
-            <a:noFill/>
-          </a:ln>
-        </p:spPr>
-      </p:pic>
-      <p:sp>
-        <p:nvSpPr>
-          <p:cNvPr id="213" name="Google Shape;213;p12"/>
+          <p:cNvPr id="176" name="Google Shape;176;p12"/>
           <p:cNvSpPr txBox="1"/>
           <p:nvPr/>
         </p:nvSpPr>
@@ -13027,12 +13211,12 @@
 </p:sld>
 </file>
 
-<file path=ppt/slides/slide14.xml><?xml version="1.0" encoding="utf-8"?>
+<file path=ppt/slides/slide13.xml><?xml version="1.0" encoding="utf-8"?>
 <p:sld xmlns:a="http://schemas.openxmlformats.org/drawingml/2006/main" xmlns:r="http://schemas.openxmlformats.org/officeDocument/2006/relationships" xmlns:mc="http://schemas.openxmlformats.org/markup-compatibility/2006" xmlns:mv="urn:schemas-microsoft-com:mac:vml" xmlns:p="http://schemas.openxmlformats.org/presentationml/2006/main" xmlns:c="http://schemas.openxmlformats.org/drawingml/2006/chart" xmlns:dgm="http://schemas.openxmlformats.org/drawingml/2006/diagram" xmlns:o="urn:schemas-microsoft-com:office:office" xmlns:v="urn:schemas-microsoft-com:vml" xmlns:pvml="urn:schemas-microsoft-com:office:powerpoint" xmlns:com="http://schemas.openxmlformats.org/drawingml/2006/compatibility" xmlns:p14="http://schemas.microsoft.com/office/powerpoint/2010/main" xmlns:p15="http://schemas.microsoft.com/office/powerpoint/2012/main" xmlns:ahyp="http://schemas.microsoft.com/office/drawing/2018/hyperlinkcolor">
   <p:cSld>
     <p:spTree>
       <p:nvGrpSpPr>
-        <p:cNvPr id="217" name="Shape 217"/>
+        <p:cNvPr id="180" name="Shape 180"/>
         <p:cNvGrpSpPr/>
         <p:nvPr/>
       </p:nvGrpSpPr>
@@ -13046,7 +13230,7 @@
       </p:grpSpPr>
       <p:pic>
         <p:nvPicPr>
-          <p:cNvPr descr="EscuelaIT Duoc UC - Escuela de Informática y Telecomunicaciones Duoc UC - Duoc  UC | LinkedIn" id="218" name="Google Shape;218;p13"/>
+          <p:cNvPr descr="EscuelaIT Duoc UC - Escuela de Informática y Telecomunicaciones Duoc UC - Duoc  UC | LinkedIn" id="181" name="Google Shape;181;p13"/>
           <p:cNvPicPr preferRelativeResize="0"/>
           <p:nvPr/>
         </p:nvPicPr>
@@ -13073,7 +13257,7 @@
       </p:pic>
       <p:sp>
         <p:nvSpPr>
-          <p:cNvPr id="219" name="Google Shape;219;p13"/>
+          <p:cNvPr id="182" name="Google Shape;182;p13"/>
           <p:cNvSpPr txBox="1"/>
           <p:nvPr/>
         </p:nvSpPr>
@@ -13132,12 +13316,12 @@
 </p:sld>
 </file>
 
-<file path=ppt/slides/slide15.xml><?xml version="1.0" encoding="utf-8"?>
+<file path=ppt/slides/slide14.xml><?xml version="1.0" encoding="utf-8"?>
 <p:sld xmlns:a="http://schemas.openxmlformats.org/drawingml/2006/main" xmlns:r="http://schemas.openxmlformats.org/officeDocument/2006/relationships" xmlns:mc="http://schemas.openxmlformats.org/markup-compatibility/2006" xmlns:mv="urn:schemas-microsoft-com:mac:vml" xmlns:p="http://schemas.openxmlformats.org/presentationml/2006/main" xmlns:c="http://schemas.openxmlformats.org/drawingml/2006/chart" xmlns:dgm="http://schemas.openxmlformats.org/drawingml/2006/diagram" xmlns:o="urn:schemas-microsoft-com:office:office" xmlns:v="urn:schemas-microsoft-com:vml" xmlns:pvml="urn:schemas-microsoft-com:office:powerpoint" xmlns:com="http://schemas.openxmlformats.org/drawingml/2006/compatibility" xmlns:p14="http://schemas.microsoft.com/office/powerpoint/2010/main" xmlns:p15="http://schemas.microsoft.com/office/powerpoint/2012/main" xmlns:ahyp="http://schemas.microsoft.com/office/drawing/2018/hyperlinkcolor">
   <p:cSld>
     <p:spTree>
       <p:nvGrpSpPr>
-        <p:cNvPr id="223" name="Shape 223"/>
+        <p:cNvPr id="186" name="Shape 186"/>
         <p:cNvGrpSpPr/>
         <p:nvPr/>
       </p:nvGrpSpPr>
@@ -13151,7 +13335,7 @@
       </p:grpSpPr>
       <p:pic>
         <p:nvPicPr>
-          <p:cNvPr descr="EscuelaIT Duoc UC - Escuela de Informática y Telecomunicaciones Duoc UC - Duoc  UC | LinkedIn" id="224" name="Google Shape;224;p14"/>
+          <p:cNvPr descr="EscuelaIT Duoc UC - Escuela de Informática y Telecomunicaciones Duoc UC - Duoc  UC | LinkedIn" id="187" name="Google Shape;187;p14"/>
           <p:cNvPicPr preferRelativeResize="0"/>
           <p:nvPr/>
         </p:nvPicPr>
@@ -13178,7 +13362,7 @@
       </p:pic>
       <p:sp>
         <p:nvSpPr>
-          <p:cNvPr id="225" name="Google Shape;225;p14"/>
+          <p:cNvPr id="188" name="Google Shape;188;p14"/>
           <p:cNvSpPr txBox="1"/>
           <p:nvPr/>
         </p:nvSpPr>
@@ -13237,12 +13421,12 @@
 </p:sld>
 </file>
 
-<file path=ppt/slides/slide2.xml><?xml version="1.0" encoding="utf-8"?>
-<p:sld xmlns:a="http://schemas.openxmlformats.org/drawingml/2006/main" xmlns:r="http://schemas.openxmlformats.org/officeDocument/2006/relationships" xmlns:mc="http://schemas.openxmlformats.org/markup-compatibility/2006" xmlns:mv="urn:schemas-microsoft-com:mac:vml" xmlns:p="http://schemas.openxmlformats.org/presentationml/2006/main" xmlns:c="http://schemas.openxmlformats.org/drawingml/2006/chart" xmlns:dgm="http://schemas.openxmlformats.org/drawingml/2006/diagram" xmlns:o="urn:schemas-microsoft-com:office:office" xmlns:v="urn:schemas-microsoft-com:vml" xmlns:pvml="urn:schemas-microsoft-com:office:powerpoint" xmlns:com="http://schemas.openxmlformats.org/drawingml/2006/compatibility" xmlns:p14="http://schemas.microsoft.com/office/powerpoint/2010/main" xmlns:p15="http://schemas.microsoft.com/office/powerpoint/2012/main" xmlns:ahyp="http://schemas.microsoft.com/office/drawing/2018/hyperlinkcolor">
+<file path=ppt/slides/slide15.xml><?xml version="1.0" encoding="utf-8"?>
+<p:sld xmlns:a="http://schemas.openxmlformats.org/drawingml/2006/main" xmlns:r="http://schemas.openxmlformats.org/officeDocument/2006/relationships" xmlns:mc="http://schemas.openxmlformats.org/markup-compatibility/2006" xmlns:mv="urn:schemas-microsoft-com:mac:vml" xmlns:p="http://schemas.openxmlformats.org/presentationml/2006/main" xmlns:c="http://schemas.openxmlformats.org/drawingml/2006/chart" xmlns:dgm="http://schemas.openxmlformats.org/drawingml/2006/diagram" xmlns:o="urn:schemas-microsoft-com:office:office" xmlns:v="urn:schemas-microsoft-com:vml" xmlns:pvml="urn:schemas-microsoft-com:office:powerpoint" xmlns:com="http://schemas.openxmlformats.org/drawingml/2006/compatibility" xmlns:p14="http://schemas.microsoft.com/office/powerpoint/2010/main" xmlns:p15="http://schemas.microsoft.com/office/powerpoint/2012/main" xmlns:ahyp="http://schemas.microsoft.com/office/drawing/2018/hyperlinkcolor" show="0">
   <p:cSld>
     <p:spTree>
       <p:nvGrpSpPr>
-        <p:cNvPr id="90" name="Shape 90"/>
+        <p:cNvPr id="192" name="Shape 192"/>
         <p:cNvGrpSpPr/>
         <p:nvPr/>
       </p:nvGrpSpPr>
@@ -13256,989 +13440,7 @@
       </p:grpSpPr>
       <p:pic>
         <p:nvPicPr>
-          <p:cNvPr descr="EscuelaIT Duoc UC - Escuela de Informática y Telecomunicaciones Duoc UC - Duoc  UC | LinkedIn" id="91" name="Google Shape;91;p2"/>
-          <p:cNvPicPr preferRelativeResize="0"/>
-          <p:nvPr/>
-        </p:nvPicPr>
-        <p:blipFill rotWithShape="1">
-          <a:blip r:embed="rId3">
-            <a:alphaModFix/>
-          </a:blip>
-          <a:srcRect b="0" l="0" r="0" t="0"/>
-          <a:stretch/>
-        </p:blipFill>
-        <p:spPr>
-          <a:xfrm>
-            <a:off x="8772152" y="207550"/>
-            <a:ext cx="3141406" cy="785352"/>
-          </a:xfrm>
-          <a:prstGeom prst="rect">
-            <a:avLst/>
-          </a:prstGeom>
-          <a:noFill/>
-          <a:ln>
-            <a:noFill/>
-          </a:ln>
-        </p:spPr>
-      </p:pic>
-      <p:grpSp>
-        <p:nvGrpSpPr>
-          <p:cNvPr id="92" name="Google Shape;92;p2"/>
-          <p:cNvGrpSpPr/>
-          <p:nvPr/>
-        </p:nvGrpSpPr>
-        <p:grpSpPr>
-          <a:xfrm>
-            <a:off x="4121026" y="1710819"/>
-            <a:ext cx="7633494" cy="4350553"/>
-            <a:chOff x="0" y="0"/>
-            <a:chExt cx="7633494" cy="4350553"/>
-          </a:xfrm>
-        </p:grpSpPr>
-        <p:sp>
-          <p:nvSpPr>
-            <p:cNvPr id="93" name="Google Shape;93;p2"/>
-            <p:cNvSpPr/>
-            <p:nvPr/>
-          </p:nvSpPr>
-          <p:spPr>
-            <a:xfrm>
-              <a:off x="0" y="0"/>
-              <a:ext cx="7633494" cy="1359548"/>
-            </a:xfrm>
-            <a:prstGeom prst="roundRect">
-              <a:avLst>
-                <a:gd fmla="val 10000" name="adj"/>
-              </a:avLst>
-            </a:prstGeom>
-            <a:gradFill>
-              <a:gsLst>
-                <a:gs pos="0">
-                  <a:srgbClr val="6EA5DA"/>
-                </a:gs>
-                <a:gs pos="50000">
-                  <a:srgbClr val="529BDA"/>
-                </a:gs>
-                <a:gs pos="100000">
-                  <a:srgbClr val="4188C8"/>
-                </a:gs>
-              </a:gsLst>
-              <a:lin ang="5400000" scaled="0"/>
-            </a:gradFill>
-            <a:ln>
-              <a:noFill/>
-            </a:ln>
-            <a:effectLst>
-              <a:outerShdw blurRad="57150" rotWithShape="0" algn="ctr" dir="5400000" dist="19050">
-                <a:srgbClr val="000000">
-                  <a:alpha val="62745"/>
-                </a:srgbClr>
-              </a:outerShdw>
-            </a:effectLst>
-          </p:spPr>
-          <p:txBody>
-            <a:bodyPr anchorCtr="0" anchor="ctr" bIns="91425" lIns="91425" spcFirstLastPara="1" rIns="91425" wrap="square" tIns="91425">
-              <a:noAutofit/>
-            </a:bodyPr>
-            <a:lstStyle/>
-            <a:p>
-              <a:pPr indent="0" lvl="0" marL="0" rtl="0" algn="l">
-                <a:spcBef>
-                  <a:spcPts val="0"/>
-                </a:spcBef>
-                <a:spcAft>
-                  <a:spcPts val="0"/>
-                </a:spcAft>
-                <a:buNone/>
-              </a:pPr>
-              <a:r>
-                <a:t/>
-              </a:r>
-              <a:endParaRPr/>
-            </a:p>
-          </p:txBody>
-        </p:sp>
-        <p:sp>
-          <p:nvSpPr>
-            <p:cNvPr id="94" name="Google Shape;94;p2"/>
-            <p:cNvSpPr txBox="1"/>
-            <p:nvPr/>
-          </p:nvSpPr>
-          <p:spPr>
-            <a:xfrm>
-              <a:off x="1662653" y="0"/>
-              <a:ext cx="5970840" cy="1359548"/>
-            </a:xfrm>
-            <a:prstGeom prst="rect">
-              <a:avLst/>
-            </a:prstGeom>
-            <a:noFill/>
-            <a:ln>
-              <a:noFill/>
-            </a:ln>
-          </p:spPr>
-          <p:txBody>
-            <a:bodyPr anchorCtr="0" anchor="t" bIns="99050" lIns="99050" spcFirstLastPara="1" rIns="99050" wrap="square" tIns="99050">
-              <a:noAutofit/>
-            </a:bodyPr>
-            <a:lstStyle/>
-            <a:p>
-              <a:pPr indent="0" lvl="0" marL="0" marR="0" rtl="0" algn="l">
-                <a:lnSpc>
-                  <a:spcPct val="90000"/>
-                </a:lnSpc>
-                <a:spcBef>
-                  <a:spcPts val="0"/>
-                </a:spcBef>
-                <a:spcAft>
-                  <a:spcPts val="0"/>
-                </a:spcAft>
-                <a:buClr>
-                  <a:schemeClr val="lt1"/>
-                </a:buClr>
-                <a:buSzPts val="2600"/>
-                <a:buFont typeface="Calibri"/>
-                <a:buNone/>
-              </a:pPr>
-              <a:r>
-                <a:rPr lang="es-MX" sz="2600">
-                  <a:solidFill>
-                    <a:schemeClr val="lt1"/>
-                  </a:solidFill>
-                  <a:latin typeface="Calibri"/>
-                  <a:ea typeface="Calibri"/>
-                  <a:cs typeface="Calibri"/>
-                  <a:sym typeface="Calibri"/>
-                </a:rPr>
-                <a:t>Francisco Egenau</a:t>
-              </a:r>
-              <a:endParaRPr b="0" i="0" sz="2600" u="none" cap="none" strike="noStrike">
-                <a:solidFill>
-                  <a:schemeClr val="lt1"/>
-                </a:solidFill>
-                <a:latin typeface="Calibri"/>
-                <a:ea typeface="Calibri"/>
-                <a:cs typeface="Calibri"/>
-                <a:sym typeface="Calibri"/>
-              </a:endParaRPr>
-            </a:p>
-            <a:p>
-              <a:pPr indent="-228600" lvl="1" marL="228600" marR="0" rtl="0" algn="l">
-                <a:lnSpc>
-                  <a:spcPct val="90000"/>
-                </a:lnSpc>
-                <a:spcBef>
-                  <a:spcPts val="910"/>
-                </a:spcBef>
-                <a:spcAft>
-                  <a:spcPts val="0"/>
-                </a:spcAft>
-                <a:buClr>
-                  <a:schemeClr val="lt1"/>
-                </a:buClr>
-                <a:buSzPts val="2000"/>
-                <a:buFont typeface="Calibri"/>
-                <a:buChar char="•"/>
-              </a:pPr>
-              <a:r>
-                <a:rPr lang="es-MX" sz="2000">
-                  <a:solidFill>
-                    <a:schemeClr val="lt1"/>
-                  </a:solidFill>
-                  <a:latin typeface="Calibri"/>
-                  <a:ea typeface="Calibri"/>
-                  <a:cs typeface="Calibri"/>
-                  <a:sym typeface="Calibri"/>
-                </a:rPr>
-                <a:t>Scrum Master (PM)</a:t>
-              </a:r>
-              <a:endParaRPr b="0" i="0" sz="2000" u="none" cap="none" strike="noStrike">
-                <a:solidFill>
-                  <a:schemeClr val="lt1"/>
-                </a:solidFill>
-                <a:latin typeface="Calibri"/>
-                <a:ea typeface="Calibri"/>
-                <a:cs typeface="Calibri"/>
-                <a:sym typeface="Calibri"/>
-              </a:endParaRPr>
-            </a:p>
-            <a:p>
-              <a:pPr indent="-228600" lvl="1" marL="228600" marR="0" rtl="0" algn="l">
-                <a:lnSpc>
-                  <a:spcPct val="90000"/>
-                </a:lnSpc>
-                <a:spcBef>
-                  <a:spcPts val="300"/>
-                </a:spcBef>
-                <a:spcAft>
-                  <a:spcPts val="0"/>
-                </a:spcAft>
-                <a:buClr>
-                  <a:schemeClr val="lt1"/>
-                </a:buClr>
-                <a:buSzPts val="2000"/>
-                <a:buFont typeface="Calibri"/>
-                <a:buChar char="•"/>
-              </a:pPr>
-              <a:r>
-                <a:rPr lang="es-MX" sz="2000">
-                  <a:solidFill>
-                    <a:schemeClr val="lt1"/>
-                  </a:solidFill>
-                  <a:latin typeface="Calibri"/>
-                  <a:ea typeface="Calibri"/>
-                  <a:cs typeface="Calibri"/>
-                  <a:sym typeface="Calibri"/>
-                </a:rPr>
-                <a:t>Planificar y QA </a:t>
-              </a:r>
-              <a:endParaRPr b="0" i="0" sz="2000" u="none" cap="none" strike="noStrike">
-                <a:solidFill>
-                  <a:schemeClr val="lt1"/>
-                </a:solidFill>
-                <a:latin typeface="Calibri"/>
-                <a:ea typeface="Calibri"/>
-                <a:cs typeface="Calibri"/>
-                <a:sym typeface="Calibri"/>
-              </a:endParaRPr>
-            </a:p>
-          </p:txBody>
-        </p:sp>
-        <p:sp>
-          <p:nvSpPr>
-            <p:cNvPr id="95" name="Google Shape;95;p2"/>
-            <p:cNvSpPr/>
-            <p:nvPr/>
-          </p:nvSpPr>
-          <p:spPr>
-            <a:xfrm>
-              <a:off x="0" y="1495502"/>
-              <a:ext cx="7633494" cy="1359548"/>
-            </a:xfrm>
-            <a:prstGeom prst="roundRect">
-              <a:avLst>
-                <a:gd fmla="val 10000" name="adj"/>
-              </a:avLst>
-            </a:prstGeom>
-            <a:gradFill>
-              <a:gsLst>
-                <a:gs pos="0">
-                  <a:srgbClr val="6EA5DA"/>
-                </a:gs>
-                <a:gs pos="50000">
-                  <a:srgbClr val="529BDA"/>
-                </a:gs>
-                <a:gs pos="100000">
-                  <a:srgbClr val="4188C8"/>
-                </a:gs>
-              </a:gsLst>
-              <a:lin ang="5400000" scaled="0"/>
-            </a:gradFill>
-            <a:ln>
-              <a:noFill/>
-            </a:ln>
-            <a:effectLst>
-              <a:outerShdw blurRad="57150" rotWithShape="0" algn="ctr" dir="5400000" dist="19050">
-                <a:srgbClr val="000000">
-                  <a:alpha val="62745"/>
-                </a:srgbClr>
-              </a:outerShdw>
-            </a:effectLst>
-          </p:spPr>
-          <p:txBody>
-            <a:bodyPr anchorCtr="0" anchor="ctr" bIns="91425" lIns="91425" spcFirstLastPara="1" rIns="91425" wrap="square" tIns="91425">
-              <a:noAutofit/>
-            </a:bodyPr>
-            <a:lstStyle/>
-            <a:p>
-              <a:pPr indent="0" lvl="0" marL="0" rtl="0" algn="l">
-                <a:spcBef>
-                  <a:spcPts val="0"/>
-                </a:spcBef>
-                <a:spcAft>
-                  <a:spcPts val="0"/>
-                </a:spcAft>
-                <a:buNone/>
-              </a:pPr>
-              <a:r>
-                <a:t/>
-              </a:r>
-              <a:endParaRPr/>
-            </a:p>
-          </p:txBody>
-        </p:sp>
-        <p:sp>
-          <p:nvSpPr>
-            <p:cNvPr id="96" name="Google Shape;96;p2"/>
-            <p:cNvSpPr txBox="1"/>
-            <p:nvPr/>
-          </p:nvSpPr>
-          <p:spPr>
-            <a:xfrm>
-              <a:off x="1662653" y="1495502"/>
-              <a:ext cx="5970840" cy="1359548"/>
-            </a:xfrm>
-            <a:prstGeom prst="rect">
-              <a:avLst/>
-            </a:prstGeom>
-            <a:noFill/>
-            <a:ln>
-              <a:noFill/>
-            </a:ln>
-          </p:spPr>
-          <p:txBody>
-            <a:bodyPr anchorCtr="0" anchor="t" bIns="99050" lIns="99050" spcFirstLastPara="1" rIns="99050" wrap="square" tIns="99050">
-              <a:noAutofit/>
-            </a:bodyPr>
-            <a:lstStyle/>
-            <a:p>
-              <a:pPr indent="0" lvl="0" marL="0" marR="0" rtl="0" algn="l">
-                <a:lnSpc>
-                  <a:spcPct val="90000"/>
-                </a:lnSpc>
-                <a:spcBef>
-                  <a:spcPts val="0"/>
-                </a:spcBef>
-                <a:spcAft>
-                  <a:spcPts val="0"/>
-                </a:spcAft>
-                <a:buClr>
-                  <a:schemeClr val="lt1"/>
-                </a:buClr>
-                <a:buSzPts val="2600"/>
-                <a:buFont typeface="Calibri"/>
-                <a:buNone/>
-              </a:pPr>
-              <a:r>
-                <a:rPr lang="es-MX" sz="2600">
-                  <a:solidFill>
-                    <a:schemeClr val="lt1"/>
-                  </a:solidFill>
-                  <a:latin typeface="Calibri"/>
-                  <a:ea typeface="Calibri"/>
-                  <a:cs typeface="Calibri"/>
-                  <a:sym typeface="Calibri"/>
-                </a:rPr>
-                <a:t>Matias Machuca</a:t>
-              </a:r>
-              <a:endParaRPr b="0" i="0" sz="2600" u="none" cap="none" strike="noStrike">
-                <a:solidFill>
-                  <a:schemeClr val="lt1"/>
-                </a:solidFill>
-                <a:latin typeface="Calibri"/>
-                <a:ea typeface="Calibri"/>
-                <a:cs typeface="Calibri"/>
-                <a:sym typeface="Calibri"/>
-              </a:endParaRPr>
-            </a:p>
-            <a:p>
-              <a:pPr indent="-228600" lvl="1" marL="228600" marR="0" rtl="0" algn="l">
-                <a:lnSpc>
-                  <a:spcPct val="90000"/>
-                </a:lnSpc>
-                <a:spcBef>
-                  <a:spcPts val="910"/>
-                </a:spcBef>
-                <a:spcAft>
-                  <a:spcPts val="0"/>
-                </a:spcAft>
-                <a:buClr>
-                  <a:schemeClr val="lt1"/>
-                </a:buClr>
-                <a:buSzPts val="2000"/>
-                <a:buFont typeface="Calibri"/>
-                <a:buChar char="•"/>
-              </a:pPr>
-              <a:r>
-                <a:rPr lang="es-MX" sz="2000">
-                  <a:solidFill>
-                    <a:schemeClr val="lt1"/>
-                  </a:solidFill>
-                  <a:latin typeface="Calibri"/>
-                  <a:ea typeface="Calibri"/>
-                  <a:cs typeface="Calibri"/>
-                  <a:sym typeface="Calibri"/>
-                </a:rPr>
-                <a:t>Líder</a:t>
-              </a:r>
-              <a:r>
-                <a:rPr lang="es-MX" sz="2000">
-                  <a:solidFill>
-                    <a:schemeClr val="lt1"/>
-                  </a:solidFill>
-                  <a:latin typeface="Calibri"/>
-                  <a:ea typeface="Calibri"/>
-                  <a:cs typeface="Calibri"/>
-                  <a:sym typeface="Calibri"/>
-                </a:rPr>
-                <a:t> </a:t>
-              </a:r>
-              <a:r>
-                <a:rPr lang="es-MX" sz="2000">
-                  <a:solidFill>
-                    <a:schemeClr val="lt1"/>
-                  </a:solidFill>
-                  <a:latin typeface="Calibri"/>
-                  <a:ea typeface="Calibri"/>
-                  <a:cs typeface="Calibri"/>
-                  <a:sym typeface="Calibri"/>
-                </a:rPr>
-                <a:t>Técnico</a:t>
-              </a:r>
-              <a:endParaRPr b="0" i="0" sz="2000" u="none" cap="none" strike="noStrike">
-                <a:solidFill>
-                  <a:schemeClr val="lt1"/>
-                </a:solidFill>
-                <a:latin typeface="Calibri"/>
-                <a:ea typeface="Calibri"/>
-                <a:cs typeface="Calibri"/>
-                <a:sym typeface="Calibri"/>
-              </a:endParaRPr>
-            </a:p>
-            <a:p>
-              <a:pPr indent="-228600" lvl="1" marL="228600" marR="0" rtl="0" algn="l">
-                <a:lnSpc>
-                  <a:spcPct val="90000"/>
-                </a:lnSpc>
-                <a:spcBef>
-                  <a:spcPts val="300"/>
-                </a:spcBef>
-                <a:spcAft>
-                  <a:spcPts val="0"/>
-                </a:spcAft>
-                <a:buClr>
-                  <a:schemeClr val="lt1"/>
-                </a:buClr>
-                <a:buSzPts val="2000"/>
-                <a:buFont typeface="Calibri"/>
-                <a:buChar char="•"/>
-              </a:pPr>
-              <a:r>
-                <a:rPr lang="es-MX" sz="2000">
-                  <a:solidFill>
-                    <a:schemeClr val="lt1"/>
-                  </a:solidFill>
-                  <a:latin typeface="Calibri"/>
-                  <a:ea typeface="Calibri"/>
-                  <a:cs typeface="Calibri"/>
-                  <a:sym typeface="Calibri"/>
-                </a:rPr>
-                <a:t>Modelo de datos y testing </a:t>
-              </a:r>
-              <a:endParaRPr b="0" i="0" sz="2000" u="none" cap="none" strike="noStrike">
-                <a:solidFill>
-                  <a:schemeClr val="lt1"/>
-                </a:solidFill>
-                <a:latin typeface="Calibri"/>
-                <a:ea typeface="Calibri"/>
-                <a:cs typeface="Calibri"/>
-                <a:sym typeface="Calibri"/>
-              </a:endParaRPr>
-            </a:p>
-          </p:txBody>
-        </p:sp>
-        <p:sp>
-          <p:nvSpPr>
-            <p:cNvPr id="97" name="Google Shape;97;p2"/>
-            <p:cNvSpPr/>
-            <p:nvPr/>
-          </p:nvSpPr>
-          <p:spPr>
-            <a:xfrm>
-              <a:off x="0" y="2991005"/>
-              <a:ext cx="7633494" cy="1359548"/>
-            </a:xfrm>
-            <a:prstGeom prst="roundRect">
-              <a:avLst>
-                <a:gd fmla="val 10000" name="adj"/>
-              </a:avLst>
-            </a:prstGeom>
-            <a:gradFill>
-              <a:gsLst>
-                <a:gs pos="0">
-                  <a:srgbClr val="6EA5DA"/>
-                </a:gs>
-                <a:gs pos="50000">
-                  <a:srgbClr val="529BDA"/>
-                </a:gs>
-                <a:gs pos="100000">
-                  <a:srgbClr val="4188C8"/>
-                </a:gs>
-              </a:gsLst>
-              <a:lin ang="5400000" scaled="0"/>
-            </a:gradFill>
-            <a:ln>
-              <a:noFill/>
-            </a:ln>
-            <a:effectLst>
-              <a:outerShdw blurRad="57150" rotWithShape="0" algn="ctr" dir="5400000" dist="19050">
-                <a:srgbClr val="000000">
-                  <a:alpha val="62745"/>
-                </a:srgbClr>
-              </a:outerShdw>
-            </a:effectLst>
-          </p:spPr>
-          <p:txBody>
-            <a:bodyPr anchorCtr="0" anchor="ctr" bIns="91425" lIns="91425" spcFirstLastPara="1" rIns="91425" wrap="square" tIns="91425">
-              <a:noAutofit/>
-            </a:bodyPr>
-            <a:lstStyle/>
-            <a:p>
-              <a:pPr indent="0" lvl="0" marL="0" rtl="0" algn="l">
-                <a:spcBef>
-                  <a:spcPts val="0"/>
-                </a:spcBef>
-                <a:spcAft>
-                  <a:spcPts val="0"/>
-                </a:spcAft>
-                <a:buNone/>
-              </a:pPr>
-              <a:r>
-                <a:t/>
-              </a:r>
-              <a:endParaRPr/>
-            </a:p>
-          </p:txBody>
-        </p:sp>
-        <p:sp>
-          <p:nvSpPr>
-            <p:cNvPr id="98" name="Google Shape;98;p2"/>
-            <p:cNvSpPr txBox="1"/>
-            <p:nvPr/>
-          </p:nvSpPr>
-          <p:spPr>
-            <a:xfrm>
-              <a:off x="1662653" y="2991005"/>
-              <a:ext cx="5970840" cy="1359548"/>
-            </a:xfrm>
-            <a:prstGeom prst="rect">
-              <a:avLst/>
-            </a:prstGeom>
-            <a:noFill/>
-            <a:ln>
-              <a:noFill/>
-            </a:ln>
-          </p:spPr>
-          <p:txBody>
-            <a:bodyPr anchorCtr="0" anchor="t" bIns="99050" lIns="99050" spcFirstLastPara="1" rIns="99050" wrap="square" tIns="99050">
-              <a:noAutofit/>
-            </a:bodyPr>
-            <a:lstStyle/>
-            <a:p>
-              <a:pPr indent="0" lvl="0" marL="0" marR="0" rtl="0" algn="l">
-                <a:lnSpc>
-                  <a:spcPct val="90000"/>
-                </a:lnSpc>
-                <a:spcBef>
-                  <a:spcPts val="0"/>
-                </a:spcBef>
-                <a:spcAft>
-                  <a:spcPts val="0"/>
-                </a:spcAft>
-                <a:buClr>
-                  <a:schemeClr val="lt1"/>
-                </a:buClr>
-                <a:buSzPts val="2600"/>
-                <a:buFont typeface="Calibri"/>
-                <a:buNone/>
-              </a:pPr>
-              <a:r>
-                <a:rPr lang="es-MX" sz="2600">
-                  <a:solidFill>
-                    <a:schemeClr val="lt1"/>
-                  </a:solidFill>
-                  <a:latin typeface="Calibri"/>
-                  <a:ea typeface="Calibri"/>
-                  <a:cs typeface="Calibri"/>
-                  <a:sym typeface="Calibri"/>
-                </a:rPr>
-                <a:t>Sebastián Medina</a:t>
-              </a:r>
-              <a:endParaRPr b="0" i="0" sz="2600" u="none" cap="none" strike="noStrike">
-                <a:solidFill>
-                  <a:schemeClr val="lt1"/>
-                </a:solidFill>
-                <a:latin typeface="Calibri"/>
-                <a:ea typeface="Calibri"/>
-                <a:cs typeface="Calibri"/>
-                <a:sym typeface="Calibri"/>
-              </a:endParaRPr>
-            </a:p>
-            <a:p>
-              <a:pPr indent="-228600" lvl="1" marL="228600" marR="0" rtl="0" algn="l">
-                <a:lnSpc>
-                  <a:spcPct val="90000"/>
-                </a:lnSpc>
-                <a:spcBef>
-                  <a:spcPts val="910"/>
-                </a:spcBef>
-                <a:spcAft>
-                  <a:spcPts val="0"/>
-                </a:spcAft>
-                <a:buClr>
-                  <a:schemeClr val="lt1"/>
-                </a:buClr>
-                <a:buSzPts val="2000"/>
-                <a:buFont typeface="Calibri"/>
-                <a:buChar char="•"/>
-              </a:pPr>
-              <a:r>
-                <a:rPr lang="es-MX" sz="2000">
-                  <a:solidFill>
-                    <a:schemeClr val="lt1"/>
-                  </a:solidFill>
-                  <a:latin typeface="Calibri"/>
-                  <a:ea typeface="Calibri"/>
-                  <a:cs typeface="Calibri"/>
-                  <a:sym typeface="Calibri"/>
-                </a:rPr>
-                <a:t>Equipo de desarrollo</a:t>
-              </a:r>
-              <a:endParaRPr b="0" i="0" sz="2000" u="none" cap="none" strike="noStrike">
-                <a:solidFill>
-                  <a:schemeClr val="lt1"/>
-                </a:solidFill>
-                <a:latin typeface="Calibri"/>
-                <a:ea typeface="Calibri"/>
-                <a:cs typeface="Calibri"/>
-                <a:sym typeface="Calibri"/>
-              </a:endParaRPr>
-            </a:p>
-            <a:p>
-              <a:pPr indent="-228600" lvl="1" marL="228600" marR="0" rtl="0" algn="l">
-                <a:lnSpc>
-                  <a:spcPct val="90000"/>
-                </a:lnSpc>
-                <a:spcBef>
-                  <a:spcPts val="300"/>
-                </a:spcBef>
-                <a:spcAft>
-                  <a:spcPts val="0"/>
-                </a:spcAft>
-                <a:buClr>
-                  <a:schemeClr val="lt1"/>
-                </a:buClr>
-                <a:buSzPts val="2000"/>
-                <a:buFont typeface="Calibri"/>
-                <a:buChar char="•"/>
-              </a:pPr>
-              <a:r>
-                <a:rPr lang="es-MX" sz="2000">
-                  <a:solidFill>
-                    <a:schemeClr val="lt1"/>
-                  </a:solidFill>
-                  <a:latin typeface="Calibri"/>
-                  <a:ea typeface="Calibri"/>
-                  <a:cs typeface="Calibri"/>
-                  <a:sym typeface="Calibri"/>
-                </a:rPr>
-                <a:t>Desarrollo e </a:t>
-              </a:r>
-              <a:r>
-                <a:rPr lang="es-MX" sz="2000">
-                  <a:solidFill>
-                    <a:schemeClr val="lt1"/>
-                  </a:solidFill>
-                  <a:latin typeface="Calibri"/>
-                  <a:ea typeface="Calibri"/>
-                  <a:cs typeface="Calibri"/>
-                  <a:sym typeface="Calibri"/>
-                </a:rPr>
-                <a:t>implementación</a:t>
-              </a:r>
-              <a:endParaRPr b="0" i="0" sz="2000" u="none" cap="none" strike="noStrike">
-                <a:solidFill>
-                  <a:schemeClr val="lt1"/>
-                </a:solidFill>
-                <a:latin typeface="Calibri"/>
-                <a:ea typeface="Calibri"/>
-                <a:cs typeface="Calibri"/>
-                <a:sym typeface="Calibri"/>
-              </a:endParaRPr>
-            </a:p>
-          </p:txBody>
-        </p:sp>
-      </p:grpSp>
-      <p:sp>
-        <p:nvSpPr>
-          <p:cNvPr id="99" name="Google Shape;99;p2"/>
-          <p:cNvSpPr txBox="1"/>
-          <p:nvPr/>
-        </p:nvSpPr>
-        <p:spPr>
-          <a:xfrm>
-            <a:off x="136188" y="368928"/>
-            <a:ext cx="12192000" cy="369300"/>
-          </a:xfrm>
-          <a:prstGeom prst="rect">
-            <a:avLst/>
-          </a:prstGeom>
-          <a:noFill/>
-          <a:ln>
-            <a:noFill/>
-          </a:ln>
-        </p:spPr>
-        <p:txBody>
-          <a:bodyPr anchorCtr="0" anchor="t" bIns="45700" lIns="91425" spcFirstLastPara="1" rIns="91425" wrap="square" tIns="45700">
-            <a:spAutoFit/>
-          </a:bodyPr>
-          <a:lstStyle/>
-          <a:p>
-            <a:pPr indent="0" lvl="0" marL="0" marR="0" rtl="0" algn="l">
-              <a:spcBef>
-                <a:spcPts val="0"/>
-              </a:spcBef>
-              <a:spcAft>
-                <a:spcPts val="0"/>
-              </a:spcAft>
-              <a:buNone/>
-            </a:pPr>
-            <a:r>
-              <a:rPr b="0" i="0" lang="es-MX" sz="1800" u="none" cap="none" strike="noStrike">
-                <a:solidFill>
-                  <a:srgbClr val="757070"/>
-                </a:solidFill>
-                <a:latin typeface="Calibri"/>
-                <a:ea typeface="Calibri"/>
-                <a:cs typeface="Calibri"/>
-                <a:sym typeface="Calibri"/>
-              </a:rPr>
-              <a:t>PROYECTO “</a:t>
-            </a:r>
-            <a:r>
-              <a:rPr lang="es-MX" sz="1800">
-                <a:solidFill>
-                  <a:srgbClr val="757070"/>
-                </a:solidFill>
-                <a:latin typeface="Calibri"/>
-                <a:ea typeface="Calibri"/>
-                <a:cs typeface="Calibri"/>
-                <a:sym typeface="Calibri"/>
-              </a:rPr>
-              <a:t>SignBridge</a:t>
-            </a:r>
-            <a:r>
-              <a:rPr b="0" i="0" lang="es-MX" sz="1800" u="none" cap="none" strike="noStrike">
-                <a:solidFill>
-                  <a:srgbClr val="757070"/>
-                </a:solidFill>
-                <a:latin typeface="Calibri"/>
-                <a:ea typeface="Calibri"/>
-                <a:cs typeface="Calibri"/>
-                <a:sym typeface="Calibri"/>
-              </a:rPr>
-              <a:t>”</a:t>
-            </a:r>
-            <a:endParaRPr/>
-          </a:p>
-        </p:txBody>
-      </p:sp>
-      <p:sp>
-        <p:nvSpPr>
-          <p:cNvPr id="100" name="Google Shape;100;p2"/>
-          <p:cNvSpPr txBox="1"/>
-          <p:nvPr/>
-        </p:nvSpPr>
-        <p:spPr>
-          <a:xfrm>
-            <a:off x="238327" y="3058616"/>
-            <a:ext cx="3608961" cy="1200329"/>
-          </a:xfrm>
-          <a:prstGeom prst="rect">
-            <a:avLst/>
-          </a:prstGeom>
-          <a:noFill/>
-          <a:ln>
-            <a:noFill/>
-          </a:ln>
-        </p:spPr>
-        <p:txBody>
-          <a:bodyPr anchorCtr="0" anchor="t" bIns="45700" lIns="91425" spcFirstLastPara="1" rIns="91425" wrap="square" tIns="45700">
-            <a:spAutoFit/>
-          </a:bodyPr>
-          <a:lstStyle/>
-          <a:p>
-            <a:pPr indent="0" lvl="0" marL="0" marR="0" rtl="0" algn="ctr">
-              <a:spcBef>
-                <a:spcPts val="0"/>
-              </a:spcBef>
-              <a:spcAft>
-                <a:spcPts val="0"/>
-              </a:spcAft>
-              <a:buNone/>
-            </a:pPr>
-            <a:r>
-              <a:rPr lang="es-MX" sz="3600">
-                <a:solidFill>
-                  <a:schemeClr val="dk1"/>
-                </a:solidFill>
-                <a:latin typeface="Calibri"/>
-                <a:ea typeface="Calibri"/>
-                <a:cs typeface="Calibri"/>
-                <a:sym typeface="Calibri"/>
-              </a:rPr>
-              <a:t>INTEGRANTES DEL PROYECTO</a:t>
-            </a:r>
-            <a:endParaRPr sz="1800">
-              <a:solidFill>
-                <a:schemeClr val="dk1"/>
-              </a:solidFill>
-              <a:latin typeface="Calibri"/>
-              <a:ea typeface="Calibri"/>
-              <a:cs typeface="Calibri"/>
-              <a:sym typeface="Calibri"/>
-            </a:endParaRPr>
-          </a:p>
-        </p:txBody>
-      </p:sp>
-      <p:cxnSp>
-        <p:nvCxnSpPr>
-          <p:cNvPr id="101" name="Google Shape;101;p2"/>
-          <p:cNvCxnSpPr/>
-          <p:nvPr/>
-        </p:nvCxnSpPr>
-        <p:spPr>
-          <a:xfrm>
-            <a:off x="0" y="758027"/>
-            <a:ext cx="4085617" cy="0"/>
-          </a:xfrm>
-          <a:prstGeom prst="straightConnector1">
-            <a:avLst/>
-          </a:prstGeom>
-          <a:noFill/>
-          <a:ln cap="flat" cmpd="sng" w="15875">
-            <a:solidFill>
-              <a:srgbClr val="F5F7FC"/>
-            </a:solidFill>
-            <a:prstDash val="solid"/>
-            <a:miter lim="800000"/>
-            <a:headEnd len="sm" w="sm" type="none"/>
-            <a:tailEnd len="sm" w="sm" type="none"/>
-          </a:ln>
-        </p:spPr>
-      </p:cxnSp>
-      <p:pic>
-        <p:nvPicPr>
-          <p:cNvPr id="102" name="Google Shape;102;p2" title="1720021303529.jfif"/>
-          <p:cNvPicPr preferRelativeResize="0"/>
-          <p:nvPr/>
-        </p:nvPicPr>
-        <p:blipFill>
-          <a:blip r:embed="rId4">
-            <a:alphaModFix/>
-          </a:blip>
-          <a:stretch>
-            <a:fillRect/>
-          </a:stretch>
-        </p:blipFill>
-        <p:spPr>
-          <a:xfrm>
-            <a:off x="4271725" y="1710825"/>
-            <a:ext cx="1305576" cy="1305576"/>
-          </a:xfrm>
-          <a:prstGeom prst="rect">
-            <a:avLst/>
-          </a:prstGeom>
-          <a:noFill/>
-          <a:ln>
-            <a:noFill/>
-          </a:ln>
-        </p:spPr>
-      </p:pic>
-      <p:pic>
-        <p:nvPicPr>
-          <p:cNvPr id="103" name="Google Shape;103;p2"/>
-          <p:cNvPicPr preferRelativeResize="0"/>
-          <p:nvPr/>
-        </p:nvPicPr>
-        <p:blipFill>
-          <a:blip r:embed="rId5">
-            <a:alphaModFix/>
-          </a:blip>
-          <a:stretch>
-            <a:fillRect/>
-          </a:stretch>
-        </p:blipFill>
-        <p:spPr>
-          <a:xfrm>
-            <a:off x="4300750" y="4686300"/>
-            <a:ext cx="1200325" cy="1374933"/>
-          </a:xfrm>
-          <a:prstGeom prst="rect">
-            <a:avLst/>
-          </a:prstGeom>
-          <a:noFill/>
-          <a:ln>
-            <a:noFill/>
-          </a:ln>
-          <a:effectLst>
-            <a:outerShdw blurRad="57150" rotWithShape="0" algn="bl" dir="5400000" dist="19050">
-              <a:srgbClr val="000000">
-                <a:alpha val="50000"/>
-              </a:srgbClr>
-            </a:outerShdw>
-          </a:effectLst>
-        </p:spPr>
-      </p:pic>
-      <p:pic>
-        <p:nvPicPr>
-          <p:cNvPr id="104" name="Google Shape;104;p2"/>
-          <p:cNvPicPr preferRelativeResize="0"/>
-          <p:nvPr/>
-        </p:nvPicPr>
-        <p:blipFill>
-          <a:blip r:embed="rId6">
-            <a:alphaModFix/>
-          </a:blip>
-          <a:stretch>
-            <a:fillRect/>
-          </a:stretch>
-        </p:blipFill>
-        <p:spPr>
-          <a:xfrm>
-            <a:off x="4257225" y="3222175"/>
-            <a:ext cx="1200325" cy="1305575"/>
-          </a:xfrm>
-          <a:prstGeom prst="rect">
-            <a:avLst/>
-          </a:prstGeom>
-          <a:noFill/>
-          <a:ln>
-            <a:noFill/>
-          </a:ln>
-        </p:spPr>
-      </p:pic>
-    </p:spTree>
-  </p:cSld>
-  <p:clrMapOvr>
-    <a:masterClrMapping/>
-  </p:clrMapOvr>
-  <p:transition spd="slow">
-    <p:wipe dir="l"/>
-  </p:transition>
-</p:sld>
-</file>
-
-<file path=ppt/slides/slide3.xml><?xml version="1.0" encoding="utf-8"?>
-<p:sld xmlns:a="http://schemas.openxmlformats.org/drawingml/2006/main" xmlns:r="http://schemas.openxmlformats.org/officeDocument/2006/relationships" xmlns:mc="http://schemas.openxmlformats.org/markup-compatibility/2006" xmlns:mv="urn:schemas-microsoft-com:mac:vml" xmlns:p="http://schemas.openxmlformats.org/presentationml/2006/main" xmlns:c="http://schemas.openxmlformats.org/drawingml/2006/chart" xmlns:dgm="http://schemas.openxmlformats.org/drawingml/2006/diagram" xmlns:o="urn:schemas-microsoft-com:office:office" xmlns:v="urn:schemas-microsoft-com:vml" xmlns:pvml="urn:schemas-microsoft-com:office:powerpoint" xmlns:com="http://schemas.openxmlformats.org/drawingml/2006/compatibility" xmlns:p14="http://schemas.microsoft.com/office/powerpoint/2010/main" xmlns:p15="http://schemas.microsoft.com/office/powerpoint/2012/main" xmlns:ahyp="http://schemas.microsoft.com/office/drawing/2018/hyperlinkcolor">
-  <p:cSld>
-    <p:spTree>
-      <p:nvGrpSpPr>
-        <p:cNvPr id="108" name="Shape 108"/>
-        <p:cNvGrpSpPr/>
-        <p:nvPr/>
-      </p:nvGrpSpPr>
-      <p:grpSpPr>
-        <a:xfrm>
-          <a:off x="0" y="0"/>
-          <a:ext cx="0" cy="0"/>
-          <a:chOff x="0" y="0"/>
-          <a:chExt cx="0" cy="0"/>
-        </a:xfrm>
-      </p:grpSpPr>
-      <p:pic>
-        <p:nvPicPr>
-          <p:cNvPr descr="EscuelaIT Duoc UC - Escuela de Informática y Telecomunicaciones Duoc UC - Duoc  UC | LinkedIn" id="109" name="Google Shape;109;p3"/>
+          <p:cNvPr descr="EscuelaIT Duoc UC - Escuela de Informática y Telecomunicaciones Duoc UC - Duoc  UC | LinkedIn" id="193" name="Google Shape;193;g38e20ad7a5e_0_72"/>
           <p:cNvPicPr preferRelativeResize="0"/>
           <p:nvPr/>
         </p:nvPicPr>
@@ -14265,7 +13467,193 @@
       </p:pic>
       <p:sp>
         <p:nvSpPr>
-          <p:cNvPr id="110" name="Google Shape;110;p3"/>
+          <p:cNvPr id="194" name="Google Shape;194;g38e20ad7a5e_0_72"/>
+          <p:cNvSpPr txBox="1"/>
+          <p:nvPr/>
+        </p:nvSpPr>
+        <p:spPr>
+          <a:xfrm>
+            <a:off x="912100" y="2707800"/>
+            <a:ext cx="7935600" cy="1139100"/>
+          </a:xfrm>
+          <a:prstGeom prst="rect">
+            <a:avLst/>
+          </a:prstGeom>
+          <a:noFill/>
+          <a:ln>
+            <a:noFill/>
+          </a:ln>
+        </p:spPr>
+        <p:txBody>
+          <a:bodyPr anchorCtr="0" anchor="t" bIns="45700" lIns="91425" spcFirstLastPara="1" rIns="91425" wrap="square" tIns="45700">
+            <a:spAutoFit/>
+          </a:bodyPr>
+          <a:lstStyle/>
+          <a:p>
+            <a:pPr indent="0" lvl="0" marL="0" marR="0" rtl="0" algn="ctr">
+              <a:spcBef>
+                <a:spcPts val="0"/>
+              </a:spcBef>
+              <a:spcAft>
+                <a:spcPts val="0"/>
+              </a:spcAft>
+              <a:buNone/>
+            </a:pPr>
+            <a:r>
+              <a:rPr b="0" i="0" lang="es-MX" sz="4400" u="none" cap="none" strike="noStrike">
+                <a:solidFill>
+                  <a:schemeClr val="dk1"/>
+                </a:solidFill>
+                <a:latin typeface="Calibri"/>
+                <a:ea typeface="Calibri"/>
+                <a:cs typeface="Calibri"/>
+                <a:sym typeface="Calibri"/>
+              </a:rPr>
+              <a:t>PROYECTO “</a:t>
+            </a:r>
+            <a:r>
+              <a:rPr lang="es-MX" sz="4400">
+                <a:solidFill>
+                  <a:schemeClr val="dk1"/>
+                </a:solidFill>
+                <a:latin typeface="Calibri"/>
+                <a:ea typeface="Calibri"/>
+                <a:cs typeface="Calibri"/>
+                <a:sym typeface="Calibri"/>
+              </a:rPr>
+              <a:t>SignBridge</a:t>
+            </a:r>
+            <a:r>
+              <a:rPr b="0" i="0" lang="es-MX" sz="4400" u="none" cap="none" strike="noStrike">
+                <a:solidFill>
+                  <a:schemeClr val="dk1"/>
+                </a:solidFill>
+                <a:latin typeface="Calibri"/>
+                <a:ea typeface="Calibri"/>
+                <a:cs typeface="Calibri"/>
+                <a:sym typeface="Calibri"/>
+              </a:rPr>
+              <a:t>”</a:t>
+            </a:r>
+            <a:endParaRPr/>
+          </a:p>
+          <a:p>
+            <a:pPr indent="0" lvl="0" marL="0" marR="0" rtl="0" algn="ctr">
+              <a:spcBef>
+                <a:spcPts val="0"/>
+              </a:spcBef>
+              <a:spcAft>
+                <a:spcPts val="0"/>
+              </a:spcAft>
+              <a:buNone/>
+            </a:pPr>
+            <a:r>
+              <a:rPr b="0" i="0" lang="es-MX" sz="2400" u="none" cap="none" strike="noStrike">
+                <a:solidFill>
+                  <a:schemeClr val="dk1"/>
+                </a:solidFill>
+                <a:latin typeface="Calibri"/>
+                <a:ea typeface="Calibri"/>
+                <a:cs typeface="Calibri"/>
+                <a:sym typeface="Calibri"/>
+              </a:rPr>
+              <a:t>PRESENTACIÓN FINAL CAPSTONE</a:t>
+            </a:r>
+            <a:endParaRPr b="0" i="0" sz="2400" u="none" cap="none" strike="noStrike">
+              <a:solidFill>
+                <a:schemeClr val="dk1"/>
+              </a:solidFill>
+              <a:latin typeface="Calibri"/>
+              <a:ea typeface="Calibri"/>
+              <a:cs typeface="Calibri"/>
+              <a:sym typeface="Calibri"/>
+            </a:endParaRPr>
+          </a:p>
+        </p:txBody>
+      </p:sp>
+      <p:pic>
+        <p:nvPicPr>
+          <p:cNvPr id="195" name="Google Shape;195;g38e20ad7a5e_0_72" title="ChatGPT Image 1 sept 2025, 07_28_09 p.m..png"/>
+          <p:cNvPicPr preferRelativeResize="0"/>
+          <p:nvPr/>
+        </p:nvPicPr>
+        <p:blipFill>
+          <a:blip r:embed="rId4">
+            <a:alphaModFix/>
+          </a:blip>
+          <a:stretch>
+            <a:fillRect/>
+          </a:stretch>
+        </p:blipFill>
+        <p:spPr>
+          <a:xfrm>
+            <a:off x="8261075" y="2185175"/>
+            <a:ext cx="2706299" cy="2706299"/>
+          </a:xfrm>
+          <a:prstGeom prst="rect">
+            <a:avLst/>
+          </a:prstGeom>
+          <a:noFill/>
+          <a:ln>
+            <a:noFill/>
+          </a:ln>
+        </p:spPr>
+      </p:pic>
+    </p:spTree>
+  </p:cSld>
+  <p:clrMapOvr>
+    <a:masterClrMapping/>
+  </p:clrMapOvr>
+</p:sld>
+</file>
+
+<file path=ppt/slides/slide16.xml><?xml version="1.0" encoding="utf-8"?>
+<p:sld xmlns:a="http://schemas.openxmlformats.org/drawingml/2006/main" xmlns:r="http://schemas.openxmlformats.org/officeDocument/2006/relationships" xmlns:mc="http://schemas.openxmlformats.org/markup-compatibility/2006" xmlns:mv="urn:schemas-microsoft-com:mac:vml" xmlns:p="http://schemas.openxmlformats.org/presentationml/2006/main" xmlns:c="http://schemas.openxmlformats.org/drawingml/2006/chart" xmlns:dgm="http://schemas.openxmlformats.org/drawingml/2006/diagram" xmlns:o="urn:schemas-microsoft-com:office:office" xmlns:v="urn:schemas-microsoft-com:vml" xmlns:pvml="urn:schemas-microsoft-com:office:powerpoint" xmlns:com="http://schemas.openxmlformats.org/drawingml/2006/compatibility" xmlns:p14="http://schemas.microsoft.com/office/powerpoint/2010/main" xmlns:p15="http://schemas.microsoft.com/office/powerpoint/2012/main" xmlns:ahyp="http://schemas.microsoft.com/office/drawing/2018/hyperlinkcolor" show="0">
+  <p:cSld>
+    <p:spTree>
+      <p:nvGrpSpPr>
+        <p:cNvPr id="199" name="Shape 199"/>
+        <p:cNvGrpSpPr/>
+        <p:nvPr/>
+      </p:nvGrpSpPr>
+      <p:grpSpPr>
+        <a:xfrm>
+          <a:off x="0" y="0"/>
+          <a:ext cx="0" cy="0"/>
+          <a:chOff x="0" y="0"/>
+          <a:chExt cx="0" cy="0"/>
+        </a:xfrm>
+      </p:grpSpPr>
+      <p:pic>
+        <p:nvPicPr>
+          <p:cNvPr descr="EscuelaIT Duoc UC - Escuela de Informática y Telecomunicaciones Duoc UC - Duoc  UC | LinkedIn" id="200" name="Google Shape;200;p3"/>
+          <p:cNvPicPr preferRelativeResize="0"/>
+          <p:nvPr/>
+        </p:nvPicPr>
+        <p:blipFill rotWithShape="1">
+          <a:blip r:embed="rId3">
+            <a:alphaModFix/>
+          </a:blip>
+          <a:srcRect b="0" l="0" r="0" t="0"/>
+          <a:stretch/>
+        </p:blipFill>
+        <p:spPr>
+          <a:xfrm>
+            <a:off x="8772152" y="207550"/>
+            <a:ext cx="3141406" cy="785352"/>
+          </a:xfrm>
+          <a:prstGeom prst="rect">
+            <a:avLst/>
+          </a:prstGeom>
+          <a:noFill/>
+          <a:ln>
+            <a:noFill/>
+          </a:ln>
+        </p:spPr>
+      </p:pic>
+      <p:sp>
+        <p:nvSpPr>
+          <p:cNvPr id="201" name="Google Shape;201;p3"/>
           <p:cNvSpPr txBox="1"/>
           <p:nvPr/>
         </p:nvSpPr>
@@ -14315,7 +13703,7 @@
       </p:sp>
       <p:sp>
         <p:nvSpPr>
-          <p:cNvPr id="111" name="Google Shape;111;p3"/>
+          <p:cNvPr id="202" name="Google Shape;202;p3"/>
           <p:cNvSpPr txBox="1"/>
           <p:nvPr/>
         </p:nvSpPr>
@@ -14373,7 +13761,7 @@
       </p:sp>
       <p:cxnSp>
         <p:nvCxnSpPr>
-          <p:cNvPr id="112" name="Google Shape;112;p3"/>
+          <p:cNvPr id="203" name="Google Shape;203;p3"/>
           <p:cNvCxnSpPr/>
           <p:nvPr/>
         </p:nvCxnSpPr>
@@ -14399,7 +13787,7 @@
       </p:cxnSp>
       <p:sp>
         <p:nvSpPr>
-          <p:cNvPr id="113" name="Google Shape;113;p3"/>
+          <p:cNvPr id="204" name="Google Shape;204;p3"/>
           <p:cNvSpPr/>
           <p:nvPr/>
         </p:nvSpPr>
@@ -14545,7 +13933,7 @@
       </p:sp>
       <p:sp>
         <p:nvSpPr>
-          <p:cNvPr id="114" name="Google Shape;114;p3"/>
+          <p:cNvPr id="205" name="Google Shape;205;p3"/>
           <p:cNvSpPr/>
           <p:nvPr/>
         </p:nvSpPr>
@@ -14677,7 +14065,7 @@
       </p:sp>
       <p:sp>
         <p:nvSpPr>
-          <p:cNvPr id="115" name="Google Shape;115;p3"/>
+          <p:cNvPr id="206" name="Google Shape;206;p3"/>
           <p:cNvSpPr/>
           <p:nvPr/>
         </p:nvSpPr>
@@ -14737,7 +14125,7 @@
       </p:sp>
       <p:pic>
         <p:nvPicPr>
-          <p:cNvPr id="116" name="Google Shape;116;p3" title="ChatGPT Image 1 sept 2025, 07_28_09 p.m..png"/>
+          <p:cNvPr id="207" name="Google Shape;207;p3" title="ChatGPT Image 1 sept 2025, 07_28_09 p.m..png"/>
           <p:cNvPicPr preferRelativeResize="0"/>
           <p:nvPr/>
         </p:nvPicPr>
@@ -14772,7 +14160,7 @@
       </p:pic>
       <p:sp>
         <p:nvSpPr>
-          <p:cNvPr id="117" name="Google Shape;117;p3"/>
+          <p:cNvPr id="208" name="Google Shape;208;p3"/>
           <p:cNvSpPr txBox="1"/>
           <p:nvPr/>
         </p:nvSpPr>
@@ -14881,7 +14269,7 @@
       </p:sp>
       <p:sp>
         <p:nvSpPr>
-          <p:cNvPr id="118" name="Google Shape;118;p3"/>
+          <p:cNvPr id="209" name="Google Shape;209;p3"/>
           <p:cNvSpPr txBox="1"/>
           <p:nvPr/>
         </p:nvSpPr>
@@ -14984,7 +14372,7 @@
                                           </p:stCondLst>
                                         </p:cTn>
                                         <p:tgtEl>
-                                          <p:spTgt spid="113"/>
+                                          <p:spTgt spid="204"/>
                                         </p:tgtEl>
                                         <p:attrNameLst>
                                           <p:attrName>style.visibility</p:attrName>
@@ -14998,7 +14386,7 @@
                                       <p:cBhvr>
                                         <p:cTn dur="500"/>
                                         <p:tgtEl>
-                                          <p:spTgt spid="113"/>
+                                          <p:spTgt spid="204"/>
                                         </p:tgtEl>
                                       </p:cBhvr>
                                     </p:animEffect>
@@ -15037,7 +14425,7 @@
                                           </p:stCondLst>
                                         </p:cTn>
                                         <p:tgtEl>
-                                          <p:spTgt spid="115"/>
+                                          <p:spTgt spid="206"/>
                                         </p:tgtEl>
                                         <p:attrNameLst>
                                           <p:attrName>style.visibility</p:attrName>
@@ -15051,7 +14439,7 @@
                                       <p:cBhvr>
                                         <p:cTn dur="500"/>
                                         <p:tgtEl>
-                                          <p:spTgt spid="115"/>
+                                          <p:spTgt spid="206"/>
                                         </p:tgtEl>
                                       </p:cBhvr>
                                     </p:animEffect>
@@ -15072,7 +14460,7 @@
                                           </p:stCondLst>
                                         </p:cTn>
                                         <p:tgtEl>
-                                          <p:spTgt spid="114"/>
+                                          <p:spTgt spid="205"/>
                                         </p:tgtEl>
                                         <p:attrNameLst>
                                           <p:attrName>style.visibility</p:attrName>
@@ -15086,7 +14474,7 @@
                                       <p:cBhvr>
                                         <p:cTn dur="500"/>
                                         <p:tgtEl>
-                                          <p:spTgt spid="114"/>
+                                          <p:spTgt spid="205"/>
                                         </p:tgtEl>
                                       </p:cBhvr>
                                     </p:animEffect>
@@ -15124,12 +14512,12 @@
 </p:sld>
 </file>
 
-<file path=ppt/slides/slide4.xml><?xml version="1.0" encoding="utf-8"?>
-<p:sld xmlns:a="http://schemas.openxmlformats.org/drawingml/2006/main" xmlns:r="http://schemas.openxmlformats.org/officeDocument/2006/relationships" xmlns:mc="http://schemas.openxmlformats.org/markup-compatibility/2006" xmlns:mv="urn:schemas-microsoft-com:mac:vml" xmlns:p="http://schemas.openxmlformats.org/presentationml/2006/main" xmlns:c="http://schemas.openxmlformats.org/drawingml/2006/chart" xmlns:dgm="http://schemas.openxmlformats.org/drawingml/2006/diagram" xmlns:o="urn:schemas-microsoft-com:office:office" xmlns:v="urn:schemas-microsoft-com:vml" xmlns:pvml="urn:schemas-microsoft-com:office:powerpoint" xmlns:com="http://schemas.openxmlformats.org/drawingml/2006/compatibility" xmlns:p14="http://schemas.microsoft.com/office/powerpoint/2010/main" xmlns:p15="http://schemas.microsoft.com/office/powerpoint/2012/main" xmlns:ahyp="http://schemas.microsoft.com/office/drawing/2018/hyperlinkcolor">
+<file path=ppt/slides/slide17.xml><?xml version="1.0" encoding="utf-8"?>
+<p:sld xmlns:a="http://schemas.openxmlformats.org/drawingml/2006/main" xmlns:r="http://schemas.openxmlformats.org/officeDocument/2006/relationships" xmlns:mc="http://schemas.openxmlformats.org/markup-compatibility/2006" xmlns:mv="urn:schemas-microsoft-com:mac:vml" xmlns:p="http://schemas.openxmlformats.org/presentationml/2006/main" xmlns:c="http://schemas.openxmlformats.org/drawingml/2006/chart" xmlns:dgm="http://schemas.openxmlformats.org/drawingml/2006/diagram" xmlns:o="urn:schemas-microsoft-com:office:office" xmlns:v="urn:schemas-microsoft-com:vml" xmlns:pvml="urn:schemas-microsoft-com:office:powerpoint" xmlns:com="http://schemas.openxmlformats.org/drawingml/2006/compatibility" xmlns:p14="http://schemas.microsoft.com/office/powerpoint/2010/main" xmlns:p15="http://schemas.microsoft.com/office/powerpoint/2012/main" xmlns:ahyp="http://schemas.microsoft.com/office/drawing/2018/hyperlinkcolor" show="0">
   <p:cSld>
     <p:spTree>
       <p:nvGrpSpPr>
-        <p:cNvPr id="122" name="Shape 122"/>
+        <p:cNvPr id="213" name="Shape 213"/>
         <p:cNvGrpSpPr/>
         <p:nvPr/>
       </p:nvGrpSpPr>
@@ -15143,7 +14531,7 @@
       </p:grpSpPr>
       <p:pic>
         <p:nvPicPr>
-          <p:cNvPr descr="EscuelaIT Duoc UC - Escuela de Informática y Telecomunicaciones Duoc UC - Duoc  UC | LinkedIn" id="123" name="Google Shape;123;p4"/>
+          <p:cNvPr descr="EscuelaIT Duoc UC - Escuela de Informática y Telecomunicaciones Duoc UC - Duoc  UC | LinkedIn" id="214" name="Google Shape;214;p4"/>
           <p:cNvPicPr preferRelativeResize="0"/>
           <p:nvPr/>
         </p:nvPicPr>
@@ -15170,7 +14558,7 @@
       </p:pic>
       <p:sp>
         <p:nvSpPr>
-          <p:cNvPr id="124" name="Google Shape;124;p4"/>
+          <p:cNvPr id="215" name="Google Shape;215;p4"/>
           <p:cNvSpPr txBox="1"/>
           <p:nvPr/>
         </p:nvSpPr>
@@ -15220,7 +14608,7 @@
       </p:sp>
       <p:sp>
         <p:nvSpPr>
-          <p:cNvPr id="125" name="Google Shape;125;p4"/>
+          <p:cNvPr id="216" name="Google Shape;216;p4"/>
           <p:cNvSpPr txBox="1"/>
           <p:nvPr/>
         </p:nvSpPr>
@@ -15278,7 +14666,7 @@
       </p:sp>
       <p:cxnSp>
         <p:nvCxnSpPr>
-          <p:cNvPr id="126" name="Google Shape;126;p4"/>
+          <p:cNvPr id="217" name="Google Shape;217;p4"/>
           <p:cNvCxnSpPr/>
           <p:nvPr/>
         </p:nvCxnSpPr>
@@ -15304,7 +14692,7 @@
       </p:cxnSp>
       <p:sp>
         <p:nvSpPr>
-          <p:cNvPr id="127" name="Google Shape;127;p4"/>
+          <p:cNvPr id="218" name="Google Shape;218;p4"/>
           <p:cNvSpPr txBox="1"/>
           <p:nvPr/>
         </p:nvSpPr>
@@ -15362,7 +14750,7 @@
       </p:sp>
       <p:sp>
         <p:nvSpPr>
-          <p:cNvPr id="128" name="Google Shape;128;p4"/>
+          <p:cNvPr id="219" name="Google Shape;219;p4"/>
           <p:cNvSpPr/>
           <p:nvPr/>
         </p:nvSpPr>
@@ -15446,7 +14834,7 @@
       </p:sp>
       <p:sp>
         <p:nvSpPr>
-          <p:cNvPr id="129" name="Google Shape;129;p4"/>
+          <p:cNvPr id="220" name="Google Shape;220;p4"/>
           <p:cNvSpPr/>
           <p:nvPr/>
         </p:nvSpPr>
@@ -15738,7 +15126,7 @@
       </p:sp>
       <p:pic>
         <p:nvPicPr>
-          <p:cNvPr id="130" name="Google Shape;130;p4" title="ChatGPT Image 1 sept 2025, 07_28_09 p.m..png"/>
+          <p:cNvPr id="221" name="Google Shape;221;p4" title="ChatGPT Image 1 sept 2025, 07_28_09 p.m..png"/>
           <p:cNvPicPr preferRelativeResize="0"/>
           <p:nvPr/>
         </p:nvPicPr>
@@ -15813,7 +15201,7 @@
                                           </p:stCondLst>
                                         </p:cTn>
                                         <p:tgtEl>
-                                          <p:spTgt spid="127"/>
+                                          <p:spTgt spid="218"/>
                                         </p:tgtEl>
                                         <p:attrNameLst>
                                           <p:attrName>style.visibility</p:attrName>
@@ -15827,7 +15215,7 @@
                                       <p:cBhvr>
                                         <p:cTn dur="500"/>
                                         <p:tgtEl>
-                                          <p:spTgt spid="127"/>
+                                          <p:spTgt spid="218"/>
                                         </p:tgtEl>
                                       </p:cBhvr>
                                     </p:animEffect>
@@ -15848,7 +15236,7 @@
                                           </p:stCondLst>
                                         </p:cTn>
                                         <p:tgtEl>
-                                          <p:spTgt spid="129"/>
+                                          <p:spTgt spid="220"/>
                                         </p:tgtEl>
                                         <p:attrNameLst>
                                           <p:attrName>style.visibility</p:attrName>
@@ -15862,7 +15250,7 @@
                                       <p:cBhvr>
                                         <p:cTn dur="500"/>
                                         <p:tgtEl>
-                                          <p:spTgt spid="129"/>
+                                          <p:spTgt spid="220"/>
                                         </p:tgtEl>
                                       </p:cBhvr>
                                     </p:animEffect>
@@ -15900,12 +15288,12 @@
 </p:sld>
 </file>
 
-<file path=ppt/slides/slide5.xml><?xml version="1.0" encoding="utf-8"?>
-<p:sld xmlns:a="http://schemas.openxmlformats.org/drawingml/2006/main" xmlns:r="http://schemas.openxmlformats.org/officeDocument/2006/relationships" xmlns:mc="http://schemas.openxmlformats.org/markup-compatibility/2006" xmlns:mv="urn:schemas-microsoft-com:mac:vml" xmlns:p="http://schemas.openxmlformats.org/presentationml/2006/main" xmlns:c="http://schemas.openxmlformats.org/drawingml/2006/chart" xmlns:dgm="http://schemas.openxmlformats.org/drawingml/2006/diagram" xmlns:o="urn:schemas-microsoft-com:office:office" xmlns:v="urn:schemas-microsoft-com:vml" xmlns:pvml="urn:schemas-microsoft-com:office:powerpoint" xmlns:com="http://schemas.openxmlformats.org/drawingml/2006/compatibility" xmlns:p14="http://schemas.microsoft.com/office/powerpoint/2010/main" xmlns:p15="http://schemas.microsoft.com/office/powerpoint/2012/main" xmlns:ahyp="http://schemas.microsoft.com/office/drawing/2018/hyperlinkcolor">
+<file path=ppt/slides/slide18.xml><?xml version="1.0" encoding="utf-8"?>
+<p:sld xmlns:a="http://schemas.openxmlformats.org/drawingml/2006/main" xmlns:r="http://schemas.openxmlformats.org/officeDocument/2006/relationships" xmlns:mc="http://schemas.openxmlformats.org/markup-compatibility/2006" xmlns:mv="urn:schemas-microsoft-com:mac:vml" xmlns:p="http://schemas.openxmlformats.org/presentationml/2006/main" xmlns:c="http://schemas.openxmlformats.org/drawingml/2006/chart" xmlns:dgm="http://schemas.openxmlformats.org/drawingml/2006/diagram" xmlns:o="urn:schemas-microsoft-com:office:office" xmlns:v="urn:schemas-microsoft-com:vml" xmlns:pvml="urn:schemas-microsoft-com:office:powerpoint" xmlns:com="http://schemas.openxmlformats.org/drawingml/2006/compatibility" xmlns:p14="http://schemas.microsoft.com/office/powerpoint/2010/main" xmlns:p15="http://schemas.microsoft.com/office/powerpoint/2012/main" xmlns:ahyp="http://schemas.microsoft.com/office/drawing/2018/hyperlinkcolor" show="0">
   <p:cSld>
     <p:spTree>
       <p:nvGrpSpPr>
-        <p:cNvPr id="134" name="Shape 134"/>
+        <p:cNvPr id="225" name="Shape 225"/>
         <p:cNvGrpSpPr/>
         <p:nvPr/>
       </p:nvGrpSpPr>
@@ -15919,7 +15307,7 @@
       </p:grpSpPr>
       <p:pic>
         <p:nvPicPr>
-          <p:cNvPr descr="EscuelaIT Duoc UC - Escuela de Informática y Telecomunicaciones Duoc UC - Duoc  UC | LinkedIn" id="135" name="Google Shape;135;p5"/>
+          <p:cNvPr descr="EscuelaIT Duoc UC - Escuela de Informática y Telecomunicaciones Duoc UC - Duoc  UC | LinkedIn" id="226" name="Google Shape;226;p5"/>
           <p:cNvPicPr preferRelativeResize="0"/>
           <p:nvPr/>
         </p:nvPicPr>
@@ -15946,7 +15334,7 @@
       </p:pic>
       <p:sp>
         <p:nvSpPr>
-          <p:cNvPr id="136" name="Google Shape;136;p5"/>
+          <p:cNvPr id="227" name="Google Shape;227;p5"/>
           <p:cNvSpPr txBox="1"/>
           <p:nvPr/>
         </p:nvSpPr>
@@ -16020,7 +15408,7 @@
       </p:sp>
       <p:sp>
         <p:nvSpPr>
-          <p:cNvPr id="137" name="Google Shape;137;p5"/>
+          <p:cNvPr id="228" name="Google Shape;228;p5"/>
           <p:cNvSpPr txBox="1"/>
           <p:nvPr/>
         </p:nvSpPr>
@@ -16070,7 +15458,7 @@
       </p:sp>
       <p:cxnSp>
         <p:nvCxnSpPr>
-          <p:cNvPr id="138" name="Google Shape;138;p5"/>
+          <p:cNvPr id="229" name="Google Shape;229;p5"/>
           <p:cNvCxnSpPr/>
           <p:nvPr/>
         </p:nvCxnSpPr>
@@ -16096,7 +15484,7 @@
       </p:cxnSp>
       <p:sp>
         <p:nvSpPr>
-          <p:cNvPr id="139" name="Google Shape;139;p5"/>
+          <p:cNvPr id="230" name="Google Shape;230;p5"/>
           <p:cNvSpPr txBox="1"/>
           <p:nvPr/>
         </p:nvSpPr>
@@ -16868,7 +16256,7 @@
       </p:sp>
       <p:pic>
         <p:nvPicPr>
-          <p:cNvPr id="140" name="Google Shape;140;p5" title="ChatGPT Image 1 sept 2025, 07_28_09 p.m..png"/>
+          <p:cNvPr id="231" name="Google Shape;231;p5" title="ChatGPT Image 1 sept 2025, 07_28_09 p.m..png"/>
           <p:cNvPicPr preferRelativeResize="0"/>
           <p:nvPr/>
         </p:nvPicPr>
@@ -16912,12 +16300,12 @@
 </p:sld>
 </file>
 
-<file path=ppt/slides/slide6.xml><?xml version="1.0" encoding="utf-8"?>
-<p:sld xmlns:a="http://schemas.openxmlformats.org/drawingml/2006/main" xmlns:r="http://schemas.openxmlformats.org/officeDocument/2006/relationships" xmlns:mc="http://schemas.openxmlformats.org/markup-compatibility/2006" xmlns:mv="urn:schemas-microsoft-com:mac:vml" xmlns:p="http://schemas.openxmlformats.org/presentationml/2006/main" xmlns:c="http://schemas.openxmlformats.org/drawingml/2006/chart" xmlns:dgm="http://schemas.openxmlformats.org/drawingml/2006/diagram" xmlns:o="urn:schemas-microsoft-com:office:office" xmlns:v="urn:schemas-microsoft-com:vml" xmlns:pvml="urn:schemas-microsoft-com:office:powerpoint" xmlns:com="http://schemas.openxmlformats.org/drawingml/2006/compatibility" xmlns:p14="http://schemas.microsoft.com/office/powerpoint/2010/main" xmlns:p15="http://schemas.microsoft.com/office/powerpoint/2012/main" xmlns:ahyp="http://schemas.microsoft.com/office/drawing/2018/hyperlinkcolor">
+<file path=ppt/slides/slide19.xml><?xml version="1.0" encoding="utf-8"?>
+<p:sld xmlns:a="http://schemas.openxmlformats.org/drawingml/2006/main" xmlns:r="http://schemas.openxmlformats.org/officeDocument/2006/relationships" xmlns:mc="http://schemas.openxmlformats.org/markup-compatibility/2006" xmlns:mv="urn:schemas-microsoft-com:mac:vml" xmlns:p="http://schemas.openxmlformats.org/presentationml/2006/main" xmlns:c="http://schemas.openxmlformats.org/drawingml/2006/chart" xmlns:dgm="http://schemas.openxmlformats.org/drawingml/2006/diagram" xmlns:o="urn:schemas-microsoft-com:office:office" xmlns:v="urn:schemas-microsoft-com:vml" xmlns:pvml="urn:schemas-microsoft-com:office:powerpoint" xmlns:com="http://schemas.openxmlformats.org/drawingml/2006/compatibility" xmlns:p14="http://schemas.microsoft.com/office/powerpoint/2010/main" xmlns:p15="http://schemas.microsoft.com/office/powerpoint/2012/main" xmlns:ahyp="http://schemas.microsoft.com/office/drawing/2018/hyperlinkcolor" show="0">
   <p:cSld>
     <p:spTree>
       <p:nvGrpSpPr>
-        <p:cNvPr id="144" name="Shape 144"/>
+        <p:cNvPr id="235" name="Shape 235"/>
         <p:cNvGrpSpPr/>
         <p:nvPr/>
       </p:nvGrpSpPr>
@@ -16931,7 +16319,7 @@
       </p:grpSpPr>
       <p:pic>
         <p:nvPicPr>
-          <p:cNvPr descr="EscuelaIT Duoc UC - Escuela de Informática y Telecomunicaciones Duoc UC - Duoc  UC | LinkedIn" id="145" name="Google Shape;145;g38593bb6efb_1_11"/>
+          <p:cNvPr descr="EscuelaIT Duoc UC - Escuela de Informática y Telecomunicaciones Duoc UC - Duoc  UC | LinkedIn" id="236" name="Google Shape;236;g38593bb6efb_1_11"/>
           <p:cNvPicPr preferRelativeResize="0"/>
           <p:nvPr/>
         </p:nvPicPr>
@@ -16958,7 +16346,7 @@
       </p:pic>
       <p:sp>
         <p:nvSpPr>
-          <p:cNvPr id="146" name="Google Shape;146;g38593bb6efb_1_11"/>
+          <p:cNvPr id="237" name="Google Shape;237;g38593bb6efb_1_11"/>
           <p:cNvSpPr txBox="1"/>
           <p:nvPr/>
         </p:nvSpPr>
@@ -17008,7 +16396,7 @@
       </p:sp>
       <p:sp>
         <p:nvSpPr>
-          <p:cNvPr id="147" name="Google Shape;147;g38593bb6efb_1_11"/>
+          <p:cNvPr id="238" name="Google Shape;238;g38593bb6efb_1_11"/>
           <p:cNvSpPr txBox="1"/>
           <p:nvPr/>
         </p:nvSpPr>
@@ -17058,7 +16446,7 @@
       </p:sp>
       <p:cxnSp>
         <p:nvCxnSpPr>
-          <p:cNvPr id="148" name="Google Shape;148;g38593bb6efb_1_11"/>
+          <p:cNvPr id="239" name="Google Shape;239;g38593bb6efb_1_11"/>
           <p:cNvCxnSpPr/>
           <p:nvPr/>
         </p:nvCxnSpPr>
@@ -17084,14 +16472,14 @@
       </p:cxnSp>
       <p:sp>
         <p:nvSpPr>
-          <p:cNvPr id="149" name="Google Shape;149;g38593bb6efb_1_11"/>
+          <p:cNvPr id="240" name="Google Shape;240;g38593bb6efb_1_11"/>
           <p:cNvSpPr txBox="1"/>
           <p:nvPr/>
         </p:nvSpPr>
         <p:spPr>
           <a:xfrm>
             <a:off x="405150" y="1598900"/>
-            <a:ext cx="10598400" cy="4032900"/>
+            <a:ext cx="10598400" cy="3686400"/>
           </a:xfrm>
           <a:prstGeom prst="rect">
             <a:avLst/>
@@ -17209,7 +16597,7 @@
                 <a:cs typeface="Calibri"/>
                 <a:sym typeface="Calibri"/>
               </a:rPr>
-              <a:t>Solo incluye alfabeto, números y 25 palabras, no frases completas ni conversaciones fluidas.</a:t>
+              <a:t>Solo incluye alfabeto, números y 50 palabras, no frases completas ni conversaciones fluidas.</a:t>
             </a:r>
             <a:endParaRPr sz="1500">
               <a:solidFill>
@@ -17510,69 +16898,6 @@
                 <a:cs typeface="Calibri"/>
                 <a:sym typeface="Calibri"/>
               </a:rPr>
-              <a:t>No se contempla soporte para </a:t>
-            </a:r>
-            <a:r>
-              <a:rPr b="1" lang="es-MX" sz="1500">
-                <a:solidFill>
-                  <a:schemeClr val="dk1"/>
-                </a:solidFill>
-                <a:latin typeface="Calibri"/>
-                <a:ea typeface="Calibri"/>
-                <a:cs typeface="Calibri"/>
-                <a:sym typeface="Calibri"/>
-              </a:rPr>
-              <a:t>iOS</a:t>
-            </a:r>
-            <a:r>
-              <a:rPr lang="es-MX" sz="1500">
-                <a:solidFill>
-                  <a:schemeClr val="dk1"/>
-                </a:solidFill>
-                <a:latin typeface="Calibri"/>
-                <a:ea typeface="Calibri"/>
-                <a:cs typeface="Calibri"/>
-                <a:sym typeface="Calibri"/>
-              </a:rPr>
-              <a:t> en esta primera versión.</a:t>
-            </a:r>
-            <a:endParaRPr sz="1500">
-              <a:solidFill>
-                <a:schemeClr val="dk1"/>
-              </a:solidFill>
-              <a:latin typeface="Calibri"/>
-              <a:ea typeface="Calibri"/>
-              <a:cs typeface="Calibri"/>
-              <a:sym typeface="Calibri"/>
-            </a:endParaRPr>
-          </a:p>
-          <a:p>
-            <a:pPr indent="-323850" lvl="1" marL="914400" rtl="0" algn="l">
-              <a:lnSpc>
-                <a:spcPct val="150000"/>
-              </a:lnSpc>
-              <a:spcBef>
-                <a:spcPts val="0"/>
-              </a:spcBef>
-              <a:spcAft>
-                <a:spcPts val="0"/>
-              </a:spcAft>
-              <a:buClr>
-                <a:schemeClr val="dk1"/>
-              </a:buClr>
-              <a:buSzPts val="1500"/>
-              <a:buChar char="○"/>
-            </a:pPr>
-            <a:r>
-              <a:rPr lang="es-MX" sz="1500">
-                <a:solidFill>
-                  <a:schemeClr val="dk1"/>
-                </a:solidFill>
-                <a:latin typeface="Calibri"/>
-                <a:ea typeface="Calibri"/>
-                <a:cs typeface="Calibri"/>
-                <a:sym typeface="Calibri"/>
-              </a:rPr>
               <a:t>Validación con usuarios sordos se hará en una escala reducida (prueba piloto).</a:t>
             </a:r>
             <a:endParaRPr sz="1000">
@@ -17585,7 +16910,7 @@
       </p:sp>
       <p:pic>
         <p:nvPicPr>
-          <p:cNvPr id="150" name="Google Shape;150;g38593bb6efb_1_11" title="ChatGPT Image 1 sept 2025, 07_28_09 p.m..png"/>
+          <p:cNvPr id="241" name="Google Shape;241;g38593bb6efb_1_11" title="ChatGPT Image 1 sept 2025, 07_28_09 p.m..png"/>
           <p:cNvPicPr preferRelativeResize="0"/>
           <p:nvPr/>
         </p:nvPicPr>
@@ -17626,12 +16951,12 @@
 </p:sld>
 </file>
 
-<file path=ppt/slides/slide7.xml><?xml version="1.0" encoding="utf-8"?>
+<file path=ppt/slides/slide2.xml><?xml version="1.0" encoding="utf-8"?>
 <p:sld xmlns:a="http://schemas.openxmlformats.org/drawingml/2006/main" xmlns:r="http://schemas.openxmlformats.org/officeDocument/2006/relationships" xmlns:mc="http://schemas.openxmlformats.org/markup-compatibility/2006" xmlns:mv="urn:schemas-microsoft-com:mac:vml" xmlns:p="http://schemas.openxmlformats.org/presentationml/2006/main" xmlns:c="http://schemas.openxmlformats.org/drawingml/2006/chart" xmlns:dgm="http://schemas.openxmlformats.org/drawingml/2006/diagram" xmlns:o="urn:schemas-microsoft-com:office:office" xmlns:v="urn:schemas-microsoft-com:vml" xmlns:pvml="urn:schemas-microsoft-com:office:powerpoint" xmlns:com="http://schemas.openxmlformats.org/drawingml/2006/compatibility" xmlns:p14="http://schemas.microsoft.com/office/powerpoint/2010/main" xmlns:p15="http://schemas.microsoft.com/office/powerpoint/2012/main" xmlns:ahyp="http://schemas.microsoft.com/office/drawing/2018/hyperlinkcolor">
   <p:cSld>
     <p:spTree>
       <p:nvGrpSpPr>
-        <p:cNvPr id="154" name="Shape 154"/>
+        <p:cNvPr id="89" name="Shape 89"/>
         <p:cNvGrpSpPr/>
         <p:nvPr/>
       </p:nvGrpSpPr>
@@ -17645,7 +16970,7 @@
       </p:grpSpPr>
       <p:pic>
         <p:nvPicPr>
-          <p:cNvPr descr="EscuelaIT Duoc UC - Escuela de Informática y Telecomunicaciones Duoc UC - Duoc  UC | LinkedIn" id="155" name="Google Shape;155;p6"/>
+          <p:cNvPr descr="EscuelaIT Duoc UC - Escuela de Informática y Telecomunicaciones Duoc UC - Duoc  UC | LinkedIn" id="90" name="Google Shape;90;p2"/>
           <p:cNvPicPr preferRelativeResize="0"/>
           <p:nvPr/>
         </p:nvPicPr>
@@ -17672,7 +16997,7 @@
       </p:pic>
       <p:sp>
         <p:nvSpPr>
-          <p:cNvPr id="156" name="Google Shape;156;p6"/>
+          <p:cNvPr id="91" name="Google Shape;91;p2"/>
           <p:cNvSpPr txBox="1"/>
           <p:nvPr/>
         </p:nvSpPr>
@@ -17705,6 +17030,189 @@
               <a:buNone/>
             </a:pPr>
             <a:r>
+              <a:rPr b="0" i="0" lang="es-MX" sz="1800" u="none" cap="none" strike="noStrike">
+                <a:solidFill>
+                  <a:srgbClr val="757070"/>
+                </a:solidFill>
+                <a:latin typeface="Calibri"/>
+                <a:ea typeface="Calibri"/>
+                <a:cs typeface="Calibri"/>
+                <a:sym typeface="Calibri"/>
+              </a:rPr>
+              <a:t>PROYECTO “</a:t>
+            </a:r>
+            <a:r>
+              <a:rPr lang="es-MX" sz="1800">
+                <a:solidFill>
+                  <a:srgbClr val="757070"/>
+                </a:solidFill>
+                <a:latin typeface="Calibri"/>
+                <a:ea typeface="Calibri"/>
+                <a:cs typeface="Calibri"/>
+                <a:sym typeface="Calibri"/>
+              </a:rPr>
+              <a:t>SignBridge</a:t>
+            </a:r>
+            <a:r>
+              <a:rPr b="0" i="0" lang="es-MX" sz="1800" u="none" cap="none" strike="noStrike">
+                <a:solidFill>
+                  <a:srgbClr val="757070"/>
+                </a:solidFill>
+                <a:latin typeface="Calibri"/>
+                <a:ea typeface="Calibri"/>
+                <a:cs typeface="Calibri"/>
+                <a:sym typeface="Calibri"/>
+              </a:rPr>
+              <a:t>”</a:t>
+            </a:r>
+            <a:endParaRPr/>
+          </a:p>
+        </p:txBody>
+      </p:sp>
+      <p:cxnSp>
+        <p:nvCxnSpPr>
+          <p:cNvPr id="92" name="Google Shape;92;p2"/>
+          <p:cNvCxnSpPr/>
+          <p:nvPr/>
+        </p:nvCxnSpPr>
+        <p:spPr>
+          <a:xfrm>
+            <a:off x="0" y="758027"/>
+            <a:ext cx="4085617" cy="0"/>
+          </a:xfrm>
+          <a:prstGeom prst="straightConnector1">
+            <a:avLst/>
+          </a:prstGeom>
+          <a:noFill/>
+          <a:ln cap="flat" cmpd="sng" w="15875">
+            <a:solidFill>
+              <a:srgbClr val="F5F7FC"/>
+            </a:solidFill>
+            <a:prstDash val="solid"/>
+            <a:miter lim="800000"/>
+            <a:headEnd len="sm" w="sm" type="none"/>
+            <a:tailEnd len="sm" w="sm" type="none"/>
+          </a:ln>
+        </p:spPr>
+      </p:cxnSp>
+      <p:pic>
+        <p:nvPicPr>
+          <p:cNvPr id="93" name="Google Shape;93;p2"/>
+          <p:cNvPicPr preferRelativeResize="0"/>
+          <p:nvPr/>
+        </p:nvPicPr>
+        <p:blipFill>
+          <a:blip r:embed="rId4">
+            <a:alphaModFix/>
+          </a:blip>
+          <a:stretch>
+            <a:fillRect/>
+          </a:stretch>
+        </p:blipFill>
+        <p:spPr>
+          <a:xfrm>
+            <a:off x="754050" y="992902"/>
+            <a:ext cx="10683892" cy="5560298"/>
+          </a:xfrm>
+          <a:prstGeom prst="rect">
+            <a:avLst/>
+          </a:prstGeom>
+          <a:noFill/>
+          <a:ln>
+            <a:noFill/>
+          </a:ln>
+        </p:spPr>
+      </p:pic>
+    </p:spTree>
+  </p:cSld>
+  <p:clrMapOvr>
+    <a:masterClrMapping/>
+  </p:clrMapOvr>
+  <p:transition spd="slow">
+    <p:wipe dir="l"/>
+  </p:transition>
+</p:sld>
+</file>
+
+<file path=ppt/slides/slide20.xml><?xml version="1.0" encoding="utf-8"?>
+<p:sld xmlns:a="http://schemas.openxmlformats.org/drawingml/2006/main" xmlns:r="http://schemas.openxmlformats.org/officeDocument/2006/relationships" xmlns:mc="http://schemas.openxmlformats.org/markup-compatibility/2006" xmlns:mv="urn:schemas-microsoft-com:mac:vml" xmlns:p="http://schemas.openxmlformats.org/presentationml/2006/main" xmlns:c="http://schemas.openxmlformats.org/drawingml/2006/chart" xmlns:dgm="http://schemas.openxmlformats.org/drawingml/2006/diagram" xmlns:o="urn:schemas-microsoft-com:office:office" xmlns:v="urn:schemas-microsoft-com:vml" xmlns:pvml="urn:schemas-microsoft-com:office:powerpoint" xmlns:com="http://schemas.openxmlformats.org/drawingml/2006/compatibility" xmlns:p14="http://schemas.microsoft.com/office/powerpoint/2010/main" xmlns:p15="http://schemas.microsoft.com/office/powerpoint/2012/main" xmlns:ahyp="http://schemas.microsoft.com/office/drawing/2018/hyperlinkcolor" show="0">
+  <p:cSld>
+    <p:spTree>
+      <p:nvGrpSpPr>
+        <p:cNvPr id="245" name="Shape 245"/>
+        <p:cNvGrpSpPr/>
+        <p:nvPr/>
+      </p:nvGrpSpPr>
+      <p:grpSpPr>
+        <a:xfrm>
+          <a:off x="0" y="0"/>
+          <a:ext cx="0" cy="0"/>
+          <a:chOff x="0" y="0"/>
+          <a:chExt cx="0" cy="0"/>
+        </a:xfrm>
+      </p:grpSpPr>
+      <p:pic>
+        <p:nvPicPr>
+          <p:cNvPr descr="EscuelaIT Duoc UC - Escuela de Informática y Telecomunicaciones Duoc UC - Duoc  UC | LinkedIn" id="246" name="Google Shape;246;p6"/>
+          <p:cNvPicPr preferRelativeResize="0"/>
+          <p:nvPr/>
+        </p:nvPicPr>
+        <p:blipFill rotWithShape="1">
+          <a:blip r:embed="rId3">
+            <a:alphaModFix/>
+          </a:blip>
+          <a:srcRect b="0" l="0" r="0" t="0"/>
+          <a:stretch/>
+        </p:blipFill>
+        <p:spPr>
+          <a:xfrm>
+            <a:off x="8772152" y="207550"/>
+            <a:ext cx="3141406" cy="785352"/>
+          </a:xfrm>
+          <a:prstGeom prst="rect">
+            <a:avLst/>
+          </a:prstGeom>
+          <a:noFill/>
+          <a:ln>
+            <a:noFill/>
+          </a:ln>
+        </p:spPr>
+      </p:pic>
+      <p:sp>
+        <p:nvSpPr>
+          <p:cNvPr id="247" name="Google Shape;247;p6"/>
+          <p:cNvSpPr txBox="1"/>
+          <p:nvPr/>
+        </p:nvSpPr>
+        <p:spPr>
+          <a:xfrm>
+            <a:off x="136188" y="368928"/>
+            <a:ext cx="12192000" cy="369300"/>
+          </a:xfrm>
+          <a:prstGeom prst="rect">
+            <a:avLst/>
+          </a:prstGeom>
+          <a:noFill/>
+          <a:ln>
+            <a:noFill/>
+          </a:ln>
+        </p:spPr>
+        <p:txBody>
+          <a:bodyPr anchorCtr="0" anchor="t" bIns="45700" lIns="91425" spcFirstLastPara="1" rIns="91425" wrap="square" tIns="45700">
+            <a:spAutoFit/>
+          </a:bodyPr>
+          <a:lstStyle/>
+          <a:p>
+            <a:pPr indent="0" lvl="0" marL="0" marR="0" rtl="0" algn="l">
+              <a:spcBef>
+                <a:spcPts val="0"/>
+              </a:spcBef>
+              <a:spcAft>
+                <a:spcPts val="0"/>
+              </a:spcAft>
+              <a:buNone/>
+            </a:pPr>
+            <a:r>
               <a:rPr lang="es-MX" sz="1800">
                 <a:solidFill>
                   <a:srgbClr val="757070"/>
@@ -17722,7 +17230,7 @@
       </p:sp>
       <p:sp>
         <p:nvSpPr>
-          <p:cNvPr id="157" name="Google Shape;157;p6"/>
+          <p:cNvPr id="248" name="Google Shape;248;p6"/>
           <p:cNvSpPr txBox="1"/>
           <p:nvPr/>
         </p:nvSpPr>
@@ -17780,7 +17288,7 @@
       </p:sp>
       <p:cxnSp>
         <p:nvCxnSpPr>
-          <p:cNvPr id="158" name="Google Shape;158;p6"/>
+          <p:cNvPr id="249" name="Google Shape;249;p6"/>
           <p:cNvCxnSpPr/>
           <p:nvPr/>
         </p:nvCxnSpPr>
@@ -17806,7 +17314,7 @@
       </p:cxnSp>
       <p:sp>
         <p:nvSpPr>
-          <p:cNvPr id="159" name="Google Shape;159;p6"/>
+          <p:cNvPr id="250" name="Google Shape;250;p6"/>
           <p:cNvSpPr txBox="1"/>
           <p:nvPr/>
         </p:nvSpPr>
@@ -18102,7 +17610,7 @@
       </p:sp>
       <p:sp>
         <p:nvSpPr>
-          <p:cNvPr id="160" name="Google Shape;160;p6"/>
+          <p:cNvPr id="251" name="Google Shape;251;p6"/>
           <p:cNvSpPr txBox="1"/>
           <p:nvPr/>
         </p:nvSpPr>
@@ -18260,7 +17768,7 @@
                 <a:cs typeface="Calibri"/>
                 <a:sym typeface="Calibri"/>
               </a:rPr>
-              <a:t> Discord / WhatsApp para coordinación diaria.</a:t>
+              <a:t> Discord | WhatsApp para coordinación diaria.</a:t>
             </a:r>
             <a:br>
               <a:rPr lang="es-MX" sz="1200">
@@ -18384,7 +17892,7 @@
                 <a:cs typeface="Calibri"/>
                 <a:sym typeface="Calibri"/>
               </a:rPr>
-              <a:t> Firebase Test Lab o dispositivos propios.</a:t>
+              <a:t>  Lab | emuladores | dispositivos propios.</a:t>
             </a:r>
             <a:endParaRPr sz="1200">
               <a:solidFill>
@@ -18400,7 +17908,7 @@
       </p:sp>
       <p:sp>
         <p:nvSpPr>
-          <p:cNvPr id="161" name="Google Shape;161;p6"/>
+          <p:cNvPr id="252" name="Google Shape;252;p6"/>
           <p:cNvSpPr txBox="1"/>
           <p:nvPr/>
         </p:nvSpPr>
@@ -18672,7 +18180,7 @@
       </p:sp>
       <p:pic>
         <p:nvPicPr>
-          <p:cNvPr id="162" name="Google Shape;162;p6" title="ChatGPT Image 1 sept 2025, 07_28_09 p.m..png"/>
+          <p:cNvPr id="253" name="Google Shape;253;p6" title="ChatGPT Image 1 sept 2025, 07_28_09 p.m..png"/>
           <p:cNvPicPr preferRelativeResize="0"/>
           <p:nvPr/>
         </p:nvPicPr>
@@ -18716,12 +18224,12 @@
 </p:sld>
 </file>
 
-<file path=ppt/slides/slide8.xml><?xml version="1.0" encoding="utf-8"?>
+<file path=ppt/slides/slide3.xml><?xml version="1.0" encoding="utf-8"?>
 <p:sld xmlns:a="http://schemas.openxmlformats.org/drawingml/2006/main" xmlns:r="http://schemas.openxmlformats.org/officeDocument/2006/relationships" xmlns:mc="http://schemas.openxmlformats.org/markup-compatibility/2006" xmlns:mv="urn:schemas-microsoft-com:mac:vml" xmlns:p="http://schemas.openxmlformats.org/presentationml/2006/main" xmlns:c="http://schemas.openxmlformats.org/drawingml/2006/chart" xmlns:dgm="http://schemas.openxmlformats.org/drawingml/2006/diagram" xmlns:o="urn:schemas-microsoft-com:office:office" xmlns:v="urn:schemas-microsoft-com:vml" xmlns:pvml="urn:schemas-microsoft-com:office:powerpoint" xmlns:com="http://schemas.openxmlformats.org/drawingml/2006/compatibility" xmlns:p14="http://schemas.microsoft.com/office/powerpoint/2010/main" xmlns:p15="http://schemas.microsoft.com/office/powerpoint/2012/main" xmlns:ahyp="http://schemas.microsoft.com/office/drawing/2018/hyperlinkcolor">
   <p:cSld>
     <p:spTree>
       <p:nvGrpSpPr>
-        <p:cNvPr id="166" name="Shape 166"/>
+        <p:cNvPr id="97" name="Shape 97"/>
         <p:cNvGrpSpPr/>
         <p:nvPr/>
       </p:nvGrpSpPr>
@@ -18735,7 +18243,7 @@
       </p:grpSpPr>
       <p:pic>
         <p:nvPicPr>
-          <p:cNvPr descr="EscuelaIT Duoc UC - Escuela de Informática y Telecomunicaciones Duoc UC - Duoc  UC | LinkedIn" id="167" name="Google Shape;167;p7"/>
+          <p:cNvPr descr="EscuelaIT Duoc UC - Escuela de Informática y Telecomunicaciones Duoc UC - Duoc  UC | LinkedIn" id="98" name="Google Shape;98;g38e20ad7a5e_0_14"/>
           <p:cNvPicPr preferRelativeResize="0"/>
           <p:nvPr/>
         </p:nvPicPr>
@@ -18762,7 +18270,770 @@
       </p:pic>
       <p:sp>
         <p:nvSpPr>
-          <p:cNvPr id="168" name="Google Shape;168;p7"/>
+          <p:cNvPr id="99" name="Google Shape;99;g38e20ad7a5e_0_14"/>
+          <p:cNvSpPr txBox="1"/>
+          <p:nvPr/>
+        </p:nvSpPr>
+        <p:spPr>
+          <a:xfrm>
+            <a:off x="136188" y="368928"/>
+            <a:ext cx="12192000" cy="369300"/>
+          </a:xfrm>
+          <a:prstGeom prst="rect">
+            <a:avLst/>
+          </a:prstGeom>
+          <a:noFill/>
+          <a:ln>
+            <a:noFill/>
+          </a:ln>
+        </p:spPr>
+        <p:txBody>
+          <a:bodyPr anchorCtr="0" anchor="t" bIns="45700" lIns="91425" spcFirstLastPara="1" rIns="91425" wrap="square" tIns="45700">
+            <a:spAutoFit/>
+          </a:bodyPr>
+          <a:lstStyle/>
+          <a:p>
+            <a:pPr indent="0" lvl="0" marL="0" marR="0" rtl="0" algn="l">
+              <a:spcBef>
+                <a:spcPts val="0"/>
+              </a:spcBef>
+              <a:spcAft>
+                <a:spcPts val="0"/>
+              </a:spcAft>
+              <a:buNone/>
+            </a:pPr>
+            <a:r>
+              <a:rPr lang="es-MX" sz="1800">
+                <a:solidFill>
+                  <a:srgbClr val="757070"/>
+                </a:solidFill>
+                <a:latin typeface="Calibri"/>
+                <a:ea typeface="Calibri"/>
+                <a:cs typeface="Calibri"/>
+                <a:sym typeface="Calibri"/>
+              </a:rPr>
+              <a:t>PROYECTO “SignBridge”</a:t>
+            </a:r>
+            <a:endParaRPr/>
+          </a:p>
+        </p:txBody>
+      </p:sp>
+      <p:cxnSp>
+        <p:nvCxnSpPr>
+          <p:cNvPr id="100" name="Google Shape;100;g38e20ad7a5e_0_14"/>
+          <p:cNvCxnSpPr/>
+          <p:nvPr/>
+        </p:nvCxnSpPr>
+        <p:spPr>
+          <a:xfrm>
+            <a:off x="0" y="758027"/>
+            <a:ext cx="4085700" cy="0"/>
+          </a:xfrm>
+          <a:prstGeom prst="straightConnector1">
+            <a:avLst/>
+          </a:prstGeom>
+          <a:noFill/>
+          <a:ln cap="flat" cmpd="sng" w="15875">
+            <a:solidFill>
+              <a:srgbClr val="F5F7FC"/>
+            </a:solidFill>
+            <a:prstDash val="solid"/>
+            <a:miter lim="800000"/>
+            <a:headEnd len="sm" w="sm" type="none"/>
+            <a:tailEnd len="sm" w="sm" type="none"/>
+          </a:ln>
+        </p:spPr>
+      </p:cxnSp>
+      <p:pic>
+        <p:nvPicPr>
+          <p:cNvPr id="101" name="Google Shape;101;g38e20ad7a5e_0_14" title="ChatGPT Image 1 sept 2025, 07_28_09 p.m..png"/>
+          <p:cNvPicPr preferRelativeResize="0"/>
+          <p:nvPr/>
+        </p:nvPicPr>
+        <p:blipFill>
+          <a:blip r:embed="rId4">
+            <a:alphaModFix/>
+          </a:blip>
+          <a:stretch>
+            <a:fillRect/>
+          </a:stretch>
+        </p:blipFill>
+        <p:spPr>
+          <a:xfrm>
+            <a:off x="11425550" y="6062675"/>
+            <a:ext cx="646326" cy="646326"/>
+          </a:xfrm>
+          <a:prstGeom prst="rect">
+            <a:avLst/>
+          </a:prstGeom>
+          <a:noFill/>
+          <a:ln>
+            <a:noFill/>
+          </a:ln>
+          <a:effectLst>
+            <a:outerShdw blurRad="57150" rotWithShape="0" algn="bl" dir="5400000" dist="19050">
+              <a:srgbClr val="000000">
+                <a:alpha val="50000"/>
+              </a:srgbClr>
+            </a:outerShdw>
+          </a:effectLst>
+        </p:spPr>
+      </p:pic>
+      <p:pic>
+        <p:nvPicPr>
+          <p:cNvPr id="102" name="Google Shape;102;g38e20ad7a5e_0_14"/>
+          <p:cNvPicPr preferRelativeResize="0"/>
+          <p:nvPr/>
+        </p:nvPicPr>
+        <p:blipFill>
+          <a:blip r:embed="rId5">
+            <a:alphaModFix/>
+          </a:blip>
+          <a:stretch>
+            <a:fillRect/>
+          </a:stretch>
+        </p:blipFill>
+        <p:spPr>
+          <a:xfrm>
+            <a:off x="1724563" y="992902"/>
+            <a:ext cx="8742876" cy="5560297"/>
+          </a:xfrm>
+          <a:prstGeom prst="rect">
+            <a:avLst/>
+          </a:prstGeom>
+          <a:noFill/>
+          <a:ln>
+            <a:noFill/>
+          </a:ln>
+        </p:spPr>
+      </p:pic>
+    </p:spTree>
+  </p:cSld>
+  <p:clrMapOvr>
+    <a:masterClrMapping/>
+  </p:clrMapOvr>
+</p:sld>
+</file>
+
+<file path=ppt/slides/slide4.xml><?xml version="1.0" encoding="utf-8"?>
+<p:sld xmlns:a="http://schemas.openxmlformats.org/drawingml/2006/main" xmlns:r="http://schemas.openxmlformats.org/officeDocument/2006/relationships" xmlns:mc="http://schemas.openxmlformats.org/markup-compatibility/2006" xmlns:mv="urn:schemas-microsoft-com:mac:vml" xmlns:p="http://schemas.openxmlformats.org/presentationml/2006/main" xmlns:c="http://schemas.openxmlformats.org/drawingml/2006/chart" xmlns:dgm="http://schemas.openxmlformats.org/drawingml/2006/diagram" xmlns:o="urn:schemas-microsoft-com:office:office" xmlns:v="urn:schemas-microsoft-com:vml" xmlns:pvml="urn:schemas-microsoft-com:office:powerpoint" xmlns:com="http://schemas.openxmlformats.org/drawingml/2006/compatibility" xmlns:p14="http://schemas.microsoft.com/office/powerpoint/2010/main" xmlns:p15="http://schemas.microsoft.com/office/powerpoint/2012/main" xmlns:ahyp="http://schemas.microsoft.com/office/drawing/2018/hyperlinkcolor">
+  <p:cSld>
+    <p:spTree>
+      <p:nvGrpSpPr>
+        <p:cNvPr id="106" name="Shape 106"/>
+        <p:cNvGrpSpPr/>
+        <p:nvPr/>
+      </p:nvGrpSpPr>
+      <p:grpSpPr>
+        <a:xfrm>
+          <a:off x="0" y="0"/>
+          <a:ext cx="0" cy="0"/>
+          <a:chOff x="0" y="0"/>
+          <a:chExt cx="0" cy="0"/>
+        </a:xfrm>
+      </p:grpSpPr>
+      <p:pic>
+        <p:nvPicPr>
+          <p:cNvPr descr="EscuelaIT Duoc UC - Escuela de Informática y Telecomunicaciones Duoc UC - Duoc  UC | LinkedIn" id="107" name="Google Shape;107;g38e20ad7a5e_0_28"/>
+          <p:cNvPicPr preferRelativeResize="0"/>
+          <p:nvPr/>
+        </p:nvPicPr>
+        <p:blipFill rotWithShape="1">
+          <a:blip r:embed="rId3">
+            <a:alphaModFix/>
+          </a:blip>
+          <a:srcRect b="0" l="0" r="0" t="0"/>
+          <a:stretch/>
+        </p:blipFill>
+        <p:spPr>
+          <a:xfrm>
+            <a:off x="8772152" y="207550"/>
+            <a:ext cx="3141406" cy="785352"/>
+          </a:xfrm>
+          <a:prstGeom prst="rect">
+            <a:avLst/>
+          </a:prstGeom>
+          <a:noFill/>
+          <a:ln>
+            <a:noFill/>
+          </a:ln>
+        </p:spPr>
+      </p:pic>
+      <p:sp>
+        <p:nvSpPr>
+          <p:cNvPr id="108" name="Google Shape;108;g38e20ad7a5e_0_28"/>
+          <p:cNvSpPr txBox="1"/>
+          <p:nvPr/>
+        </p:nvSpPr>
+        <p:spPr>
+          <a:xfrm>
+            <a:off x="136188" y="368928"/>
+            <a:ext cx="12192000" cy="369300"/>
+          </a:xfrm>
+          <a:prstGeom prst="rect">
+            <a:avLst/>
+          </a:prstGeom>
+          <a:noFill/>
+          <a:ln>
+            <a:noFill/>
+          </a:ln>
+        </p:spPr>
+        <p:txBody>
+          <a:bodyPr anchorCtr="0" anchor="t" bIns="45700" lIns="91425" spcFirstLastPara="1" rIns="91425" wrap="square" tIns="45700">
+            <a:spAutoFit/>
+          </a:bodyPr>
+          <a:lstStyle/>
+          <a:p>
+            <a:pPr indent="0" lvl="0" marL="0" marR="0" rtl="0" algn="l">
+              <a:spcBef>
+                <a:spcPts val="0"/>
+              </a:spcBef>
+              <a:spcAft>
+                <a:spcPts val="0"/>
+              </a:spcAft>
+              <a:buNone/>
+            </a:pPr>
+            <a:r>
+              <a:rPr lang="es-MX" sz="1800">
+                <a:solidFill>
+                  <a:srgbClr val="757070"/>
+                </a:solidFill>
+                <a:latin typeface="Calibri"/>
+                <a:ea typeface="Calibri"/>
+                <a:cs typeface="Calibri"/>
+                <a:sym typeface="Calibri"/>
+              </a:rPr>
+              <a:t>PROYECTO “SignBridge”</a:t>
+            </a:r>
+            <a:endParaRPr/>
+          </a:p>
+        </p:txBody>
+      </p:sp>
+      <p:cxnSp>
+        <p:nvCxnSpPr>
+          <p:cNvPr id="109" name="Google Shape;109;g38e20ad7a5e_0_28"/>
+          <p:cNvCxnSpPr/>
+          <p:nvPr/>
+        </p:nvCxnSpPr>
+        <p:spPr>
+          <a:xfrm>
+            <a:off x="0" y="758027"/>
+            <a:ext cx="4085700" cy="0"/>
+          </a:xfrm>
+          <a:prstGeom prst="straightConnector1">
+            <a:avLst/>
+          </a:prstGeom>
+          <a:noFill/>
+          <a:ln cap="flat" cmpd="sng" w="15875">
+            <a:solidFill>
+              <a:srgbClr val="F5F7FC"/>
+            </a:solidFill>
+            <a:prstDash val="solid"/>
+            <a:miter lim="800000"/>
+            <a:headEnd len="sm" w="sm" type="none"/>
+            <a:tailEnd len="sm" w="sm" type="none"/>
+          </a:ln>
+        </p:spPr>
+      </p:cxnSp>
+      <p:pic>
+        <p:nvPicPr>
+          <p:cNvPr id="110" name="Google Shape;110;g38e20ad7a5e_0_28" title="ChatGPT Image 1 sept 2025, 07_28_09 p.m..png"/>
+          <p:cNvPicPr preferRelativeResize="0"/>
+          <p:nvPr/>
+        </p:nvPicPr>
+        <p:blipFill>
+          <a:blip r:embed="rId4">
+            <a:alphaModFix/>
+          </a:blip>
+          <a:stretch>
+            <a:fillRect/>
+          </a:stretch>
+        </p:blipFill>
+        <p:spPr>
+          <a:xfrm>
+            <a:off x="11545675" y="6211675"/>
+            <a:ext cx="646326" cy="646326"/>
+          </a:xfrm>
+          <a:prstGeom prst="rect">
+            <a:avLst/>
+          </a:prstGeom>
+          <a:noFill/>
+          <a:ln>
+            <a:noFill/>
+          </a:ln>
+          <a:effectLst>
+            <a:outerShdw blurRad="57150" rotWithShape="0" algn="bl" dir="5400000" dist="19050">
+              <a:srgbClr val="000000">
+                <a:alpha val="50000"/>
+              </a:srgbClr>
+            </a:outerShdw>
+          </a:effectLst>
+        </p:spPr>
+      </p:pic>
+      <p:pic>
+        <p:nvPicPr>
+          <p:cNvPr id="111" name="Google Shape;111;g38e20ad7a5e_0_28"/>
+          <p:cNvPicPr preferRelativeResize="0"/>
+          <p:nvPr/>
+        </p:nvPicPr>
+        <p:blipFill>
+          <a:blip r:embed="rId5">
+            <a:alphaModFix/>
+          </a:blip>
+          <a:stretch>
+            <a:fillRect/>
+          </a:stretch>
+        </p:blipFill>
+        <p:spPr>
+          <a:xfrm>
+            <a:off x="1626325" y="992902"/>
+            <a:ext cx="9211747" cy="5560299"/>
+          </a:xfrm>
+          <a:prstGeom prst="rect">
+            <a:avLst/>
+          </a:prstGeom>
+          <a:noFill/>
+          <a:ln>
+            <a:noFill/>
+          </a:ln>
+        </p:spPr>
+      </p:pic>
+    </p:spTree>
+  </p:cSld>
+  <p:clrMapOvr>
+    <a:masterClrMapping/>
+  </p:clrMapOvr>
+</p:sld>
+</file>
+
+<file path=ppt/slides/slide5.xml><?xml version="1.0" encoding="utf-8"?>
+<p:sld xmlns:a="http://schemas.openxmlformats.org/drawingml/2006/main" xmlns:r="http://schemas.openxmlformats.org/officeDocument/2006/relationships" xmlns:mc="http://schemas.openxmlformats.org/markup-compatibility/2006" xmlns:mv="urn:schemas-microsoft-com:mac:vml" xmlns:p="http://schemas.openxmlformats.org/presentationml/2006/main" xmlns:c="http://schemas.openxmlformats.org/drawingml/2006/chart" xmlns:dgm="http://schemas.openxmlformats.org/drawingml/2006/diagram" xmlns:o="urn:schemas-microsoft-com:office:office" xmlns:v="urn:schemas-microsoft-com:vml" xmlns:pvml="urn:schemas-microsoft-com:office:powerpoint" xmlns:com="http://schemas.openxmlformats.org/drawingml/2006/compatibility" xmlns:p14="http://schemas.microsoft.com/office/powerpoint/2010/main" xmlns:p15="http://schemas.microsoft.com/office/powerpoint/2012/main" xmlns:ahyp="http://schemas.microsoft.com/office/drawing/2018/hyperlinkcolor">
+  <p:cSld>
+    <p:spTree>
+      <p:nvGrpSpPr>
+        <p:cNvPr id="115" name="Shape 115"/>
+        <p:cNvGrpSpPr/>
+        <p:nvPr/>
+      </p:nvGrpSpPr>
+      <p:grpSpPr>
+        <a:xfrm>
+          <a:off x="0" y="0"/>
+          <a:ext cx="0" cy="0"/>
+          <a:chOff x="0" y="0"/>
+          <a:chExt cx="0" cy="0"/>
+        </a:xfrm>
+      </p:grpSpPr>
+      <p:pic>
+        <p:nvPicPr>
+          <p:cNvPr descr="EscuelaIT Duoc UC - Escuela de Informática y Telecomunicaciones Duoc UC - Duoc  UC | LinkedIn" id="116" name="Google Shape;116;g38e20ad7a5e_0_40"/>
+          <p:cNvPicPr preferRelativeResize="0"/>
+          <p:nvPr/>
+        </p:nvPicPr>
+        <p:blipFill rotWithShape="1">
+          <a:blip r:embed="rId3">
+            <a:alphaModFix/>
+          </a:blip>
+          <a:srcRect b="0" l="0" r="0" t="0"/>
+          <a:stretch/>
+        </p:blipFill>
+        <p:spPr>
+          <a:xfrm>
+            <a:off x="8772152" y="207550"/>
+            <a:ext cx="3141406" cy="785352"/>
+          </a:xfrm>
+          <a:prstGeom prst="rect">
+            <a:avLst/>
+          </a:prstGeom>
+          <a:noFill/>
+          <a:ln>
+            <a:noFill/>
+          </a:ln>
+        </p:spPr>
+      </p:pic>
+      <p:sp>
+        <p:nvSpPr>
+          <p:cNvPr id="117" name="Google Shape;117;g38e20ad7a5e_0_40"/>
+          <p:cNvSpPr txBox="1"/>
+          <p:nvPr/>
+        </p:nvSpPr>
+        <p:spPr>
+          <a:xfrm>
+            <a:off x="136188" y="368928"/>
+            <a:ext cx="12192000" cy="369300"/>
+          </a:xfrm>
+          <a:prstGeom prst="rect">
+            <a:avLst/>
+          </a:prstGeom>
+          <a:noFill/>
+          <a:ln>
+            <a:noFill/>
+          </a:ln>
+        </p:spPr>
+        <p:txBody>
+          <a:bodyPr anchorCtr="0" anchor="t" bIns="45700" lIns="91425" spcFirstLastPara="1" rIns="91425" wrap="square" tIns="45700">
+            <a:spAutoFit/>
+          </a:bodyPr>
+          <a:lstStyle/>
+          <a:p>
+            <a:pPr indent="0" lvl="0" marL="0" marR="0" rtl="0" algn="l">
+              <a:spcBef>
+                <a:spcPts val="0"/>
+              </a:spcBef>
+              <a:spcAft>
+                <a:spcPts val="0"/>
+              </a:spcAft>
+              <a:buNone/>
+            </a:pPr>
+            <a:r>
+              <a:rPr lang="es-MX" sz="1800">
+                <a:solidFill>
+                  <a:srgbClr val="757070"/>
+                </a:solidFill>
+                <a:latin typeface="Calibri"/>
+                <a:ea typeface="Calibri"/>
+                <a:cs typeface="Calibri"/>
+                <a:sym typeface="Calibri"/>
+              </a:rPr>
+              <a:t>PROYECTO “SignBridge”</a:t>
+            </a:r>
+            <a:endParaRPr/>
+          </a:p>
+        </p:txBody>
+      </p:sp>
+      <p:cxnSp>
+        <p:nvCxnSpPr>
+          <p:cNvPr id="118" name="Google Shape;118;g38e20ad7a5e_0_40"/>
+          <p:cNvCxnSpPr/>
+          <p:nvPr/>
+        </p:nvCxnSpPr>
+        <p:spPr>
+          <a:xfrm>
+            <a:off x="0" y="758027"/>
+            <a:ext cx="4085700" cy="0"/>
+          </a:xfrm>
+          <a:prstGeom prst="straightConnector1">
+            <a:avLst/>
+          </a:prstGeom>
+          <a:noFill/>
+          <a:ln cap="flat" cmpd="sng" w="15875">
+            <a:solidFill>
+              <a:srgbClr val="F5F7FC"/>
+            </a:solidFill>
+            <a:prstDash val="solid"/>
+            <a:miter lim="800000"/>
+            <a:headEnd len="sm" w="sm" type="none"/>
+            <a:tailEnd len="sm" w="sm" type="none"/>
+          </a:ln>
+        </p:spPr>
+      </p:cxnSp>
+      <p:pic>
+        <p:nvPicPr>
+          <p:cNvPr id="119" name="Google Shape;119;g38e20ad7a5e_0_40" title="ChatGPT Image 1 sept 2025, 07_28_09 p.m..png"/>
+          <p:cNvPicPr preferRelativeResize="0"/>
+          <p:nvPr/>
+        </p:nvPicPr>
+        <p:blipFill>
+          <a:blip r:embed="rId4">
+            <a:alphaModFix/>
+          </a:blip>
+          <a:stretch>
+            <a:fillRect/>
+          </a:stretch>
+        </p:blipFill>
+        <p:spPr>
+          <a:xfrm>
+            <a:off x="11459875" y="6114150"/>
+            <a:ext cx="646326" cy="646326"/>
+          </a:xfrm>
+          <a:prstGeom prst="rect">
+            <a:avLst/>
+          </a:prstGeom>
+          <a:noFill/>
+          <a:ln>
+            <a:noFill/>
+          </a:ln>
+          <a:effectLst>
+            <a:outerShdw blurRad="57150" rotWithShape="0" algn="bl" dir="5400000" dist="19050">
+              <a:srgbClr val="000000">
+                <a:alpha val="50000"/>
+              </a:srgbClr>
+            </a:outerShdw>
+          </a:effectLst>
+        </p:spPr>
+      </p:pic>
+      <p:pic>
+        <p:nvPicPr>
+          <p:cNvPr id="120" name="Google Shape;120;g38e20ad7a5e_0_40"/>
+          <p:cNvPicPr preferRelativeResize="0"/>
+          <p:nvPr/>
+        </p:nvPicPr>
+        <p:blipFill>
+          <a:blip r:embed="rId5">
+            <a:alphaModFix/>
+          </a:blip>
+          <a:stretch>
+            <a:fillRect/>
+          </a:stretch>
+        </p:blipFill>
+        <p:spPr>
+          <a:xfrm>
+            <a:off x="2134425" y="758028"/>
+            <a:ext cx="8195555" cy="5814972"/>
+          </a:xfrm>
+          <a:prstGeom prst="rect">
+            <a:avLst/>
+          </a:prstGeom>
+          <a:noFill/>
+          <a:ln>
+            <a:noFill/>
+          </a:ln>
+        </p:spPr>
+      </p:pic>
+    </p:spTree>
+  </p:cSld>
+  <p:clrMapOvr>
+    <a:masterClrMapping/>
+  </p:clrMapOvr>
+</p:sld>
+</file>
+
+<file path=ppt/slides/slide6.xml><?xml version="1.0" encoding="utf-8"?>
+<p:sld xmlns:a="http://schemas.openxmlformats.org/drawingml/2006/main" xmlns:r="http://schemas.openxmlformats.org/officeDocument/2006/relationships" xmlns:mc="http://schemas.openxmlformats.org/markup-compatibility/2006" xmlns:mv="urn:schemas-microsoft-com:mac:vml" xmlns:p="http://schemas.openxmlformats.org/presentationml/2006/main" xmlns:c="http://schemas.openxmlformats.org/drawingml/2006/chart" xmlns:dgm="http://schemas.openxmlformats.org/drawingml/2006/diagram" xmlns:o="urn:schemas-microsoft-com:office:office" xmlns:v="urn:schemas-microsoft-com:vml" xmlns:pvml="urn:schemas-microsoft-com:office:powerpoint" xmlns:com="http://schemas.openxmlformats.org/drawingml/2006/compatibility" xmlns:p14="http://schemas.microsoft.com/office/powerpoint/2010/main" xmlns:p15="http://schemas.microsoft.com/office/powerpoint/2012/main" xmlns:ahyp="http://schemas.microsoft.com/office/drawing/2018/hyperlinkcolor">
+  <p:cSld>
+    <p:spTree>
+      <p:nvGrpSpPr>
+        <p:cNvPr id="124" name="Shape 124"/>
+        <p:cNvGrpSpPr/>
+        <p:nvPr/>
+      </p:nvGrpSpPr>
+      <p:grpSpPr>
+        <a:xfrm>
+          <a:off x="0" y="0"/>
+          <a:ext cx="0" cy="0"/>
+          <a:chOff x="0" y="0"/>
+          <a:chExt cx="0" cy="0"/>
+        </a:xfrm>
+      </p:grpSpPr>
+      <p:pic>
+        <p:nvPicPr>
+          <p:cNvPr descr="EscuelaIT Duoc UC - Escuela de Informática y Telecomunicaciones Duoc UC - Duoc  UC | LinkedIn" id="125" name="Google Shape;125;g38e20ad7a5e_0_60"/>
+          <p:cNvPicPr preferRelativeResize="0"/>
+          <p:nvPr/>
+        </p:nvPicPr>
+        <p:blipFill rotWithShape="1">
+          <a:blip r:embed="rId3">
+            <a:alphaModFix/>
+          </a:blip>
+          <a:srcRect b="0" l="0" r="0" t="0"/>
+          <a:stretch/>
+        </p:blipFill>
+        <p:spPr>
+          <a:xfrm>
+            <a:off x="8772152" y="207550"/>
+            <a:ext cx="3141406" cy="785352"/>
+          </a:xfrm>
+          <a:prstGeom prst="rect">
+            <a:avLst/>
+          </a:prstGeom>
+          <a:noFill/>
+          <a:ln>
+            <a:noFill/>
+          </a:ln>
+        </p:spPr>
+      </p:pic>
+      <p:sp>
+        <p:nvSpPr>
+          <p:cNvPr id="126" name="Google Shape;126;g38e20ad7a5e_0_60"/>
+          <p:cNvSpPr txBox="1"/>
+          <p:nvPr/>
+        </p:nvSpPr>
+        <p:spPr>
+          <a:xfrm>
+            <a:off x="136188" y="368928"/>
+            <a:ext cx="12192000" cy="369300"/>
+          </a:xfrm>
+          <a:prstGeom prst="rect">
+            <a:avLst/>
+          </a:prstGeom>
+          <a:noFill/>
+          <a:ln>
+            <a:noFill/>
+          </a:ln>
+        </p:spPr>
+        <p:txBody>
+          <a:bodyPr anchorCtr="0" anchor="t" bIns="45700" lIns="91425" spcFirstLastPara="1" rIns="91425" wrap="square" tIns="45700">
+            <a:spAutoFit/>
+          </a:bodyPr>
+          <a:lstStyle/>
+          <a:p>
+            <a:pPr indent="0" lvl="0" marL="0" marR="0" rtl="0" algn="l">
+              <a:spcBef>
+                <a:spcPts val="0"/>
+              </a:spcBef>
+              <a:spcAft>
+                <a:spcPts val="0"/>
+              </a:spcAft>
+              <a:buNone/>
+            </a:pPr>
+            <a:r>
+              <a:rPr lang="es-MX" sz="1800">
+                <a:solidFill>
+                  <a:srgbClr val="757070"/>
+                </a:solidFill>
+                <a:latin typeface="Calibri"/>
+                <a:ea typeface="Calibri"/>
+                <a:cs typeface="Calibri"/>
+                <a:sym typeface="Calibri"/>
+              </a:rPr>
+              <a:t>PROYECTO “SignBridge”</a:t>
+            </a:r>
+            <a:endParaRPr/>
+          </a:p>
+        </p:txBody>
+      </p:sp>
+      <p:cxnSp>
+        <p:nvCxnSpPr>
+          <p:cNvPr id="127" name="Google Shape;127;g38e20ad7a5e_0_60"/>
+          <p:cNvCxnSpPr/>
+          <p:nvPr/>
+        </p:nvCxnSpPr>
+        <p:spPr>
+          <a:xfrm>
+            <a:off x="0" y="758027"/>
+            <a:ext cx="4085700" cy="0"/>
+          </a:xfrm>
+          <a:prstGeom prst="straightConnector1">
+            <a:avLst/>
+          </a:prstGeom>
+          <a:noFill/>
+          <a:ln cap="flat" cmpd="sng" w="15875">
+            <a:solidFill>
+              <a:srgbClr val="F5F7FC"/>
+            </a:solidFill>
+            <a:prstDash val="solid"/>
+            <a:miter lim="800000"/>
+            <a:headEnd len="sm" w="sm" type="none"/>
+            <a:tailEnd len="sm" w="sm" type="none"/>
+          </a:ln>
+        </p:spPr>
+      </p:cxnSp>
+      <p:pic>
+        <p:nvPicPr>
+          <p:cNvPr id="128" name="Google Shape;128;g38e20ad7a5e_0_60" title="ChatGPT Image 1 sept 2025, 07_28_09 p.m..png"/>
+          <p:cNvPicPr preferRelativeResize="0"/>
+          <p:nvPr/>
+        </p:nvPicPr>
+        <p:blipFill>
+          <a:blip r:embed="rId4">
+            <a:alphaModFix/>
+          </a:blip>
+          <a:stretch>
+            <a:fillRect/>
+          </a:stretch>
+        </p:blipFill>
+        <p:spPr>
+          <a:xfrm>
+            <a:off x="11399800" y="6028350"/>
+            <a:ext cx="646326" cy="646326"/>
+          </a:xfrm>
+          <a:prstGeom prst="rect">
+            <a:avLst/>
+          </a:prstGeom>
+          <a:noFill/>
+          <a:ln>
+            <a:noFill/>
+          </a:ln>
+          <a:effectLst>
+            <a:outerShdw blurRad="57150" rotWithShape="0" algn="bl" dir="5400000" dist="19050">
+              <a:srgbClr val="000000">
+                <a:alpha val="50000"/>
+              </a:srgbClr>
+            </a:outerShdw>
+          </a:effectLst>
+        </p:spPr>
+      </p:pic>
+      <p:pic>
+        <p:nvPicPr>
+          <p:cNvPr id="129" name="Google Shape;129;g38e20ad7a5e_0_60"/>
+          <p:cNvPicPr preferRelativeResize="0"/>
+          <p:nvPr/>
+        </p:nvPicPr>
+        <p:blipFill rotWithShape="1">
+          <a:blip r:embed="rId5">
+            <a:alphaModFix/>
+          </a:blip>
+          <a:srcRect b="41193" l="0" r="0" t="0"/>
+          <a:stretch/>
+        </p:blipFill>
+        <p:spPr>
+          <a:xfrm>
+            <a:off x="2071088" y="1794076"/>
+            <a:ext cx="8322224" cy="3269825"/>
+          </a:xfrm>
+          <a:prstGeom prst="rect">
+            <a:avLst/>
+          </a:prstGeom>
+          <a:noFill/>
+          <a:ln>
+            <a:noFill/>
+          </a:ln>
+        </p:spPr>
+      </p:pic>
+    </p:spTree>
+  </p:cSld>
+  <p:clrMapOvr>
+    <a:masterClrMapping/>
+  </p:clrMapOvr>
+</p:sld>
+</file>
+
+<file path=ppt/slides/slide7.xml><?xml version="1.0" encoding="utf-8"?>
+<p:sld xmlns:a="http://schemas.openxmlformats.org/drawingml/2006/main" xmlns:r="http://schemas.openxmlformats.org/officeDocument/2006/relationships" xmlns:mc="http://schemas.openxmlformats.org/markup-compatibility/2006" xmlns:mv="urn:schemas-microsoft-com:mac:vml" xmlns:p="http://schemas.openxmlformats.org/presentationml/2006/main" xmlns:c="http://schemas.openxmlformats.org/drawingml/2006/chart" xmlns:dgm="http://schemas.openxmlformats.org/drawingml/2006/diagram" xmlns:o="urn:schemas-microsoft-com:office:office" xmlns:v="urn:schemas-microsoft-com:vml" xmlns:pvml="urn:schemas-microsoft-com:office:powerpoint" xmlns:com="http://schemas.openxmlformats.org/drawingml/2006/compatibility" xmlns:p14="http://schemas.microsoft.com/office/powerpoint/2010/main" xmlns:p15="http://schemas.microsoft.com/office/powerpoint/2012/main" xmlns:ahyp="http://schemas.microsoft.com/office/drawing/2018/hyperlinkcolor">
+  <p:cSld>
+    <p:spTree>
+      <p:nvGrpSpPr>
+        <p:cNvPr id="133" name="Shape 133"/>
+        <p:cNvGrpSpPr/>
+        <p:nvPr/>
+      </p:nvGrpSpPr>
+      <p:grpSpPr>
+        <a:xfrm>
+          <a:off x="0" y="0"/>
+          <a:ext cx="0" cy="0"/>
+          <a:chOff x="0" y="0"/>
+          <a:chExt cx="0" cy="0"/>
+        </a:xfrm>
+      </p:grpSpPr>
+      <p:pic>
+        <p:nvPicPr>
+          <p:cNvPr descr="EscuelaIT Duoc UC - Escuela de Informática y Telecomunicaciones Duoc UC - Duoc  UC | LinkedIn" id="134" name="Google Shape;134;p7"/>
+          <p:cNvPicPr preferRelativeResize="0"/>
+          <p:nvPr/>
+        </p:nvPicPr>
+        <p:blipFill rotWithShape="1">
+          <a:blip r:embed="rId3">
+            <a:alphaModFix/>
+          </a:blip>
+          <a:srcRect b="0" l="0" r="0" t="0"/>
+          <a:stretch/>
+        </p:blipFill>
+        <p:spPr>
+          <a:xfrm>
+            <a:off x="8772152" y="207550"/>
+            <a:ext cx="3141406" cy="785352"/>
+          </a:xfrm>
+          <a:prstGeom prst="rect">
+            <a:avLst/>
+          </a:prstGeom>
+          <a:noFill/>
+          <a:ln>
+            <a:noFill/>
+          </a:ln>
+        </p:spPr>
+      </p:pic>
+      <p:sp>
+        <p:nvSpPr>
+          <p:cNvPr id="135" name="Google Shape;135;p7"/>
           <p:cNvSpPr txBox="1"/>
           <p:nvPr/>
         </p:nvSpPr>
@@ -18834,82 +19105,9 @@
           </a:p>
         </p:txBody>
       </p:sp>
-      <p:sp>
-        <p:nvSpPr>
-          <p:cNvPr id="169" name="Google Shape;169;p7"/>
-          <p:cNvSpPr txBox="1"/>
-          <p:nvPr/>
-        </p:nvSpPr>
-        <p:spPr>
-          <a:xfrm>
-            <a:off x="1" y="908631"/>
-            <a:ext cx="12192000" cy="800400"/>
-          </a:xfrm>
-          <a:prstGeom prst="rect">
-            <a:avLst/>
-          </a:prstGeom>
-          <a:noFill/>
-          <a:ln>
-            <a:noFill/>
-          </a:ln>
-        </p:spPr>
-        <p:txBody>
-          <a:bodyPr anchorCtr="0" anchor="t" bIns="45700" lIns="91425" spcFirstLastPara="1" rIns="91425" wrap="square" tIns="45700">
-            <a:spAutoFit/>
-          </a:bodyPr>
-          <a:lstStyle/>
-          <a:p>
-            <a:pPr indent="0" lvl="0" marL="0" marR="0" rtl="0" algn="ctr">
-              <a:spcBef>
-                <a:spcPts val="0"/>
-              </a:spcBef>
-              <a:spcAft>
-                <a:spcPts val="0"/>
-              </a:spcAft>
-              <a:buNone/>
-            </a:pPr>
-            <a:r>
-              <a:rPr lang="es-MX" sz="3600">
-                <a:solidFill>
-                  <a:schemeClr val="dk1"/>
-                </a:solidFill>
-                <a:latin typeface="Calibri"/>
-                <a:ea typeface="Calibri"/>
-                <a:cs typeface="Calibri"/>
-                <a:sym typeface="Calibri"/>
-              </a:rPr>
-              <a:t>Release Plan del desarrollo del proyecto</a:t>
-            </a:r>
-            <a:endParaRPr/>
-          </a:p>
-          <a:p>
-            <a:pPr indent="0" lvl="0" marL="0" marR="0" rtl="0" algn="ctr">
-              <a:spcBef>
-                <a:spcPts val="0"/>
-              </a:spcBef>
-              <a:spcAft>
-                <a:spcPts val="0"/>
-              </a:spcAft>
-              <a:buNone/>
-            </a:pPr>
-            <a:r>
-              <a:t/>
-            </a:r>
-            <a:endParaRPr sz="1000">
-              <a:solidFill>
-                <a:srgbClr val="757070"/>
-              </a:solidFill>
-              <a:latin typeface="Calibri"/>
-              <a:ea typeface="Calibri"/>
-              <a:cs typeface="Calibri"/>
-              <a:sym typeface="Calibri"/>
-            </a:endParaRPr>
-          </a:p>
-        </p:txBody>
-      </p:sp>
       <p:cxnSp>
         <p:nvCxnSpPr>
-          <p:cNvPr id="170" name="Google Shape;170;p7"/>
+          <p:cNvPr id="136" name="Google Shape;136;p7"/>
           <p:cNvCxnSpPr/>
           <p:nvPr/>
         </p:nvCxnSpPr>
@@ -18935,7 +19133,7 @@
       </p:cxnSp>
       <p:pic>
         <p:nvPicPr>
-          <p:cNvPr id="171" name="Google Shape;171;p7"/>
+          <p:cNvPr id="137" name="Google Shape;137;p7"/>
           <p:cNvPicPr preferRelativeResize="0"/>
           <p:nvPr/>
         </p:nvPicPr>
@@ -18949,8 +19147,8 @@
         </p:blipFill>
         <p:spPr>
           <a:xfrm>
-            <a:off x="828150" y="1735925"/>
-            <a:ext cx="10126376" cy="4524701"/>
+            <a:off x="1400238" y="992902"/>
+            <a:ext cx="9663904" cy="5560298"/>
           </a:xfrm>
           <a:prstGeom prst="rect">
             <a:avLst/>
@@ -18961,174 +19159,6 @@
           </a:ln>
         </p:spPr>
       </p:pic>
-      <p:cxnSp>
-        <p:nvCxnSpPr>
-          <p:cNvPr id="172" name="Google Shape;172;p7"/>
-          <p:cNvCxnSpPr/>
-          <p:nvPr/>
-        </p:nvCxnSpPr>
-        <p:spPr>
-          <a:xfrm flipH="1" rot="10800000">
-            <a:off x="845025" y="4732271"/>
-            <a:ext cx="10092600" cy="6600"/>
-          </a:xfrm>
-          <a:prstGeom prst="straightConnector1">
-            <a:avLst/>
-          </a:prstGeom>
-          <a:noFill/>
-          <a:ln cap="flat" cmpd="sng" w="28575">
-            <a:solidFill>
-              <a:schemeClr val="dk2"/>
-            </a:solidFill>
-            <a:prstDash val="solid"/>
-            <a:round/>
-            <a:headEnd len="med" w="med" type="none"/>
-            <a:tailEnd len="med" w="med" type="none"/>
-          </a:ln>
-        </p:spPr>
-      </p:cxnSp>
-      <p:sp>
-        <p:nvSpPr>
-          <p:cNvPr id="173" name="Google Shape;173;p7"/>
-          <p:cNvSpPr txBox="1"/>
-          <p:nvPr/>
-        </p:nvSpPr>
-        <p:spPr>
-          <a:xfrm>
-            <a:off x="11027000" y="3121188"/>
-            <a:ext cx="680700" cy="615600"/>
-          </a:xfrm>
-          <a:prstGeom prst="rect">
-            <a:avLst/>
-          </a:prstGeom>
-          <a:noFill/>
-          <a:ln>
-            <a:noFill/>
-          </a:ln>
-        </p:spPr>
-        <p:txBody>
-          <a:bodyPr anchorCtr="0" anchor="t" bIns="91425" lIns="91425" spcFirstLastPara="1" rIns="91425" wrap="square" tIns="91425">
-            <a:spAutoFit/>
-          </a:bodyPr>
-          <a:lstStyle/>
-          <a:p>
-            <a:pPr indent="0" lvl="0" marL="0" rtl="0" algn="l">
-              <a:spcBef>
-                <a:spcPts val="0"/>
-              </a:spcBef>
-              <a:spcAft>
-                <a:spcPts val="0"/>
-              </a:spcAft>
-              <a:buNone/>
-            </a:pPr>
-            <a:r>
-              <a:rPr lang="es-MX" sz="2800">
-                <a:solidFill>
-                  <a:schemeClr val="dk1"/>
-                </a:solidFill>
-                <a:latin typeface="Calibri"/>
-                <a:ea typeface="Calibri"/>
-                <a:cs typeface="Calibri"/>
-                <a:sym typeface="Calibri"/>
-              </a:rPr>
-              <a:t>R1</a:t>
-            </a:r>
-            <a:endParaRPr sz="2800">
-              <a:solidFill>
-                <a:schemeClr val="dk1"/>
-              </a:solidFill>
-              <a:latin typeface="Calibri"/>
-              <a:ea typeface="Calibri"/>
-              <a:cs typeface="Calibri"/>
-              <a:sym typeface="Calibri"/>
-            </a:endParaRPr>
-          </a:p>
-        </p:txBody>
-      </p:sp>
-      <p:cxnSp>
-        <p:nvCxnSpPr>
-          <p:cNvPr id="174" name="Google Shape;174;p7"/>
-          <p:cNvCxnSpPr/>
-          <p:nvPr/>
-        </p:nvCxnSpPr>
-        <p:spPr>
-          <a:xfrm flipH="1" rot="10800000">
-            <a:off x="858325" y="6221250"/>
-            <a:ext cx="10096200" cy="33600"/>
-          </a:xfrm>
-          <a:prstGeom prst="straightConnector1">
-            <a:avLst/>
-          </a:prstGeom>
-          <a:noFill/>
-          <a:ln cap="flat" cmpd="sng" w="28575">
-            <a:solidFill>
-              <a:schemeClr val="dk2"/>
-            </a:solidFill>
-            <a:prstDash val="solid"/>
-            <a:round/>
-            <a:headEnd len="med" w="med" type="none"/>
-            <a:tailEnd len="med" w="med" type="none"/>
-          </a:ln>
-        </p:spPr>
-      </p:cxnSp>
-      <p:sp>
-        <p:nvSpPr>
-          <p:cNvPr id="175" name="Google Shape;175;p7"/>
-          <p:cNvSpPr txBox="1"/>
-          <p:nvPr/>
-        </p:nvSpPr>
-        <p:spPr>
-          <a:xfrm>
-            <a:off x="11027000" y="5148975"/>
-            <a:ext cx="680700" cy="615600"/>
-          </a:xfrm>
-          <a:prstGeom prst="rect">
-            <a:avLst/>
-          </a:prstGeom>
-          <a:noFill/>
-          <a:ln>
-            <a:noFill/>
-          </a:ln>
-        </p:spPr>
-        <p:txBody>
-          <a:bodyPr anchorCtr="0" anchor="t" bIns="91425" lIns="91425" spcFirstLastPara="1" rIns="91425" wrap="square" tIns="91425">
-            <a:spAutoFit/>
-          </a:bodyPr>
-          <a:lstStyle/>
-          <a:p>
-            <a:pPr indent="0" lvl="0" marL="0" rtl="0" algn="l">
-              <a:spcBef>
-                <a:spcPts val="0"/>
-              </a:spcBef>
-              <a:spcAft>
-                <a:spcPts val="0"/>
-              </a:spcAft>
-              <a:buNone/>
-            </a:pPr>
-            <a:r>
-              <a:rPr lang="es-MX" sz="2800">
-                <a:solidFill>
-                  <a:schemeClr val="dk1"/>
-                </a:solidFill>
-                <a:latin typeface="Calibri"/>
-                <a:ea typeface="Calibri"/>
-                <a:cs typeface="Calibri"/>
-                <a:sym typeface="Calibri"/>
-              </a:rPr>
-              <a:t>R2</a:t>
-            </a:r>
-            <a:endParaRPr sz="2800">
-              <a:solidFill>
-                <a:schemeClr val="dk1"/>
-              </a:solidFill>
-              <a:latin typeface="Calibri"/>
-              <a:ea typeface="Calibri"/>
-              <a:cs typeface="Calibri"/>
-              <a:sym typeface="Calibri"/>
-            </a:endParaRPr>
-          </a:p>
-        </p:txBody>
-      </p:sp>
     </p:spTree>
   </p:cSld>
   <p:clrMapOvr>
@@ -19140,12 +19170,12 @@
 </p:sld>
 </file>
 
-<file path=ppt/slides/slide9.xml><?xml version="1.0" encoding="utf-8"?>
+<file path=ppt/slides/slide8.xml><?xml version="1.0" encoding="utf-8"?>
 <p:sld xmlns:a="http://schemas.openxmlformats.org/drawingml/2006/main" xmlns:r="http://schemas.openxmlformats.org/officeDocument/2006/relationships" xmlns:mc="http://schemas.openxmlformats.org/markup-compatibility/2006" xmlns:mv="urn:schemas-microsoft-com:mac:vml" xmlns:p="http://schemas.openxmlformats.org/presentationml/2006/main" xmlns:c="http://schemas.openxmlformats.org/drawingml/2006/chart" xmlns:dgm="http://schemas.openxmlformats.org/drawingml/2006/diagram" xmlns:o="urn:schemas-microsoft-com:office:office" xmlns:v="urn:schemas-microsoft-com:vml" xmlns:pvml="urn:schemas-microsoft-com:office:powerpoint" xmlns:com="http://schemas.openxmlformats.org/drawingml/2006/compatibility" xmlns:p14="http://schemas.microsoft.com/office/powerpoint/2010/main" xmlns:p15="http://schemas.microsoft.com/office/powerpoint/2012/main" xmlns:ahyp="http://schemas.microsoft.com/office/drawing/2018/hyperlinkcolor">
   <p:cSld>
     <p:spTree>
       <p:nvGrpSpPr>
-        <p:cNvPr id="179" name="Shape 179"/>
+        <p:cNvPr id="141" name="Shape 141"/>
         <p:cNvGrpSpPr/>
         <p:nvPr/>
       </p:nvGrpSpPr>
@@ -19159,7 +19189,7 @@
       </p:grpSpPr>
       <p:pic>
         <p:nvPicPr>
-          <p:cNvPr descr="EscuelaIT Duoc UC - Escuela de Informática y Telecomunicaciones Duoc UC - Duoc  UC | LinkedIn" id="180" name="Google Shape;180;p8"/>
+          <p:cNvPr descr="EscuelaIT Duoc UC - Escuela de Informática y Telecomunicaciones Duoc UC - Duoc  UC | LinkedIn" id="142" name="Google Shape;142;p8"/>
           <p:cNvPicPr preferRelativeResize="0"/>
           <p:nvPr/>
         </p:nvPicPr>
@@ -19186,7 +19216,7 @@
       </p:pic>
       <p:sp>
         <p:nvSpPr>
-          <p:cNvPr id="181" name="Google Shape;181;p8"/>
+          <p:cNvPr id="143" name="Google Shape;143;p8"/>
           <p:cNvSpPr txBox="1"/>
           <p:nvPr/>
         </p:nvSpPr>
@@ -19248,7 +19278,7 @@
       </p:sp>
       <p:sp>
         <p:nvSpPr>
-          <p:cNvPr id="182" name="Google Shape;182;p8"/>
+          <p:cNvPr id="144" name="Google Shape;144;p8"/>
           <p:cNvSpPr txBox="1"/>
           <p:nvPr/>
         </p:nvSpPr>
@@ -19313,7 +19343,7 @@
       </p:sp>
       <p:cxnSp>
         <p:nvCxnSpPr>
-          <p:cNvPr id="183" name="Google Shape;183;p8"/>
+          <p:cNvPr id="145" name="Google Shape;145;p8"/>
           <p:cNvCxnSpPr/>
           <p:nvPr/>
         </p:nvCxnSpPr>
@@ -19339,7 +19369,7 @@
       </p:cxnSp>
       <p:pic>
         <p:nvPicPr>
-          <p:cNvPr id="184" name="Google Shape;184;p8" title="ChatGPT Image 1 sept 2025, 07_28_09 p.m..png"/>
+          <p:cNvPr id="146" name="Google Shape;146;p8" title="ChatGPT Image 1 sept 2025, 07_28_09 p.m..png"/>
           <p:cNvPicPr preferRelativeResize="0"/>
           <p:nvPr/>
         </p:nvPicPr>
@@ -19374,7 +19404,7 @@
       </p:pic>
       <p:pic>
         <p:nvPicPr>
-          <p:cNvPr id="185" name="Google Shape;185;p8"/>
+          <p:cNvPr id="147" name="Google Shape;147;p8"/>
           <p:cNvPicPr preferRelativeResize="0"/>
           <p:nvPr/>
         </p:nvPicPr>
@@ -19411,7 +19441,469 @@
 </p:sld>
 </file>
 
+<file path=ppt/slides/slide9.xml><?xml version="1.0" encoding="utf-8"?>
+<p:sld xmlns:a="http://schemas.openxmlformats.org/drawingml/2006/main" xmlns:r="http://schemas.openxmlformats.org/officeDocument/2006/relationships" xmlns:mc="http://schemas.openxmlformats.org/markup-compatibility/2006" xmlns:mv="urn:schemas-microsoft-com:mac:vml" xmlns:p="http://schemas.openxmlformats.org/presentationml/2006/main" xmlns:c="http://schemas.openxmlformats.org/drawingml/2006/chart" xmlns:dgm="http://schemas.openxmlformats.org/drawingml/2006/diagram" xmlns:o="urn:schemas-microsoft-com:office:office" xmlns:v="urn:schemas-microsoft-com:vml" xmlns:pvml="urn:schemas-microsoft-com:office:powerpoint" xmlns:com="http://schemas.openxmlformats.org/drawingml/2006/compatibility" xmlns:p14="http://schemas.microsoft.com/office/powerpoint/2010/main" xmlns:p15="http://schemas.microsoft.com/office/powerpoint/2012/main" xmlns:ahyp="http://schemas.microsoft.com/office/drawing/2018/hyperlinkcolor">
+  <p:cSld>
+    <p:spTree>
+      <p:nvGrpSpPr>
+        <p:cNvPr id="151" name="Shape 151"/>
+        <p:cNvGrpSpPr/>
+        <p:nvPr/>
+      </p:nvGrpSpPr>
+      <p:grpSpPr>
+        <a:xfrm>
+          <a:off x="0" y="0"/>
+          <a:ext cx="0" cy="0"/>
+          <a:chOff x="0" y="0"/>
+          <a:chExt cx="0" cy="0"/>
+        </a:xfrm>
+      </p:grpSpPr>
+      <p:pic>
+        <p:nvPicPr>
+          <p:cNvPr descr="EscuelaIT Duoc UC - Escuela de Informática y Telecomunicaciones Duoc UC - Duoc  UC | LinkedIn" id="152" name="Google Shape;152;p9"/>
+          <p:cNvPicPr preferRelativeResize="0"/>
+          <p:nvPr/>
+        </p:nvPicPr>
+        <p:blipFill rotWithShape="1">
+          <a:blip r:embed="rId3">
+            <a:alphaModFix/>
+          </a:blip>
+          <a:srcRect b="0" l="0" r="0" t="0"/>
+          <a:stretch/>
+        </p:blipFill>
+        <p:spPr>
+          <a:xfrm>
+            <a:off x="8772152" y="207550"/>
+            <a:ext cx="3141406" cy="785352"/>
+          </a:xfrm>
+          <a:prstGeom prst="rect">
+            <a:avLst/>
+          </a:prstGeom>
+          <a:noFill/>
+          <a:ln>
+            <a:noFill/>
+          </a:ln>
+        </p:spPr>
+      </p:pic>
+      <p:sp>
+        <p:nvSpPr>
+          <p:cNvPr id="153" name="Google Shape;153;p9"/>
+          <p:cNvSpPr txBox="1"/>
+          <p:nvPr/>
+        </p:nvSpPr>
+        <p:spPr>
+          <a:xfrm>
+            <a:off x="136188" y="368928"/>
+            <a:ext cx="12192000" cy="369300"/>
+          </a:xfrm>
+          <a:prstGeom prst="rect">
+            <a:avLst/>
+          </a:prstGeom>
+          <a:noFill/>
+          <a:ln>
+            <a:noFill/>
+          </a:ln>
+        </p:spPr>
+        <p:txBody>
+          <a:bodyPr anchorCtr="0" anchor="t" bIns="45700" lIns="91425" spcFirstLastPara="1" rIns="91425" wrap="square" tIns="45700">
+            <a:spAutoFit/>
+          </a:bodyPr>
+          <a:lstStyle/>
+          <a:p>
+            <a:pPr indent="0" lvl="0" marL="0" marR="0" rtl="0" algn="l">
+              <a:spcBef>
+                <a:spcPts val="0"/>
+              </a:spcBef>
+              <a:spcAft>
+                <a:spcPts val="0"/>
+              </a:spcAft>
+              <a:buNone/>
+            </a:pPr>
+            <a:r>
+              <a:rPr lang="es-MX" sz="1800">
+                <a:solidFill>
+                  <a:srgbClr val="757070"/>
+                </a:solidFill>
+                <a:latin typeface="Calibri"/>
+                <a:ea typeface="Calibri"/>
+                <a:cs typeface="Calibri"/>
+                <a:sym typeface="Calibri"/>
+              </a:rPr>
+              <a:t>PROYECTO “</a:t>
+            </a:r>
+            <a:r>
+              <a:rPr lang="es-MX" sz="1800">
+                <a:solidFill>
+                  <a:srgbClr val="757070"/>
+                </a:solidFill>
+                <a:latin typeface="Calibri"/>
+                <a:ea typeface="Calibri"/>
+                <a:cs typeface="Calibri"/>
+                <a:sym typeface="Calibri"/>
+              </a:rPr>
+              <a:t>SignBridge</a:t>
+            </a:r>
+            <a:r>
+              <a:rPr lang="es-MX" sz="1800">
+                <a:solidFill>
+                  <a:srgbClr val="757070"/>
+                </a:solidFill>
+                <a:latin typeface="Calibri"/>
+                <a:ea typeface="Calibri"/>
+                <a:cs typeface="Calibri"/>
+                <a:sym typeface="Calibri"/>
+              </a:rPr>
+              <a:t>”</a:t>
+            </a:r>
+            <a:endParaRPr/>
+          </a:p>
+        </p:txBody>
+      </p:sp>
+      <p:cxnSp>
+        <p:nvCxnSpPr>
+          <p:cNvPr id="154" name="Google Shape;154;p9"/>
+          <p:cNvCxnSpPr/>
+          <p:nvPr/>
+        </p:nvCxnSpPr>
+        <p:spPr>
+          <a:xfrm>
+            <a:off x="0" y="758027"/>
+            <a:ext cx="4085617" cy="0"/>
+          </a:xfrm>
+          <a:prstGeom prst="straightConnector1">
+            <a:avLst/>
+          </a:prstGeom>
+          <a:noFill/>
+          <a:ln cap="flat" cmpd="sng" w="15875">
+            <a:solidFill>
+              <a:srgbClr val="F5F7FC"/>
+            </a:solidFill>
+            <a:prstDash val="solid"/>
+            <a:miter lim="800000"/>
+            <a:headEnd len="sm" w="sm" type="none"/>
+            <a:tailEnd len="sm" w="sm" type="none"/>
+          </a:ln>
+        </p:spPr>
+      </p:cxnSp>
+      <p:pic>
+        <p:nvPicPr>
+          <p:cNvPr id="155" name="Google Shape;155;p9"/>
+          <p:cNvPicPr preferRelativeResize="0"/>
+          <p:nvPr/>
+        </p:nvPicPr>
+        <p:blipFill>
+          <a:blip r:embed="rId4">
+            <a:alphaModFix/>
+          </a:blip>
+          <a:stretch>
+            <a:fillRect/>
+          </a:stretch>
+        </p:blipFill>
+        <p:spPr>
+          <a:xfrm>
+            <a:off x="629575" y="831602"/>
+            <a:ext cx="10932831" cy="5560298"/>
+          </a:xfrm>
+          <a:prstGeom prst="rect">
+            <a:avLst/>
+          </a:prstGeom>
+          <a:noFill/>
+          <a:ln>
+            <a:noFill/>
+          </a:ln>
+        </p:spPr>
+      </p:pic>
+    </p:spTree>
+  </p:cSld>
+  <p:clrMapOvr>
+    <a:masterClrMapping/>
+  </p:clrMapOvr>
+  <p:transition spd="slow">
+    <p:wipe dir="l"/>
+  </p:transition>
+</p:sld>
+</file>
+
 <file path=ppt/theme/theme1.xml><?xml version="1.0" encoding="utf-8"?>
+<a:theme xmlns:a="http://schemas.openxmlformats.org/drawingml/2006/main" xmlns:r="http://schemas.openxmlformats.org/officeDocument/2006/relationships" name="Tema de Office">
+  <a:themeElements>
+    <a:clrScheme name="Office">
+      <a:dk1>
+        <a:srgbClr val="000000"/>
+      </a:dk1>
+      <a:lt1>
+        <a:srgbClr val="FFFFFF"/>
+      </a:lt1>
+      <a:dk2>
+        <a:srgbClr val="44546A"/>
+      </a:dk2>
+      <a:lt2>
+        <a:srgbClr val="E7E6E6"/>
+      </a:lt2>
+      <a:accent1>
+        <a:srgbClr val="4472C4"/>
+      </a:accent1>
+      <a:accent2>
+        <a:srgbClr val="ED7D31"/>
+      </a:accent2>
+      <a:accent3>
+        <a:srgbClr val="A5A5A5"/>
+      </a:accent3>
+      <a:accent4>
+        <a:srgbClr val="FFC000"/>
+      </a:accent4>
+      <a:accent5>
+        <a:srgbClr val="5B9BD5"/>
+      </a:accent5>
+      <a:accent6>
+        <a:srgbClr val="70AD47"/>
+      </a:accent6>
+      <a:hlink>
+        <a:srgbClr val="0563C1"/>
+      </a:hlink>
+      <a:folHlink>
+        <a:srgbClr val="954F72"/>
+      </a:folHlink>
+    </a:clrScheme>
+    <a:fontScheme name="Office">
+      <a:majorFont>
+        <a:latin typeface="Arial"/>
+        <a:ea typeface=""/>
+        <a:cs typeface=""/>
+        <a:font script="Jpan" typeface="ＭＳ Ｐゴシック"/>
+        <a:font script="Hang" typeface="맑은 고딕"/>
+        <a:font script="Hans" typeface="宋体"/>
+        <a:font script="Hant" typeface="新細明體"/>
+        <a:font script="Arab" typeface="Times New Roman"/>
+        <a:font script="Hebr" typeface="Times New Roman"/>
+        <a:font script="Thai" typeface="Angsana New"/>
+        <a:font script="Ethi" typeface="Nyala"/>
+        <a:font script="Beng" typeface="Vrinda"/>
+        <a:font script="Gujr" typeface="Shruti"/>
+        <a:font script="Khmr" typeface="MoolBoran"/>
+        <a:font script="Knda" typeface="Tunga"/>
+        <a:font script="Guru" typeface="Raavi"/>
+        <a:font script="Cans" typeface="Euphemia"/>
+        <a:font script="Cher" typeface="Plantagenet Cherokee"/>
+        <a:font script="Yiii" typeface="Microsoft Yi Baiti"/>
+        <a:font script="Tibt" typeface="Microsoft Himalaya"/>
+        <a:font script="Thaa" typeface="MV Boli"/>
+        <a:font script="Deva" typeface="Mangal"/>
+        <a:font script="Telu" typeface="Gautami"/>
+        <a:font script="Taml" typeface="Latha"/>
+        <a:font script="Syrc" typeface="Estrangelo Edessa"/>
+        <a:font script="Orya" typeface="Kalinga"/>
+        <a:font script="Mlym" typeface="Kartika"/>
+        <a:font script="Laoo" typeface="DokChampa"/>
+        <a:font script="Sinh" typeface="Iskoola Pota"/>
+        <a:font script="Mong" typeface="Mongolian Baiti"/>
+        <a:font script="Viet" typeface="Times New Roman"/>
+        <a:font script="Uigh" typeface="Microsoft Uighur"/>
+        <a:font script="Geor" typeface="Sylfaen"/>
+      </a:majorFont>
+      <a:minorFont>
+        <a:latin typeface="Arial"/>
+        <a:ea typeface=""/>
+        <a:cs typeface=""/>
+        <a:font script="Jpan" typeface="ＭＳ Ｐゴシック"/>
+        <a:font script="Hang" typeface="맑은 고딕"/>
+        <a:font script="Hans" typeface="宋体"/>
+        <a:font script="Hant" typeface="新細明體"/>
+        <a:font script="Arab" typeface="Arial"/>
+        <a:font script="Hebr" typeface="Arial"/>
+        <a:font script="Thai" typeface="Cordia New"/>
+        <a:font script="Ethi" typeface="Nyala"/>
+        <a:font script="Beng" typeface="Vrinda"/>
+        <a:font script="Gujr" typeface="Shruti"/>
+        <a:font script="Khmr" typeface="DaunPenh"/>
+        <a:font script="Knda" typeface="Tunga"/>
+        <a:font script="Guru" typeface="Raavi"/>
+        <a:font script="Cans" typeface="Euphemia"/>
+        <a:font script="Cher" typeface="Plantagenet Cherokee"/>
+        <a:font script="Yiii" typeface="Microsoft Yi Baiti"/>
+        <a:font script="Tibt" typeface="Microsoft Himalaya"/>
+        <a:font script="Thaa" typeface="MV Boli"/>
+        <a:font script="Deva" typeface="Mangal"/>
+        <a:font script="Telu" typeface="Gautami"/>
+        <a:font script="Taml" typeface="Latha"/>
+        <a:font script="Syrc" typeface="Estrangelo Edessa"/>
+        <a:font script="Orya" typeface="Kalinga"/>
+        <a:font script="Mlym" typeface="Kartika"/>
+        <a:font script="Laoo" typeface="DokChampa"/>
+        <a:font script="Sinh" typeface="Iskoola Pota"/>
+        <a:font script="Mong" typeface="Mongolian Baiti"/>
+        <a:font script="Viet" typeface="Arial"/>
+        <a:font script="Uigh" typeface="Microsoft Uighur"/>
+        <a:font script="Geor" typeface="Sylfaen"/>
+      </a:minorFont>
+    </a:fontScheme>
+    <a:fmtScheme name="Office">
+      <a:fillStyleLst>
+        <a:solidFill>
+          <a:schemeClr val="phClr"/>
+        </a:solidFill>
+        <a:gradFill rotWithShape="1">
+          <a:gsLst>
+            <a:gs pos="0">
+              <a:schemeClr val="phClr">
+                <a:tint val="50000"/>
+                <a:satMod val="300000"/>
+              </a:schemeClr>
+            </a:gs>
+            <a:gs pos="35000">
+              <a:schemeClr val="phClr">
+                <a:tint val="37000"/>
+                <a:satMod val="300000"/>
+              </a:schemeClr>
+            </a:gs>
+            <a:gs pos="100000">
+              <a:schemeClr val="phClr">
+                <a:tint val="15000"/>
+                <a:satMod val="350000"/>
+              </a:schemeClr>
+            </a:gs>
+          </a:gsLst>
+          <a:lin ang="16200000" scaled="1"/>
+        </a:gradFill>
+        <a:gradFill rotWithShape="1">
+          <a:gsLst>
+            <a:gs pos="0">
+              <a:schemeClr val="phClr">
+                <a:tint val="100000"/>
+                <a:shade val="100000"/>
+                <a:satMod val="130000"/>
+              </a:schemeClr>
+            </a:gs>
+            <a:gs pos="100000">
+              <a:schemeClr val="phClr">
+                <a:tint val="50000"/>
+                <a:shade val="100000"/>
+                <a:satMod val="350000"/>
+              </a:schemeClr>
+            </a:gs>
+          </a:gsLst>
+          <a:lin ang="16200000" scaled="0"/>
+        </a:gradFill>
+      </a:fillStyleLst>
+      <a:lnStyleLst>
+        <a:ln w="9525" cap="flat" cmpd="sng" algn="ctr">
+          <a:solidFill>
+            <a:schemeClr val="phClr">
+              <a:shade val="95000"/>
+              <a:satMod val="105000"/>
+            </a:schemeClr>
+          </a:solidFill>
+          <a:prstDash val="solid"/>
+        </a:ln>
+        <a:ln w="25400" cap="flat" cmpd="sng" algn="ctr">
+          <a:solidFill>
+            <a:schemeClr val="phClr"/>
+          </a:solidFill>
+          <a:prstDash val="solid"/>
+        </a:ln>
+        <a:ln w="38100" cap="flat" cmpd="sng" algn="ctr">
+          <a:solidFill>
+            <a:schemeClr val="phClr"/>
+          </a:solidFill>
+          <a:prstDash val="solid"/>
+        </a:ln>
+      </a:lnStyleLst>
+      <a:effectStyleLst>
+        <a:effectStyle>
+          <a:effectLst>
+            <a:outerShdw blurRad="40000" dist="20000" dir="5400000" rotWithShape="0">
+              <a:srgbClr val="000000">
+                <a:alpha val="38000"/>
+              </a:srgbClr>
+            </a:outerShdw>
+          </a:effectLst>
+        </a:effectStyle>
+        <a:effectStyle>
+          <a:effectLst>
+            <a:outerShdw blurRad="40000" dist="23000" dir="5400000" rotWithShape="0">
+              <a:srgbClr val="000000">
+                <a:alpha val="35000"/>
+              </a:srgbClr>
+            </a:outerShdw>
+          </a:effectLst>
+        </a:effectStyle>
+        <a:effectStyle>
+          <a:effectLst>
+            <a:outerShdw blurRad="40000" dist="23000" dir="5400000" rotWithShape="0">
+              <a:srgbClr val="000000">
+                <a:alpha val="35000"/>
+              </a:srgbClr>
+            </a:outerShdw>
+          </a:effectLst>
+          <a:scene3d>
+            <a:camera prst="orthographicFront">
+              <a:rot lat="0" lon="0" rev="0"/>
+            </a:camera>
+            <a:lightRig rig="threePt" dir="t">
+              <a:rot lat="0" lon="0" rev="1200000"/>
+            </a:lightRig>
+          </a:scene3d>
+          <a:sp3d>
+            <a:bevelT w="63500" h="25400"/>
+          </a:sp3d>
+        </a:effectStyle>
+      </a:effectStyleLst>
+      <a:bgFillStyleLst>
+        <a:solidFill>
+          <a:schemeClr val="phClr"/>
+        </a:solidFill>
+        <a:gradFill rotWithShape="1">
+          <a:gsLst>
+            <a:gs pos="0">
+              <a:schemeClr val="phClr">
+                <a:tint val="40000"/>
+                <a:satMod val="350000"/>
+              </a:schemeClr>
+            </a:gs>
+            <a:gs pos="40000">
+              <a:schemeClr val="phClr">
+                <a:tint val="45000"/>
+                <a:shade val="99000"/>
+                <a:satMod val="350000"/>
+              </a:schemeClr>
+            </a:gs>
+            <a:gs pos="100000">
+              <a:schemeClr val="phClr">
+                <a:shade val="20000"/>
+                <a:satMod val="255000"/>
+              </a:schemeClr>
+            </a:gs>
+          </a:gsLst>
+          <a:path path="circle">
+            <a:fillToRect l="50000" t="-80000" r="50000" b="180000"/>
+          </a:path>
+        </a:gradFill>
+        <a:gradFill rotWithShape="1">
+          <a:gsLst>
+            <a:gs pos="0">
+              <a:schemeClr val="phClr">
+                <a:tint val="80000"/>
+                <a:satMod val="300000"/>
+              </a:schemeClr>
+            </a:gs>
+            <a:gs pos="100000">
+              <a:schemeClr val="phClr">
+                <a:shade val="30000"/>
+                <a:satMod val="200000"/>
+              </a:schemeClr>
+            </a:gs>
+          </a:gsLst>
+          <a:path path="circle">
+            <a:fillToRect l="50000" t="50000" r="50000" b="50000"/>
+          </a:path>
+        </a:gradFill>
+      </a:bgFillStyleLst>
+    </a:fmtScheme>
+  </a:themeElements>
+</a:theme>
+</file>
+
+<file path=ppt/theme/theme2.xml><?xml version="1.0" encoding="utf-8"?>
 <a:theme xmlns:a="http://schemas.openxmlformats.org/drawingml/2006/main" xmlns:r="http://schemas.openxmlformats.org/officeDocument/2006/relationships">
   <a:themeElements>
     <a:clrScheme name="Default">
@@ -19688,283 +20180,4 @@
     </a:fmtScheme>
   </a:themeElements>
 </a:theme>
-</file>
-
-<file path=ppt/theme/theme2.xml><?xml version="1.0" encoding="utf-8"?>
-<a:theme xmlns:a="http://schemas.openxmlformats.org/drawingml/2006/main" xmlns:r="http://schemas.openxmlformats.org/officeDocument/2006/relationships" name="Tema de Office">
-  <a:themeElements>
-    <a:clrScheme name="Office">
-      <a:dk1>
-        <a:srgbClr val="000000"/>
-      </a:dk1>
-      <a:lt1>
-        <a:srgbClr val="FFFFFF"/>
-      </a:lt1>
-      <a:dk2>
-        <a:srgbClr val="44546A"/>
-      </a:dk2>
-      <a:lt2>
-        <a:srgbClr val="E7E6E6"/>
-      </a:lt2>
-      <a:accent1>
-        <a:srgbClr val="4472C4"/>
-      </a:accent1>
-      <a:accent2>
-        <a:srgbClr val="ED7D31"/>
-      </a:accent2>
-      <a:accent3>
-        <a:srgbClr val="A5A5A5"/>
-      </a:accent3>
-      <a:accent4>
-        <a:srgbClr val="FFC000"/>
-      </a:accent4>
-      <a:accent5>
-        <a:srgbClr val="5B9BD5"/>
-      </a:accent5>
-      <a:accent6>
-        <a:srgbClr val="70AD47"/>
-      </a:accent6>
-      <a:hlink>
-        <a:srgbClr val="0563C1"/>
-      </a:hlink>
-      <a:folHlink>
-        <a:srgbClr val="954F72"/>
-      </a:folHlink>
-    </a:clrScheme>
-    <a:fontScheme name="Office">
-      <a:majorFont>
-        <a:latin typeface="Arial"/>
-        <a:ea typeface=""/>
-        <a:cs typeface=""/>
-        <a:font script="Jpan" typeface="ＭＳ Ｐゴシック"/>
-        <a:font script="Hang" typeface="맑은 고딕"/>
-        <a:font script="Hans" typeface="宋体"/>
-        <a:font script="Hant" typeface="新細明體"/>
-        <a:font script="Arab" typeface="Times New Roman"/>
-        <a:font script="Hebr" typeface="Times New Roman"/>
-        <a:font script="Thai" typeface="Angsana New"/>
-        <a:font script="Ethi" typeface="Nyala"/>
-        <a:font script="Beng" typeface="Vrinda"/>
-        <a:font script="Gujr" typeface="Shruti"/>
-        <a:font script="Khmr" typeface="MoolBoran"/>
-        <a:font script="Knda" typeface="Tunga"/>
-        <a:font script="Guru" typeface="Raavi"/>
-        <a:font script="Cans" typeface="Euphemia"/>
-        <a:font script="Cher" typeface="Plantagenet Cherokee"/>
-        <a:font script="Yiii" typeface="Microsoft Yi Baiti"/>
-        <a:font script="Tibt" typeface="Microsoft Himalaya"/>
-        <a:font script="Thaa" typeface="MV Boli"/>
-        <a:font script="Deva" typeface="Mangal"/>
-        <a:font script="Telu" typeface="Gautami"/>
-        <a:font script="Taml" typeface="Latha"/>
-        <a:font script="Syrc" typeface="Estrangelo Edessa"/>
-        <a:font script="Orya" typeface="Kalinga"/>
-        <a:font script="Mlym" typeface="Kartika"/>
-        <a:font script="Laoo" typeface="DokChampa"/>
-        <a:font script="Sinh" typeface="Iskoola Pota"/>
-        <a:font script="Mong" typeface="Mongolian Baiti"/>
-        <a:font script="Viet" typeface="Times New Roman"/>
-        <a:font script="Uigh" typeface="Microsoft Uighur"/>
-        <a:font script="Geor" typeface="Sylfaen"/>
-      </a:majorFont>
-      <a:minorFont>
-        <a:latin typeface="Arial"/>
-        <a:ea typeface=""/>
-        <a:cs typeface=""/>
-        <a:font script="Jpan" typeface="ＭＳ Ｐゴシック"/>
-        <a:font script="Hang" typeface="맑은 고딕"/>
-        <a:font script="Hans" typeface="宋体"/>
-        <a:font script="Hant" typeface="新細明體"/>
-        <a:font script="Arab" typeface="Arial"/>
-        <a:font script="Hebr" typeface="Arial"/>
-        <a:font script="Thai" typeface="Cordia New"/>
-        <a:font script="Ethi" typeface="Nyala"/>
-        <a:font script="Beng" typeface="Vrinda"/>
-        <a:font script="Gujr" typeface="Shruti"/>
-        <a:font script="Khmr" typeface="DaunPenh"/>
-        <a:font script="Knda" typeface="Tunga"/>
-        <a:font script="Guru" typeface="Raavi"/>
-        <a:font script="Cans" typeface="Euphemia"/>
-        <a:font script="Cher" typeface="Plantagenet Cherokee"/>
-        <a:font script="Yiii" typeface="Microsoft Yi Baiti"/>
-        <a:font script="Tibt" typeface="Microsoft Himalaya"/>
-        <a:font script="Thaa" typeface="MV Boli"/>
-        <a:font script="Deva" typeface="Mangal"/>
-        <a:font script="Telu" typeface="Gautami"/>
-        <a:font script="Taml" typeface="Latha"/>
-        <a:font script="Syrc" typeface="Estrangelo Edessa"/>
-        <a:font script="Orya" typeface="Kalinga"/>
-        <a:font script="Mlym" typeface="Kartika"/>
-        <a:font script="Laoo" typeface="DokChampa"/>
-        <a:font script="Sinh" typeface="Iskoola Pota"/>
-        <a:font script="Mong" typeface="Mongolian Baiti"/>
-        <a:font script="Viet" typeface="Arial"/>
-        <a:font script="Uigh" typeface="Microsoft Uighur"/>
-        <a:font script="Geor" typeface="Sylfaen"/>
-      </a:minorFont>
-    </a:fontScheme>
-    <a:fmtScheme name="Office">
-      <a:fillStyleLst>
-        <a:solidFill>
-          <a:schemeClr val="phClr"/>
-        </a:solidFill>
-        <a:gradFill rotWithShape="1">
-          <a:gsLst>
-            <a:gs pos="0">
-              <a:schemeClr val="phClr">
-                <a:tint val="50000"/>
-                <a:satMod val="300000"/>
-              </a:schemeClr>
-            </a:gs>
-            <a:gs pos="35000">
-              <a:schemeClr val="phClr">
-                <a:tint val="37000"/>
-                <a:satMod val="300000"/>
-              </a:schemeClr>
-            </a:gs>
-            <a:gs pos="100000">
-              <a:schemeClr val="phClr">
-                <a:tint val="15000"/>
-                <a:satMod val="350000"/>
-              </a:schemeClr>
-            </a:gs>
-          </a:gsLst>
-          <a:lin ang="16200000" scaled="1"/>
-        </a:gradFill>
-        <a:gradFill rotWithShape="1">
-          <a:gsLst>
-            <a:gs pos="0">
-              <a:schemeClr val="phClr">
-                <a:tint val="100000"/>
-                <a:shade val="100000"/>
-                <a:satMod val="130000"/>
-              </a:schemeClr>
-            </a:gs>
-            <a:gs pos="100000">
-              <a:schemeClr val="phClr">
-                <a:tint val="50000"/>
-                <a:shade val="100000"/>
-                <a:satMod val="350000"/>
-              </a:schemeClr>
-            </a:gs>
-          </a:gsLst>
-          <a:lin ang="16200000" scaled="0"/>
-        </a:gradFill>
-      </a:fillStyleLst>
-      <a:lnStyleLst>
-        <a:ln w="9525" cap="flat" cmpd="sng" algn="ctr">
-          <a:solidFill>
-            <a:schemeClr val="phClr">
-              <a:shade val="95000"/>
-              <a:satMod val="105000"/>
-            </a:schemeClr>
-          </a:solidFill>
-          <a:prstDash val="solid"/>
-        </a:ln>
-        <a:ln w="25400" cap="flat" cmpd="sng" algn="ctr">
-          <a:solidFill>
-            <a:schemeClr val="phClr"/>
-          </a:solidFill>
-          <a:prstDash val="solid"/>
-        </a:ln>
-        <a:ln w="38100" cap="flat" cmpd="sng" algn="ctr">
-          <a:solidFill>
-            <a:schemeClr val="phClr"/>
-          </a:solidFill>
-          <a:prstDash val="solid"/>
-        </a:ln>
-      </a:lnStyleLst>
-      <a:effectStyleLst>
-        <a:effectStyle>
-          <a:effectLst>
-            <a:outerShdw blurRad="40000" dist="20000" dir="5400000" rotWithShape="0">
-              <a:srgbClr val="000000">
-                <a:alpha val="38000"/>
-              </a:srgbClr>
-            </a:outerShdw>
-          </a:effectLst>
-        </a:effectStyle>
-        <a:effectStyle>
-          <a:effectLst>
-            <a:outerShdw blurRad="40000" dist="23000" dir="5400000" rotWithShape="0">
-              <a:srgbClr val="000000">
-                <a:alpha val="35000"/>
-              </a:srgbClr>
-            </a:outerShdw>
-          </a:effectLst>
-        </a:effectStyle>
-        <a:effectStyle>
-          <a:effectLst>
-            <a:outerShdw blurRad="40000" dist="23000" dir="5400000" rotWithShape="0">
-              <a:srgbClr val="000000">
-                <a:alpha val="35000"/>
-              </a:srgbClr>
-            </a:outerShdw>
-          </a:effectLst>
-          <a:scene3d>
-            <a:camera prst="orthographicFront">
-              <a:rot lat="0" lon="0" rev="0"/>
-            </a:camera>
-            <a:lightRig rig="threePt" dir="t">
-              <a:rot lat="0" lon="0" rev="1200000"/>
-            </a:lightRig>
-          </a:scene3d>
-          <a:sp3d>
-            <a:bevelT w="63500" h="25400"/>
-          </a:sp3d>
-        </a:effectStyle>
-      </a:effectStyleLst>
-      <a:bgFillStyleLst>
-        <a:solidFill>
-          <a:schemeClr val="phClr"/>
-        </a:solidFill>
-        <a:gradFill rotWithShape="1">
-          <a:gsLst>
-            <a:gs pos="0">
-              <a:schemeClr val="phClr">
-                <a:tint val="40000"/>
-                <a:satMod val="350000"/>
-              </a:schemeClr>
-            </a:gs>
-            <a:gs pos="40000">
-              <a:schemeClr val="phClr">
-                <a:tint val="45000"/>
-                <a:shade val="99000"/>
-                <a:satMod val="350000"/>
-              </a:schemeClr>
-            </a:gs>
-            <a:gs pos="100000">
-              <a:schemeClr val="phClr">
-                <a:shade val="20000"/>
-                <a:satMod val="255000"/>
-              </a:schemeClr>
-            </a:gs>
-          </a:gsLst>
-          <a:path path="circle">
-            <a:fillToRect l="50000" t="-80000" r="50000" b="180000"/>
-          </a:path>
-        </a:gradFill>
-        <a:gradFill rotWithShape="1">
-          <a:gsLst>
-            <a:gs pos="0">
-              <a:schemeClr val="phClr">
-                <a:tint val="80000"/>
-                <a:satMod val="300000"/>
-              </a:schemeClr>
-            </a:gs>
-            <a:gs pos="100000">
-              <a:schemeClr val="phClr">
-                <a:shade val="30000"/>
-                <a:satMod val="200000"/>
-              </a:schemeClr>
-            </a:gs>
-          </a:gsLst>
-          <a:path path="circle">
-            <a:fillToRect l="50000" t="50000" r="50000" b="50000"/>
-          </a:path>
-        </a:gradFill>
-      </a:bgFillStyleLst>
-    </a:fmtScheme>
-  </a:themeElements>
-</a:theme>
 </file>